--- a/Group2_MusicWordsSlap_Part6.pptx
+++ b/Group2_MusicWordsSlap_Part6.pptx
@@ -1868,7 +1868,7 @@
         <p:spPr>
           <a:xfrm>
             <a:off x="1451610" y="1405539"/>
-            <a:ext cx="9427845" cy="3207288"/>
+            <a:ext cx="10130790" cy="3617657"/>
           </a:xfrm>
           <a:prstGeom prst="rect">
             <a:avLst/>
@@ -2308,6 +2308,16 @@
               </a:rPr>
               <a:t> </a:t>
             </a:r>
+          </a:p>
+          <a:p>
+            <a:pPr marL="542925" marR="2555875">
+              <a:lnSpc>
+                <a:spcPct val="125200"/>
+              </a:lnSpc>
+              <a:spcBef>
+                <a:spcPts val="75"/>
+              </a:spcBef>
+            </a:pPr>
             <a:r>
               <a:rPr lang="en-US" sz="2000" i="1" u="none" spc="-20" dirty="0">
                 <a:solidFill>
@@ -2424,7 +2434,74 @@
               </a:rPr>
               <a:t>https://genius.com</a:t>
             </a:r>
-            <a:endParaRPr lang="en-US" sz="2000" dirty="0">
+            <a:endParaRPr lang="en-US" sz="2000" i="1" u="sng" spc="-10" dirty="0">
+              <a:solidFill>
+                <a:srgbClr val="77A1BA"/>
+              </a:solidFill>
+              <a:uFill>
+                <a:solidFill>
+                  <a:srgbClr val="77A1BA"/>
+                </a:solidFill>
+              </a:uFill>
+              <a:latin typeface="Franklin Gothic Medium"/>
+              <a:cs typeface="Franklin Gothic Medium"/>
+            </a:endParaRPr>
+          </a:p>
+          <a:p>
+            <a:pPr marL="542925" marR="2555875">
+              <a:lnSpc>
+                <a:spcPct val="125200"/>
+              </a:lnSpc>
+              <a:spcBef>
+                <a:spcPts val="75"/>
+              </a:spcBef>
+            </a:pPr>
+            <a:r>
+              <a:rPr lang="en-US" i="1" spc="-20" dirty="0"/>
+              <a:t>S</a:t>
+            </a:r>
+            <a:r>
+              <a:rPr lang="en-US" sz="2000" i="1" u="none" spc="-20" dirty="0">
+                <a:solidFill>
+                  <a:srgbClr val="181B0D"/>
+                </a:solidFill>
+                <a:latin typeface="Franklin Gothic Medium"/>
+                <a:cs typeface="Franklin Gothic Medium"/>
+              </a:rPr>
+              <a:t>ong Metadata: </a:t>
+            </a:r>
+            <a:r>
+              <a:rPr lang="en-US" sz="2000" i="1" u="none" spc="-20" dirty="0">
+                <a:solidFill>
+                  <a:srgbClr val="181B0D"/>
+                </a:solidFill>
+                <a:hlinkClick r:id="rId6"/>
+              </a:rPr>
+              <a:t>https://developer.spotify.com/dashboard/create</a:t>
+            </a:r>
+            <a:r>
+              <a:rPr lang="en-US" i="1" u="sng" spc="-10" dirty="0">
+                <a:solidFill>
+                  <a:srgbClr val="77A1BA"/>
+                </a:solidFill>
+                <a:uFill>
+                  <a:solidFill>
+                    <a:srgbClr val="77A1BA"/>
+                  </a:solidFill>
+                </a:uFill>
+                <a:hlinkClick r:id="rId6"/>
+              </a:rPr>
+              <a:t> </a:t>
+            </a:r>
+            <a:endParaRPr lang="en-US" sz="2000" i="1" u="sng" spc="-10" dirty="0">
+              <a:solidFill>
+                <a:srgbClr val="77A1BA"/>
+              </a:solidFill>
+              <a:uFill>
+                <a:solidFill>
+                  <a:srgbClr val="77A1BA"/>
+                </a:solidFill>
+              </a:uFill>
               <a:latin typeface="Franklin Gothic Medium"/>
               <a:cs typeface="Franklin Gothic Medium"/>
             </a:endParaRPr>
@@ -4101,7 +4178,7 @@
         <p:spPr>
           <a:xfrm>
             <a:off x="1451610" y="1421828"/>
-            <a:ext cx="8776970" cy="4537075"/>
+            <a:ext cx="8776970" cy="4624599"/>
           </a:xfrm>
           <a:prstGeom prst="rect">
             <a:avLst/>
@@ -4149,9 +4226,29 @@
                 <a:latin typeface="Franklin Gothic Medium"/>
                 <a:cs typeface="Franklin Gothic Medium"/>
               </a:rPr>
-              <a:t>Work:</a:t>
-            </a:r>
-            <a:endParaRPr sz="2000">
+              <a:t>Work</a:t>
+            </a:r>
+            <a:r>
+              <a:rPr lang="en-US" sz="2000" spc="-10" dirty="0">
+                <a:solidFill>
+                  <a:srgbClr val="181B0D"/>
+                </a:solidFill>
+                <a:latin typeface="Franklin Gothic Medium"/>
+                <a:cs typeface="Franklin Gothic Medium"/>
+              </a:rPr>
+              <a:t> (done during the Genuis API phase)</a:t>
+            </a:r>
+            <a:r>
+              <a:rPr sz="2000" spc="-10" dirty="0">
+                <a:solidFill>
+                  <a:srgbClr val="181B0D"/>
+                </a:solidFill>
+                <a:latin typeface="Franklin Gothic Medium"/>
+                <a:cs typeface="Franklin Gothic Medium"/>
+              </a:rPr>
+              <a:t>:</a:t>
+            </a:r>
+            <a:endParaRPr sz="2000" dirty="0">
               <a:latin typeface="Franklin Gothic Medium"/>
               <a:cs typeface="Franklin Gothic Medium"/>
             </a:endParaRPr>
@@ -4245,7 +4342,7 @@
               </a:rPr>
               <a:t>None</a:t>
             </a:r>
-            <a:endParaRPr sz="2000">
+            <a:endParaRPr sz="2000" dirty="0">
               <a:latin typeface="Franklin Gothic Medium"/>
               <a:cs typeface="Franklin Gothic Medium"/>
             </a:endParaRPr>
@@ -4679,7 +4776,7 @@
               </a:rPr>
               <a:t>clean.</a:t>
             </a:r>
-            <a:endParaRPr sz="2000">
+            <a:endParaRPr sz="2000" dirty="0">
               <a:latin typeface="Franklin Gothic Medium"/>
               <a:cs typeface="Franklin Gothic Medium"/>
             </a:endParaRPr>
@@ -4763,7 +4860,7 @@
               </a:rPr>
               <a:t>Significant</a:t>
             </a:r>
-            <a:endParaRPr sz="2000">
+            <a:endParaRPr sz="2000" dirty="0">
               <a:latin typeface="Franklin Gothic Medium"/>
               <a:cs typeface="Franklin Gothic Medium"/>
             </a:endParaRPr>
@@ -5347,7 +5444,7 @@
               </a:rPr>
               <a:t>tasking.</a:t>
             </a:r>
-            <a:endParaRPr sz="2000">
+            <a:endParaRPr sz="2000" dirty="0">
               <a:latin typeface="Franklin Gothic Medium"/>
               <a:cs typeface="Franklin Gothic Medium"/>
             </a:endParaRPr>
@@ -5431,7 +5528,7 @@
               </a:rPr>
               <a:t>Some</a:t>
             </a:r>
-            <a:endParaRPr sz="2000">
+            <a:endParaRPr sz="2000" dirty="0">
               <a:latin typeface="Franklin Gothic Medium"/>
               <a:cs typeface="Franklin Gothic Medium"/>
             </a:endParaRPr>
@@ -5915,7 +6012,7 @@
               </a:rPr>
               <a:t> data</a:t>
             </a:r>
-            <a:endParaRPr sz="2000">
+            <a:endParaRPr sz="2000" dirty="0">
               <a:latin typeface="Franklin Gothic Medium"/>
               <a:cs typeface="Franklin Gothic Medium"/>
             </a:endParaRPr>
@@ -6156,7 +6253,7 @@
               </a:rPr>
               <a:t>long.</a:t>
             </a:r>
-            <a:endParaRPr sz="2000">
+            <a:endParaRPr sz="2000" dirty="0">
               <a:latin typeface="Franklin Gothic Medium"/>
               <a:cs typeface="Franklin Gothic Medium"/>
             </a:endParaRPr>
@@ -7811,7 +7908,7 @@
         <p:spPr>
           <a:xfrm>
             <a:off x="1676400" y="457200"/>
-            <a:ext cx="10210800" cy="923330"/>
+            <a:ext cx="10210800" cy="4401205"/>
           </a:xfrm>
           <a:prstGeom prst="rect">
             <a:avLst/>
@@ -7825,21 +7922,97 @@
           <a:lstStyle/>
           <a:p>
             <a:r>
-              <a:rPr lang="en-US" dirty="0"/>
+              <a:rPr lang="en-US" sz="2000" dirty="0"/>
               <a:t>What was learned?</a:t>
             </a:r>
           </a:p>
           <a:p>
-            <a:endParaRPr lang="en-US" dirty="0"/>
-          </a:p>
-          <a:p>
-            <a:r>
-              <a:rPr lang="en-US" dirty="0"/>
-              <a:t>How can this </a:t>
-            </a:r>
-            <a:r>
-              <a:rPr lang="en-US"/>
-              <a:t>be applied?</a:t>
+            <a:pPr marL="457200" lvl="4" indent="-457200">
+              <a:buAutoNum type="arabicPeriod"/>
+            </a:pPr>
+            <a:r>
+              <a:rPr lang="en-US" sz="2000" dirty="0"/>
+              <a:t>Can lyrics predict Billboard chart success? </a:t>
+            </a:r>
+          </a:p>
+          <a:p>
+            <a:pPr lvl="6"/>
+            <a:r>
+              <a:rPr lang="en-US" sz="2000" dirty="0"/>
+              <a:t>	– Yes, though with limited </a:t>
+            </a:r>
+            <a:r>
+              <a:rPr lang="en-US" sz="2000"/>
+              <a:t>accuracy t0 19%.</a:t>
+            </a:r>
+            <a:endParaRPr lang="en-US" sz="2000" dirty="0"/>
+          </a:p>
+          <a:p>
+            <a:pPr lvl="6"/>
+            <a:endParaRPr lang="en-US" sz="2000" dirty="0"/>
+          </a:p>
+          <a:p>
+            <a:pPr lvl="2"/>
+            <a:r>
+              <a:rPr lang="en-US" sz="2000" dirty="0"/>
+              <a:t>2. Are thematic correlations evident among top hits? </a:t>
+            </a:r>
+          </a:p>
+          <a:p>
+            <a:pPr lvl="2"/>
+            <a:r>
+              <a:rPr lang="en-US" sz="2000" dirty="0"/>
+              <a:t>	– Yes, love is the highest scoring non-trivial word.</a:t>
+            </a:r>
+          </a:p>
+          <a:p>
+            <a:pPr lvl="2"/>
+            <a:endParaRPr lang="en-US" sz="2000" dirty="0"/>
+          </a:p>
+          <a:p>
+            <a:pPr lvl="2"/>
+            <a:r>
+              <a:rPr lang="en-US" sz="2000" dirty="0"/>
+              <a:t>3. Do world events influence lyrical content?</a:t>
+            </a:r>
+          </a:p>
+          <a:p>
+            <a:pPr lvl="2"/>
+            <a:r>
+              <a:rPr lang="en-US" sz="2000" dirty="0"/>
+              <a:t>	- Undetermined, available for further research.</a:t>
+            </a:r>
+          </a:p>
+          <a:p>
+            <a:endParaRPr lang="en-US" sz="2000" dirty="0"/>
+          </a:p>
+          <a:p>
+            <a:endParaRPr lang="en-US" sz="2000" dirty="0"/>
+          </a:p>
+          <a:p>
+            <a:r>
+              <a:rPr lang="en-US" sz="2000" dirty="0"/>
+              <a:t>How can this be applied?</a:t>
+            </a:r>
+          </a:p>
+          <a:p>
+            <a:pPr marL="342900" lvl="3" indent="-342900">
+              <a:buFont typeface="Arial" panose="020B0604020202020204" pitchFamily="34" charset="0"/>
+              <a:buChar char="•"/>
+            </a:pPr>
+            <a:r>
+              <a:rPr lang="en-US" sz="2000" dirty="0"/>
+              <a:t>From a financial perspective, you can bet love songs will be more successful.</a:t>
+            </a:r>
+          </a:p>
+          <a:p>
+            <a:pPr marL="342900" lvl="2" indent="-342900">
+              <a:buFont typeface="Arial" panose="020B0604020202020204" pitchFamily="34" charset="0"/>
+              <a:buChar char="•"/>
+            </a:pPr>
+            <a:r>
+              <a:rPr lang="en-US" sz="2000" dirty="0"/>
+              <a:t>From a RNN, we can determine that the lyrics may not be enough…</a:t>
             </a:r>
           </a:p>
         </p:txBody>

--- a/Group2_MusicWordsSlap_Part6.pptx
+++ b/Group2_MusicWordsSlap_Part6.pptx
@@ -1532,8 +1532,8 @@
         </p:nvSpPr>
         <p:spPr>
           <a:xfrm>
-            <a:off x="2522220" y="4086288"/>
-            <a:ext cx="7146925" cy="994410"/>
+            <a:off x="2522537" y="4149527"/>
+            <a:ext cx="7146925" cy="1295419"/>
           </a:xfrm>
           <a:prstGeom prst="rect">
             <a:avLst/>
@@ -1603,7 +1603,7 @@
               </a:rPr>
               <a:t>Gaito</a:t>
             </a:r>
-            <a:endParaRPr sz="2100">
+            <a:endParaRPr sz="2100" dirty="0">
               <a:latin typeface="Franklin Gothic Medium"/>
               <a:cs typeface="Franklin Gothic Medium"/>
             </a:endParaRPr>
@@ -1670,6 +1670,25 @@
               </a:rPr>
               <a:t>https://github.com/gaitocole/Final_Project.git</a:t>
             </a:r>
+            <a:endParaRPr lang="en-US" sz="2100" u="sng" spc="-30" dirty="0">
+              <a:solidFill>
+                <a:srgbClr val="77A1BA"/>
+              </a:solidFill>
+              <a:uFill>
+                <a:solidFill>
+                  <a:srgbClr val="77A1BA"/>
+                </a:solidFill>
+              </a:uFill>
+              <a:latin typeface="Franklin Gothic Medium"/>
+              <a:cs typeface="Franklin Gothic Medium"/>
+            </a:endParaRPr>
+          </a:p>
+          <a:p>
+            <a:pPr marL="12700" marR="5080" algn="ctr">
+              <a:lnSpc>
+                <a:spcPct val="101299"/>
+              </a:lnSpc>
+            </a:pPr>
             <a:r>
               <a:rPr sz="2100" u="none" spc="-30" dirty="0">
                 <a:solidFill>
@@ -1681,6 +1700,73 @@
               <a:t> </a:t>
             </a:r>
             <a:r>
+              <a:rPr lang="en-US" sz="2100" u="none" dirty="0">
+                <a:solidFill>
+                  <a:srgbClr val="181B0D"/>
+                </a:solidFill>
+                <a:latin typeface="Franklin Gothic Medium"/>
+                <a:cs typeface="Franklin Gothic Medium"/>
+              </a:rPr>
+              <a:t>Video Location: </a:t>
+            </a:r>
+            <a:r>
+              <a:rPr lang="en-US" sz="2100" u="none" dirty="0">
+                <a:solidFill>
+                  <a:srgbClr val="181B0D"/>
+                </a:solidFill>
+                <a:latin typeface="Franklin Gothic Medium"/>
+                <a:cs typeface="Franklin Gothic Medium"/>
+                <a:hlinkClick r:id="rId3"/>
+              </a:rPr>
+              <a:t>https://</a:t>
+            </a:r>
+            <a:r>
+              <a:rPr lang="en-US" sz="2100" u="none" dirty="0" err="1">
+                <a:solidFill>
+                  <a:srgbClr val="181B0D"/>
+                </a:solidFill>
+                <a:latin typeface="Franklin Gothic Medium"/>
+                <a:cs typeface="Franklin Gothic Medium"/>
+                <a:hlinkClick r:id="rId3"/>
+              </a:rPr>
+              <a:t>youtu.be</a:t>
+            </a:r>
+            <a:r>
+              <a:rPr lang="en-US" sz="2100" u="none" dirty="0">
+                <a:solidFill>
+                  <a:srgbClr val="181B0D"/>
+                </a:solidFill>
+                <a:latin typeface="Franklin Gothic Medium"/>
+                <a:cs typeface="Franklin Gothic Medium"/>
+                <a:hlinkClick r:id="rId3"/>
+              </a:rPr>
+              <a:t>/KyqpACFpE2E</a:t>
+            </a:r>
+            <a:endParaRPr lang="en-US" sz="2100" u="none" dirty="0">
+              <a:solidFill>
+                <a:srgbClr val="181B0D"/>
+              </a:solidFill>
+              <a:latin typeface="Franklin Gothic Medium"/>
+              <a:cs typeface="Franklin Gothic Medium"/>
+            </a:endParaRPr>
+          </a:p>
+          <a:p>
+            <a:pPr marL="12700" marR="5080" algn="ctr">
+              <a:lnSpc>
+                <a:spcPct val="101299"/>
+              </a:lnSpc>
+            </a:pPr>
+            <a:r>
+              <a:rPr lang="en-US" sz="2100" u="none" dirty="0">
+                <a:solidFill>
+                  <a:srgbClr val="181B0D"/>
+                </a:solidFill>
+                <a:latin typeface="Franklin Gothic Medium"/>
+                <a:cs typeface="Franklin Gothic Medium"/>
+              </a:rPr>
+              <a:t>(</a:t>
+            </a:r>
+            <a:r>
               <a:rPr sz="2100" u="none" dirty="0">
                 <a:solidFill>
                   <a:srgbClr val="181B0D"/>
@@ -1688,7 +1774,7 @@
                 <a:latin typeface="Franklin Gothic Medium"/>
                 <a:cs typeface="Franklin Gothic Medium"/>
               </a:rPr>
-              <a:t>(See</a:t>
+              <a:t>See</a:t>
             </a:r>
             <a:r>
               <a:rPr sz="2100" u="none" spc="-55" dirty="0">
@@ -1710,7 +1796,7 @@
               </a:rPr>
               <a:t>Music_Trends)</a:t>
             </a:r>
-            <a:endParaRPr sz="2100">
+            <a:endParaRPr sz="2100" dirty="0">
               <a:latin typeface="Franklin Gothic Medium"/>
               <a:cs typeface="Franklin Gothic Medium"/>
             </a:endParaRPr>
@@ -7939,13 +8025,8 @@
             <a:pPr lvl="6"/>
             <a:r>
               <a:rPr lang="en-US" sz="2000" dirty="0"/>
-              <a:t>	– Yes, though with limited </a:t>
-            </a:r>
-            <a:r>
-              <a:rPr lang="en-US" sz="2000"/>
-              <a:t>accuracy t0 19%.</a:t>
-            </a:r>
-            <a:endParaRPr lang="en-US" sz="2000" dirty="0"/>
+              <a:t>	– Yes, though with limited accuracy t0 19%.</a:t>
+            </a:r>
           </a:p>
           <a:p>
             <a:pPr lvl="6"/>

--- a/Group2_MusicWordsSlap_Part6.pptx
+++ b/Group2_MusicWordsSlap_Part6.pptx
@@ -6,13 +6,12 @@
   </p:sldMasterIdLst>
   <p:sldIdLst>
     <p:sldId id="256" r:id="rId2"/>
-    <p:sldId id="261" r:id="rId3"/>
-    <p:sldId id="257" r:id="rId4"/>
+    <p:sldId id="257" r:id="rId3"/>
+    <p:sldId id="261" r:id="rId4"/>
     <p:sldId id="258" r:id="rId5"/>
-    <p:sldId id="259" r:id="rId6"/>
-    <p:sldId id="262" r:id="rId7"/>
-    <p:sldId id="264" r:id="rId8"/>
-    <p:sldId id="265" r:id="rId9"/>
+    <p:sldId id="262" r:id="rId6"/>
+    <p:sldId id="264" r:id="rId7"/>
+    <p:sldId id="265" r:id="rId8"/>
   </p:sldIdLst>
   <p:sldSz cx="12192000" cy="6858000"/>
   <p:notesSz cx="12192000" cy="6858000"/>
@@ -1740,7 +1739,7 @@
                 <a:cs typeface="Franklin Gothic Medium"/>
                 <a:hlinkClick r:id="rId3"/>
               </a:rPr>
-              <a:t>/KyqpACFpE2E</a:t>
+              <a:t>/ein_jP4ru-Q</a:t>
             </a:r>
             <a:endParaRPr lang="en-US" sz="2100" u="none" dirty="0">
               <a:solidFill>
@@ -1812,6 +1811,1438 @@
 </file>
 
 <file path=ppt/slides/slide2.xml><?xml version="1.0" encoding="utf-8"?>
+<p:sld xmlns:a="http://schemas.openxmlformats.org/drawingml/2006/main" xmlns:r="http://schemas.openxmlformats.org/officeDocument/2006/relationships" xmlns:p="http://schemas.openxmlformats.org/presentationml/2006/main">
+  <p:cSld>
+    <p:spTree>
+      <p:nvGrpSpPr>
+        <p:cNvPr id="1" name=""/>
+        <p:cNvGrpSpPr/>
+        <p:nvPr/>
+      </p:nvGrpSpPr>
+      <p:grpSpPr>
+        <a:xfrm>
+          <a:off x="0" y="0"/>
+          <a:ext cx="0" cy="0"/>
+          <a:chOff x="0" y="0"/>
+          <a:chExt cx="0" cy="0"/>
+        </a:xfrm>
+      </p:grpSpPr>
+      <p:sp>
+        <p:nvSpPr>
+          <p:cNvPr id="2" name="object 2"/>
+          <p:cNvSpPr/>
+          <p:nvPr/>
+        </p:nvSpPr>
+        <p:spPr>
+          <a:xfrm>
+            <a:off x="476250" y="0"/>
+            <a:ext cx="228600" cy="6858000"/>
+          </a:xfrm>
+          <a:custGeom>
+            <a:avLst/>
+            <a:gdLst/>
+            <a:ahLst/>
+            <a:cxnLst/>
+            <a:rect l="l" t="t" r="r" b="b"/>
+            <a:pathLst>
+              <a:path w="228600" h="6858000">
+                <a:moveTo>
+                  <a:pt x="228600" y="0"/>
+                </a:moveTo>
+                <a:lnTo>
+                  <a:pt x="0" y="0"/>
+                </a:lnTo>
+                <a:lnTo>
+                  <a:pt x="0" y="6858000"/>
+                </a:lnTo>
+                <a:lnTo>
+                  <a:pt x="228600" y="6858000"/>
+                </a:lnTo>
+                <a:lnTo>
+                  <a:pt x="228600" y="0"/>
+                </a:lnTo>
+                <a:close/>
+              </a:path>
+            </a:pathLst>
+          </a:custGeom>
+          <a:solidFill>
+            <a:srgbClr val="181B0D"/>
+          </a:solidFill>
+        </p:spPr>
+        <p:txBody>
+          <a:bodyPr wrap="square" lIns="0" tIns="0" rIns="0" bIns="0" rtlCol="0"/>
+          <a:lstStyle/>
+          <a:p>
+            <a:endParaRPr/>
+          </a:p>
+        </p:txBody>
+      </p:sp>
+      <p:sp>
+        <p:nvSpPr>
+          <p:cNvPr id="3" name="object 3"/>
+          <p:cNvSpPr txBox="1">
+            <a:spLocks noGrp="1"/>
+          </p:cNvSpPr>
+          <p:nvPr>
+            <p:ph type="title"/>
+          </p:nvPr>
+        </p:nvSpPr>
+        <p:spPr>
+          <a:xfrm>
+            <a:off x="3276600" y="619884"/>
+            <a:ext cx="3925570" cy="678180"/>
+          </a:xfrm>
+          <a:prstGeom prst="rect">
+            <a:avLst/>
+          </a:prstGeom>
+        </p:spPr>
+        <p:txBody>
+          <a:bodyPr vert="horz" wrap="square" lIns="0" tIns="16510" rIns="0" bIns="0" rtlCol="0">
+            <a:spAutoFit/>
+          </a:bodyPr>
+          <a:lstStyle/>
+          <a:p>
+            <a:pPr marL="12700">
+              <a:lnSpc>
+                <a:spcPct val="100000"/>
+              </a:lnSpc>
+              <a:spcBef>
+                <a:spcPts val="130"/>
+              </a:spcBef>
+            </a:pPr>
+            <a:r>
+              <a:rPr sz="4250" dirty="0"/>
+              <a:t>The</a:t>
+            </a:r>
+            <a:r>
+              <a:rPr sz="4250" spc="-105" dirty="0"/>
+              <a:t> </a:t>
+            </a:r>
+            <a:r>
+              <a:rPr sz="4250" dirty="0"/>
+              <a:t>What’s</a:t>
+            </a:r>
+            <a:r>
+              <a:rPr sz="4250" spc="-95" dirty="0"/>
+              <a:t> </a:t>
+            </a:r>
+            <a:r>
+              <a:rPr sz="4250" spc="-45" dirty="0"/>
+              <a:t>What</a:t>
+            </a:r>
+            <a:endParaRPr sz="4250" dirty="0"/>
+          </a:p>
+        </p:txBody>
+      </p:sp>
+      <p:sp>
+        <p:nvSpPr>
+          <p:cNvPr id="4" name="object 4"/>
+          <p:cNvSpPr txBox="1"/>
+          <p:nvPr/>
+        </p:nvSpPr>
+        <p:spPr>
+          <a:xfrm>
+            <a:off x="2743200" y="1270825"/>
+            <a:ext cx="8789287" cy="4771691"/>
+          </a:xfrm>
+          <a:prstGeom prst="rect">
+            <a:avLst/>
+          </a:prstGeom>
+        </p:spPr>
+        <p:txBody>
+          <a:bodyPr vert="horz" wrap="square" lIns="0" tIns="148590" rIns="0" bIns="0" rtlCol="0">
+            <a:spAutoFit/>
+          </a:bodyPr>
+          <a:lstStyle/>
+          <a:p>
+            <a:pPr marL="297815" marR="377825" indent="-285750">
+              <a:lnSpc>
+                <a:spcPct val="125200"/>
+              </a:lnSpc>
+              <a:spcBef>
+                <a:spcPts val="600"/>
+              </a:spcBef>
+              <a:buFont typeface="Wingdings" pitchFamily="2" charset="2"/>
+              <a:buChar char="q"/>
+              <a:tabLst>
+                <a:tab pos="542925" algn="l"/>
+              </a:tabLst>
+            </a:pPr>
+            <a:r>
+              <a:rPr lang="en-US" sz="1800" spc="-10" dirty="0">
+                <a:solidFill>
+                  <a:srgbClr val="181B0D"/>
+                </a:solidFill>
+                <a:latin typeface="Franklin Gothic Medium"/>
+                <a:cs typeface="Franklin Gothic Medium"/>
+              </a:rPr>
+              <a:t>Data</a:t>
+            </a:r>
+            <a:r>
+              <a:rPr lang="en-US" sz="1800" spc="-85" dirty="0">
+                <a:solidFill>
+                  <a:srgbClr val="181B0D"/>
+                </a:solidFill>
+                <a:latin typeface="Franklin Gothic Medium"/>
+                <a:cs typeface="Franklin Gothic Medium"/>
+              </a:rPr>
+              <a:t> </a:t>
+            </a:r>
+            <a:r>
+              <a:rPr lang="en-US" sz="1800" dirty="0">
+                <a:solidFill>
+                  <a:srgbClr val="181B0D"/>
+                </a:solidFill>
+                <a:latin typeface="Franklin Gothic Medium"/>
+                <a:cs typeface="Franklin Gothic Medium"/>
+              </a:rPr>
+              <a:t>set</a:t>
+            </a:r>
+            <a:r>
+              <a:rPr lang="en-US" sz="1800" spc="-50" dirty="0">
+                <a:solidFill>
+                  <a:srgbClr val="181B0D"/>
+                </a:solidFill>
+                <a:latin typeface="Franklin Gothic Medium"/>
+                <a:cs typeface="Franklin Gothic Medium"/>
+              </a:rPr>
+              <a:t> </a:t>
+            </a:r>
+            <a:r>
+              <a:rPr lang="en-US" sz="1800" spc="-10" dirty="0">
+                <a:solidFill>
+                  <a:srgbClr val="181B0D"/>
+                </a:solidFill>
+                <a:latin typeface="Franklin Gothic Medium"/>
+                <a:cs typeface="Franklin Gothic Medium"/>
+              </a:rPr>
+              <a:t>Location</a:t>
+            </a:r>
+            <a:r>
+              <a:rPr lang="en-US" sz="1800" spc="-25" dirty="0">
+                <a:solidFill>
+                  <a:srgbClr val="181B0D"/>
+                </a:solidFill>
+                <a:latin typeface="Franklin Gothic Medium"/>
+                <a:cs typeface="Franklin Gothic Medium"/>
+              </a:rPr>
+              <a:t> </a:t>
+            </a:r>
+            <a:r>
+              <a:rPr lang="en-US" sz="1800" spc="-55" dirty="0">
+                <a:solidFill>
+                  <a:srgbClr val="181B0D"/>
+                </a:solidFill>
+                <a:latin typeface="Franklin Gothic Medium"/>
+                <a:cs typeface="Franklin Gothic Medium"/>
+              </a:rPr>
+              <a:t>from</a:t>
+            </a:r>
+            <a:r>
+              <a:rPr lang="en-US" sz="1800" spc="-60" dirty="0">
+                <a:solidFill>
+                  <a:srgbClr val="181B0D"/>
+                </a:solidFill>
+                <a:latin typeface="Franklin Gothic Medium"/>
+                <a:cs typeface="Franklin Gothic Medium"/>
+              </a:rPr>
+              <a:t> </a:t>
+            </a:r>
+            <a:r>
+              <a:rPr lang="en-US" sz="1800" spc="-10" dirty="0">
+                <a:solidFill>
+                  <a:srgbClr val="181B0D"/>
+                </a:solidFill>
+                <a:latin typeface="Franklin Gothic Medium"/>
+                <a:cs typeface="Franklin Gothic Medium"/>
+              </a:rPr>
+              <a:t>Kaggle/</a:t>
+            </a:r>
+            <a:r>
+              <a:rPr lang="en-US" sz="1800" spc="-10" dirty="0" err="1">
+                <a:solidFill>
+                  <a:srgbClr val="181B0D"/>
+                </a:solidFill>
+                <a:latin typeface="Franklin Gothic Medium"/>
+                <a:cs typeface="Franklin Gothic Medium"/>
+              </a:rPr>
+              <a:t>Github</a:t>
+            </a:r>
+            <a:r>
+              <a:rPr lang="en-US" sz="1800" spc="-10" dirty="0">
+                <a:solidFill>
+                  <a:srgbClr val="181B0D"/>
+                </a:solidFill>
+                <a:latin typeface="Franklin Gothic Medium"/>
+                <a:cs typeface="Franklin Gothic Medium"/>
+              </a:rPr>
+              <a:t>/Billboard: 	</a:t>
+            </a:r>
+            <a:r>
+              <a:rPr lang="en-US" sz="1800" i="1" u="sng" spc="-20" dirty="0">
+                <a:solidFill>
+                  <a:srgbClr val="77A1BA"/>
+                </a:solidFill>
+                <a:uFill>
+                  <a:solidFill>
+                    <a:srgbClr val="77A1BA"/>
+                  </a:solidFill>
+                </a:uFill>
+                <a:latin typeface="Franklin Gothic Medium"/>
+                <a:cs typeface="Franklin Gothic Medium"/>
+                <a:hlinkClick r:id="rId2"/>
+              </a:rPr>
+              <a:t>https://www.kaggle.com/datasets/dhruvildave/billboard-</a:t>
+            </a:r>
+            <a:r>
+              <a:rPr lang="en-US" sz="1800" i="1" u="sng" spc="-10" dirty="0">
+                <a:solidFill>
+                  <a:srgbClr val="77A1BA"/>
+                </a:solidFill>
+                <a:uFill>
+                  <a:solidFill>
+                    <a:srgbClr val="77A1BA"/>
+                  </a:solidFill>
+                </a:uFill>
+                <a:latin typeface="Franklin Gothic Medium"/>
+                <a:cs typeface="Franklin Gothic Medium"/>
+                <a:hlinkClick r:id="rId2"/>
+              </a:rPr>
+              <a:t>the-</a:t>
+            </a:r>
+            <a:r>
+              <a:rPr lang="en-US" sz="1800" i="1" u="sng" spc="-20" dirty="0">
+                <a:solidFill>
+                  <a:srgbClr val="77A1BA"/>
+                </a:solidFill>
+                <a:uFill>
+                  <a:solidFill>
+                    <a:srgbClr val="77A1BA"/>
+                  </a:solidFill>
+                </a:uFill>
+                <a:latin typeface="Franklin Gothic Medium"/>
+                <a:cs typeface="Franklin Gothic Medium"/>
+                <a:hlinkClick r:id="rId2"/>
+              </a:rPr>
+              <a:t>hot-</a:t>
+            </a:r>
+            <a:r>
+              <a:rPr lang="en-US" sz="1800" i="1" u="sng" spc="-30" dirty="0">
+                <a:solidFill>
+                  <a:srgbClr val="77A1BA"/>
+                </a:solidFill>
+                <a:uFill>
+                  <a:solidFill>
+                    <a:srgbClr val="77A1BA"/>
+                  </a:solidFill>
+                </a:uFill>
+                <a:latin typeface="Franklin Gothic Medium"/>
+                <a:cs typeface="Franklin Gothic Medium"/>
+                <a:hlinkClick r:id="rId2"/>
+              </a:rPr>
+              <a:t>100-</a:t>
+            </a:r>
+            <a:r>
+              <a:rPr lang="en-US" sz="1800" i="1" u="sng" spc="-10" dirty="0">
+                <a:solidFill>
+                  <a:srgbClr val="77A1BA"/>
+                </a:solidFill>
+                <a:uFill>
+                  <a:solidFill>
+                    <a:srgbClr val="77A1BA"/>
+                  </a:solidFill>
+                </a:uFill>
+                <a:latin typeface="Franklin Gothic Medium"/>
+                <a:cs typeface="Franklin Gothic Medium"/>
+                <a:hlinkClick r:id="rId2"/>
+              </a:rPr>
+              <a:t>songs</a:t>
+            </a:r>
+            <a:r>
+              <a:rPr lang="en-US" sz="1800" i="1" u="none" spc="-10" dirty="0">
+                <a:solidFill>
+                  <a:srgbClr val="77A1BA"/>
+                </a:solidFill>
+                <a:latin typeface="Franklin Gothic Medium"/>
+                <a:cs typeface="Franklin Gothic Medium"/>
+              </a:rPr>
+              <a:t> 	</a:t>
+            </a:r>
+            <a:r>
+              <a:rPr lang="en-US" sz="1800" i="1" u="sng" spc="-10" dirty="0">
+                <a:solidFill>
+                  <a:srgbClr val="77A1BA"/>
+                </a:solidFill>
+                <a:uFill>
+                  <a:solidFill>
+                    <a:srgbClr val="77A1BA"/>
+                  </a:solidFill>
+                </a:uFill>
+                <a:latin typeface="Franklin Gothic Medium"/>
+                <a:cs typeface="Franklin Gothic Medium"/>
+                <a:hlinkClick r:id="rId3"/>
+              </a:rPr>
+              <a:t>https://github.com/utdata/rwd-</a:t>
+            </a:r>
+            <a:r>
+              <a:rPr lang="en-US" sz="1800" i="1" u="sng" spc="-25" dirty="0">
+                <a:solidFill>
+                  <a:srgbClr val="77A1BA"/>
+                </a:solidFill>
+                <a:uFill>
+                  <a:solidFill>
+                    <a:srgbClr val="77A1BA"/>
+                  </a:solidFill>
+                </a:uFill>
+                <a:latin typeface="Franklin Gothic Medium"/>
+                <a:cs typeface="Franklin Gothic Medium"/>
+                <a:hlinkClick r:id="rId3"/>
+              </a:rPr>
+              <a:t>billboard-</a:t>
+            </a:r>
+            <a:r>
+              <a:rPr lang="en-US" sz="1800" i="1" u="sng" spc="-20" dirty="0">
+                <a:solidFill>
+                  <a:srgbClr val="77A1BA"/>
+                </a:solidFill>
+                <a:uFill>
+                  <a:solidFill>
+                    <a:srgbClr val="77A1BA"/>
+                  </a:solidFill>
+                </a:uFill>
+                <a:latin typeface="Franklin Gothic Medium"/>
+                <a:cs typeface="Franklin Gothic Medium"/>
+                <a:hlinkClick r:id="rId3"/>
+              </a:rPr>
+              <a:t>data</a:t>
+            </a:r>
+            <a:endParaRPr lang="en-US" sz="1800" dirty="0">
+              <a:latin typeface="Franklin Gothic Medium"/>
+              <a:cs typeface="Franklin Gothic Medium"/>
+            </a:endParaRPr>
+          </a:p>
+          <a:p>
+            <a:pPr marL="542925" marR="2555875">
+              <a:lnSpc>
+                <a:spcPct val="125200"/>
+              </a:lnSpc>
+              <a:spcBef>
+                <a:spcPts val="75"/>
+              </a:spcBef>
+            </a:pPr>
+            <a:r>
+              <a:rPr lang="en-US" sz="1800" i="1" spc="-10" dirty="0">
+                <a:solidFill>
+                  <a:srgbClr val="181B0D"/>
+                </a:solidFill>
+                <a:latin typeface="Franklin Gothic Medium"/>
+                <a:cs typeface="Franklin Gothic Medium"/>
+              </a:rPr>
+              <a:t>Original</a:t>
+            </a:r>
+            <a:r>
+              <a:rPr lang="en-US" sz="1800" i="1" spc="-75" dirty="0">
+                <a:solidFill>
+                  <a:srgbClr val="181B0D"/>
+                </a:solidFill>
+                <a:latin typeface="Franklin Gothic Medium"/>
+                <a:cs typeface="Franklin Gothic Medium"/>
+              </a:rPr>
+              <a:t> </a:t>
+            </a:r>
+            <a:r>
+              <a:rPr lang="en-US" sz="1800" i="1" dirty="0">
+                <a:solidFill>
+                  <a:srgbClr val="181B0D"/>
+                </a:solidFill>
+                <a:latin typeface="Franklin Gothic Medium"/>
+                <a:cs typeface="Franklin Gothic Medium"/>
+              </a:rPr>
+              <a:t>Source:</a:t>
+            </a:r>
+            <a:r>
+              <a:rPr lang="en-US" sz="1800" i="1" spc="-45" dirty="0">
+                <a:solidFill>
+                  <a:srgbClr val="181B0D"/>
+                </a:solidFill>
+                <a:latin typeface="Franklin Gothic Medium"/>
+                <a:cs typeface="Franklin Gothic Medium"/>
+              </a:rPr>
+              <a:t> </a:t>
+            </a:r>
+            <a:r>
+              <a:rPr lang="en-US" sz="1800" i="1" u="sng" spc="-10" dirty="0">
+                <a:solidFill>
+                  <a:srgbClr val="77A1BA"/>
+                </a:solidFill>
+                <a:uFill>
+                  <a:solidFill>
+                    <a:srgbClr val="77A1BA"/>
+                  </a:solidFill>
+                </a:uFill>
+                <a:latin typeface="Franklin Gothic Medium"/>
+                <a:cs typeface="Franklin Gothic Medium"/>
+                <a:hlinkClick r:id="rId4"/>
+              </a:rPr>
+              <a:t>https://www.billboard.com/charts/</a:t>
+            </a:r>
+            <a:r>
+              <a:rPr lang="en-US" sz="1800" i="1" u="none" spc="-10" dirty="0">
+                <a:solidFill>
+                  <a:srgbClr val="77A1BA"/>
+                </a:solidFill>
+                <a:latin typeface="Franklin Gothic Medium"/>
+                <a:cs typeface="Franklin Gothic Medium"/>
+              </a:rPr>
+              <a:t> </a:t>
+            </a:r>
+          </a:p>
+          <a:p>
+            <a:pPr marL="542925" marR="2555875">
+              <a:lnSpc>
+                <a:spcPct val="125200"/>
+              </a:lnSpc>
+              <a:spcBef>
+                <a:spcPts val="75"/>
+              </a:spcBef>
+            </a:pPr>
+            <a:r>
+              <a:rPr lang="en-US" sz="1800" i="1" u="none" spc="-20" dirty="0">
+                <a:solidFill>
+                  <a:srgbClr val="181B0D"/>
+                </a:solidFill>
+                <a:latin typeface="Franklin Gothic Medium"/>
+                <a:cs typeface="Franklin Gothic Medium"/>
+              </a:rPr>
+              <a:t>Lyrics:</a:t>
+            </a:r>
+            <a:r>
+              <a:rPr lang="en-US" sz="1800" i="1" u="none" spc="-35" dirty="0">
+                <a:solidFill>
+                  <a:srgbClr val="181B0D"/>
+                </a:solidFill>
+                <a:latin typeface="Franklin Gothic Medium"/>
+                <a:cs typeface="Franklin Gothic Medium"/>
+              </a:rPr>
+              <a:t> </a:t>
+            </a:r>
+            <a:r>
+              <a:rPr lang="en-US" sz="1800" i="1" u="none" dirty="0">
+                <a:solidFill>
+                  <a:srgbClr val="181B0D"/>
+                </a:solidFill>
+                <a:latin typeface="Franklin Gothic Medium"/>
+                <a:cs typeface="Franklin Gothic Medium"/>
+              </a:rPr>
+              <a:t>Genuis</a:t>
+            </a:r>
+            <a:r>
+              <a:rPr lang="en-US" sz="1800" i="1" u="none" spc="-40" dirty="0">
+                <a:solidFill>
+                  <a:srgbClr val="181B0D"/>
+                </a:solidFill>
+                <a:latin typeface="Franklin Gothic Medium"/>
+                <a:cs typeface="Franklin Gothic Medium"/>
+              </a:rPr>
+              <a:t> </a:t>
+            </a:r>
+            <a:r>
+              <a:rPr lang="en-US" sz="1800" i="1" u="none" spc="-45" dirty="0">
+                <a:solidFill>
+                  <a:srgbClr val="181B0D"/>
+                </a:solidFill>
+                <a:latin typeface="Franklin Gothic Medium"/>
+                <a:cs typeface="Franklin Gothic Medium"/>
+              </a:rPr>
+              <a:t>API</a:t>
+            </a:r>
+            <a:r>
+              <a:rPr lang="en-US" sz="1800" i="1" u="none" spc="-35" dirty="0">
+                <a:solidFill>
+                  <a:srgbClr val="181B0D"/>
+                </a:solidFill>
+                <a:latin typeface="Franklin Gothic Medium"/>
+                <a:cs typeface="Franklin Gothic Medium"/>
+              </a:rPr>
+              <a:t> </a:t>
+            </a:r>
+            <a:r>
+              <a:rPr lang="en-US" sz="1800" i="1" u="none" dirty="0">
+                <a:solidFill>
+                  <a:srgbClr val="181B0D"/>
+                </a:solidFill>
+                <a:latin typeface="Franklin Gothic Medium"/>
+                <a:cs typeface="Franklin Gothic Medium"/>
+              </a:rPr>
+              <a:t>(built</a:t>
+            </a:r>
+            <a:r>
+              <a:rPr lang="en-US" sz="1800" i="1" u="none" spc="-55" dirty="0">
+                <a:solidFill>
+                  <a:srgbClr val="181B0D"/>
+                </a:solidFill>
+                <a:latin typeface="Franklin Gothic Medium"/>
+                <a:cs typeface="Franklin Gothic Medium"/>
+              </a:rPr>
+              <a:t> </a:t>
+            </a:r>
+            <a:r>
+              <a:rPr lang="en-US" sz="1800" i="1" u="none" dirty="0">
+                <a:solidFill>
+                  <a:srgbClr val="181B0D"/>
+                </a:solidFill>
+                <a:latin typeface="Franklin Gothic Medium"/>
+                <a:cs typeface="Franklin Gothic Medium"/>
+              </a:rPr>
+              <a:t>inhouse):</a:t>
+            </a:r>
+            <a:r>
+              <a:rPr lang="en-US" sz="1800" i="1" u="none" spc="-85" dirty="0">
+                <a:solidFill>
+                  <a:srgbClr val="181B0D"/>
+                </a:solidFill>
+                <a:latin typeface="Franklin Gothic Medium"/>
+                <a:cs typeface="Franklin Gothic Medium"/>
+              </a:rPr>
+              <a:t> </a:t>
+            </a:r>
+            <a:r>
+              <a:rPr lang="en-US" sz="1800" i="1" u="sng" spc="-10" dirty="0">
+                <a:solidFill>
+                  <a:srgbClr val="77A1BA"/>
+                </a:solidFill>
+                <a:uFill>
+                  <a:solidFill>
+                    <a:srgbClr val="77A1BA"/>
+                  </a:solidFill>
+                </a:uFill>
+                <a:latin typeface="Franklin Gothic Medium"/>
+                <a:cs typeface="Franklin Gothic Medium"/>
+                <a:hlinkClick r:id="rId5"/>
+              </a:rPr>
+              <a:t>https://genius.com</a:t>
+            </a:r>
+            <a:endParaRPr lang="en-US" sz="1800" i="1" u="sng" spc="-10" dirty="0">
+              <a:solidFill>
+                <a:srgbClr val="77A1BA"/>
+              </a:solidFill>
+              <a:uFill>
+                <a:solidFill>
+                  <a:srgbClr val="77A1BA"/>
+                </a:solidFill>
+              </a:uFill>
+              <a:latin typeface="Franklin Gothic Medium"/>
+              <a:cs typeface="Franklin Gothic Medium"/>
+            </a:endParaRPr>
+          </a:p>
+          <a:p>
+            <a:pPr marL="542925" marR="2555875">
+              <a:lnSpc>
+                <a:spcPct val="125200"/>
+              </a:lnSpc>
+              <a:spcBef>
+                <a:spcPts val="75"/>
+              </a:spcBef>
+            </a:pPr>
+            <a:r>
+              <a:rPr lang="en-US" i="1" spc="-20" dirty="0"/>
+              <a:t>S</a:t>
+            </a:r>
+            <a:r>
+              <a:rPr lang="en-US" sz="1800" i="1" u="none" spc="-20" dirty="0">
+                <a:solidFill>
+                  <a:srgbClr val="181B0D"/>
+                </a:solidFill>
+                <a:latin typeface="Franklin Gothic Medium"/>
+                <a:cs typeface="Franklin Gothic Medium"/>
+              </a:rPr>
+              <a:t>ong Metadata: </a:t>
+            </a:r>
+            <a:r>
+              <a:rPr lang="en-US" sz="1800" i="1" u="none" spc="-20" dirty="0">
+                <a:solidFill>
+                  <a:srgbClr val="181B0D"/>
+                </a:solidFill>
+                <a:hlinkClick r:id="rId6"/>
+              </a:rPr>
+              <a:t>https://developer.spotify.com/dashboard/create</a:t>
+            </a:r>
+            <a:r>
+              <a:rPr lang="en-US" i="1" u="sng" spc="-10" dirty="0">
+                <a:solidFill>
+                  <a:srgbClr val="77A1BA"/>
+                </a:solidFill>
+                <a:uFill>
+                  <a:solidFill>
+                    <a:srgbClr val="77A1BA"/>
+                  </a:solidFill>
+                </a:uFill>
+                <a:hlinkClick r:id="rId6"/>
+              </a:rPr>
+              <a:t> </a:t>
+            </a:r>
+            <a:endParaRPr lang="en-US" sz="1800" i="1" u="sng" spc="-10" dirty="0">
+              <a:solidFill>
+                <a:srgbClr val="77A1BA"/>
+              </a:solidFill>
+              <a:uFill>
+                <a:solidFill>
+                  <a:srgbClr val="77A1BA"/>
+                </a:solidFill>
+              </a:uFill>
+              <a:latin typeface="Franklin Gothic Medium"/>
+              <a:cs typeface="Franklin Gothic Medium"/>
+            </a:endParaRPr>
+          </a:p>
+          <a:p>
+            <a:pPr marL="655955">
+              <a:lnSpc>
+                <a:spcPct val="100000"/>
+              </a:lnSpc>
+              <a:spcBef>
+                <a:spcPts val="985"/>
+              </a:spcBef>
+            </a:pPr>
+            <a:r>
+              <a:rPr sz="4250" dirty="0">
+                <a:solidFill>
+                  <a:srgbClr val="181B0D"/>
+                </a:solidFill>
+                <a:latin typeface="Franklin Gothic Medium"/>
+                <a:cs typeface="Franklin Gothic Medium"/>
+              </a:rPr>
+              <a:t>Novel</a:t>
+            </a:r>
+            <a:r>
+              <a:rPr sz="4250" spc="-105" dirty="0">
+                <a:solidFill>
+                  <a:srgbClr val="181B0D"/>
+                </a:solidFill>
+                <a:latin typeface="Franklin Gothic Medium"/>
+                <a:cs typeface="Franklin Gothic Medium"/>
+              </a:rPr>
+              <a:t> </a:t>
+            </a:r>
+            <a:r>
+              <a:rPr sz="4250" dirty="0">
+                <a:solidFill>
+                  <a:srgbClr val="181B0D"/>
+                </a:solidFill>
+                <a:latin typeface="Franklin Gothic Medium"/>
+                <a:cs typeface="Franklin Gothic Medium"/>
+              </a:rPr>
+              <a:t>Ideas</a:t>
+            </a:r>
+            <a:r>
+              <a:rPr sz="4250" spc="-130" dirty="0">
+                <a:solidFill>
+                  <a:srgbClr val="181B0D"/>
+                </a:solidFill>
+                <a:latin typeface="Franklin Gothic Medium"/>
+                <a:cs typeface="Franklin Gothic Medium"/>
+              </a:rPr>
+              <a:t> </a:t>
+            </a:r>
+            <a:r>
+              <a:rPr sz="4250" dirty="0">
+                <a:solidFill>
+                  <a:srgbClr val="181B0D"/>
+                </a:solidFill>
+                <a:latin typeface="Franklin Gothic Medium"/>
+                <a:cs typeface="Franklin Gothic Medium"/>
+              </a:rPr>
+              <a:t>and</a:t>
+            </a:r>
+            <a:r>
+              <a:rPr sz="4250" spc="-85" dirty="0">
+                <a:solidFill>
+                  <a:srgbClr val="181B0D"/>
+                </a:solidFill>
+                <a:latin typeface="Franklin Gothic Medium"/>
+                <a:cs typeface="Franklin Gothic Medium"/>
+              </a:rPr>
+              <a:t> </a:t>
+            </a:r>
+            <a:r>
+              <a:rPr sz="4250" spc="-10" dirty="0">
+                <a:solidFill>
+                  <a:srgbClr val="181B0D"/>
+                </a:solidFill>
+                <a:latin typeface="Franklin Gothic Medium"/>
+                <a:cs typeface="Franklin Gothic Medium"/>
+              </a:rPr>
+              <a:t>Prior</a:t>
+            </a:r>
+            <a:r>
+              <a:rPr sz="4250" spc="-85" dirty="0">
+                <a:solidFill>
+                  <a:srgbClr val="181B0D"/>
+                </a:solidFill>
+                <a:latin typeface="Franklin Gothic Medium"/>
+                <a:cs typeface="Franklin Gothic Medium"/>
+              </a:rPr>
+              <a:t> </a:t>
+            </a:r>
+            <a:r>
+              <a:rPr sz="4250" spc="-10" dirty="0">
+                <a:solidFill>
+                  <a:srgbClr val="181B0D"/>
+                </a:solidFill>
+                <a:latin typeface="Franklin Gothic Medium"/>
+                <a:cs typeface="Franklin Gothic Medium"/>
+              </a:rPr>
+              <a:t>Works</a:t>
+            </a:r>
+            <a:endParaRPr sz="4250" dirty="0">
+              <a:latin typeface="Franklin Gothic Medium"/>
+              <a:cs typeface="Franklin Gothic Medium"/>
+            </a:endParaRPr>
+          </a:p>
+          <a:p>
+            <a:pPr marL="298450" indent="-285750">
+              <a:lnSpc>
+                <a:spcPts val="2095"/>
+              </a:lnSpc>
+              <a:spcBef>
+                <a:spcPts val="1365"/>
+              </a:spcBef>
+              <a:buFont typeface="Wingdings" pitchFamily="2" charset="2"/>
+              <a:buChar char="q"/>
+              <a:tabLst>
+                <a:tab pos="396875" algn="l"/>
+              </a:tabLst>
+            </a:pPr>
+            <a:r>
+              <a:rPr sz="1800" spc="-40" dirty="0">
+                <a:solidFill>
+                  <a:srgbClr val="181B0D"/>
+                </a:solidFill>
+                <a:latin typeface="Franklin Gothic Medium"/>
+                <a:cs typeface="Franklin Gothic Medium"/>
+              </a:rPr>
+              <a:t>While</a:t>
+            </a:r>
+            <a:r>
+              <a:rPr sz="1800" spc="-75" dirty="0">
+                <a:solidFill>
+                  <a:srgbClr val="181B0D"/>
+                </a:solidFill>
+                <a:latin typeface="Franklin Gothic Medium"/>
+                <a:cs typeface="Franklin Gothic Medium"/>
+              </a:rPr>
+              <a:t> </a:t>
+            </a:r>
+            <a:r>
+              <a:rPr sz="1800" dirty="0">
+                <a:solidFill>
+                  <a:srgbClr val="181B0D"/>
+                </a:solidFill>
+                <a:latin typeface="Franklin Gothic Medium"/>
+                <a:cs typeface="Franklin Gothic Medium"/>
+              </a:rPr>
+              <a:t>I</a:t>
+            </a:r>
+            <a:r>
+              <a:rPr sz="1800" spc="-75" dirty="0">
+                <a:solidFill>
+                  <a:srgbClr val="181B0D"/>
+                </a:solidFill>
+                <a:latin typeface="Franklin Gothic Medium"/>
+                <a:cs typeface="Franklin Gothic Medium"/>
+              </a:rPr>
+              <a:t> </a:t>
+            </a:r>
+            <a:r>
+              <a:rPr sz="1800" dirty="0">
+                <a:solidFill>
+                  <a:srgbClr val="181B0D"/>
+                </a:solidFill>
+                <a:latin typeface="Franklin Gothic Medium"/>
+                <a:cs typeface="Franklin Gothic Medium"/>
+              </a:rPr>
+              <a:t>didn’t</a:t>
+            </a:r>
+            <a:r>
+              <a:rPr sz="1800" spc="-85" dirty="0">
+                <a:solidFill>
+                  <a:srgbClr val="181B0D"/>
+                </a:solidFill>
+                <a:latin typeface="Franklin Gothic Medium"/>
+                <a:cs typeface="Franklin Gothic Medium"/>
+              </a:rPr>
+              <a:t> </a:t>
+            </a:r>
+            <a:r>
+              <a:rPr sz="1800" spc="-25" dirty="0">
+                <a:solidFill>
+                  <a:srgbClr val="181B0D"/>
+                </a:solidFill>
+                <a:latin typeface="Franklin Gothic Medium"/>
+                <a:cs typeface="Franklin Gothic Medium"/>
+              </a:rPr>
+              <a:t>explicitly</a:t>
+            </a:r>
+            <a:r>
+              <a:rPr sz="1800" spc="-60" dirty="0">
+                <a:solidFill>
+                  <a:srgbClr val="181B0D"/>
+                </a:solidFill>
+                <a:latin typeface="Franklin Gothic Medium"/>
+                <a:cs typeface="Franklin Gothic Medium"/>
+              </a:rPr>
+              <a:t> </a:t>
+            </a:r>
+            <a:r>
+              <a:rPr sz="1800" spc="-25" dirty="0">
+                <a:solidFill>
+                  <a:srgbClr val="181B0D"/>
+                </a:solidFill>
+                <a:latin typeface="Franklin Gothic Medium"/>
+                <a:cs typeface="Franklin Gothic Medium"/>
+              </a:rPr>
+              <a:t>look</a:t>
+            </a:r>
+            <a:r>
+              <a:rPr sz="1800" spc="-55" dirty="0">
+                <a:solidFill>
+                  <a:srgbClr val="181B0D"/>
+                </a:solidFill>
+                <a:latin typeface="Franklin Gothic Medium"/>
+                <a:cs typeface="Franklin Gothic Medium"/>
+              </a:rPr>
+              <a:t> </a:t>
+            </a:r>
+            <a:r>
+              <a:rPr sz="1800" dirty="0">
+                <a:solidFill>
+                  <a:srgbClr val="181B0D"/>
+                </a:solidFill>
+                <a:latin typeface="Franklin Gothic Medium"/>
+                <a:cs typeface="Franklin Gothic Medium"/>
+              </a:rPr>
+              <a:t>for</a:t>
+            </a:r>
+            <a:r>
+              <a:rPr sz="1800" spc="-60" dirty="0">
+                <a:solidFill>
+                  <a:srgbClr val="181B0D"/>
+                </a:solidFill>
+                <a:latin typeface="Franklin Gothic Medium"/>
+                <a:cs typeface="Franklin Gothic Medium"/>
+              </a:rPr>
+              <a:t> </a:t>
+            </a:r>
+            <a:r>
+              <a:rPr sz="1800" dirty="0">
+                <a:solidFill>
+                  <a:srgbClr val="181B0D"/>
+                </a:solidFill>
+                <a:latin typeface="Franklin Gothic Medium"/>
+                <a:cs typeface="Franklin Gothic Medium"/>
+              </a:rPr>
+              <a:t>the</a:t>
+            </a:r>
+            <a:r>
+              <a:rPr sz="1800" spc="-25" dirty="0">
+                <a:solidFill>
+                  <a:srgbClr val="181B0D"/>
+                </a:solidFill>
+                <a:latin typeface="Franklin Gothic Medium"/>
+                <a:cs typeface="Franklin Gothic Medium"/>
+              </a:rPr>
+              <a:t> </a:t>
+            </a:r>
+            <a:r>
+              <a:rPr sz="1800" spc="-10" dirty="0">
+                <a:solidFill>
+                  <a:srgbClr val="181B0D"/>
+                </a:solidFill>
+                <a:latin typeface="Franklin Gothic Medium"/>
+                <a:cs typeface="Franklin Gothic Medium"/>
+              </a:rPr>
+              <a:t>question</a:t>
+            </a:r>
+            <a:r>
+              <a:rPr sz="1800" spc="-55" dirty="0">
+                <a:solidFill>
+                  <a:srgbClr val="181B0D"/>
+                </a:solidFill>
+                <a:latin typeface="Franklin Gothic Medium"/>
+                <a:cs typeface="Franklin Gothic Medium"/>
+              </a:rPr>
+              <a:t> </a:t>
+            </a:r>
+            <a:r>
+              <a:rPr sz="1800" dirty="0">
+                <a:solidFill>
+                  <a:srgbClr val="181B0D"/>
+                </a:solidFill>
+                <a:latin typeface="Franklin Gothic Medium"/>
+                <a:cs typeface="Franklin Gothic Medium"/>
+              </a:rPr>
+              <a:t>there</a:t>
+            </a:r>
+            <a:r>
+              <a:rPr sz="1800" spc="-25" dirty="0">
+                <a:solidFill>
+                  <a:srgbClr val="181B0D"/>
+                </a:solidFill>
+                <a:latin typeface="Franklin Gothic Medium"/>
+                <a:cs typeface="Franklin Gothic Medium"/>
+              </a:rPr>
+              <a:t> </a:t>
+            </a:r>
+            <a:r>
+              <a:rPr sz="1800" dirty="0">
+                <a:solidFill>
+                  <a:srgbClr val="181B0D"/>
+                </a:solidFill>
+                <a:latin typeface="Franklin Gothic Medium"/>
+                <a:cs typeface="Franklin Gothic Medium"/>
+              </a:rPr>
+              <a:t>are</a:t>
+            </a:r>
+            <a:r>
+              <a:rPr sz="1800" spc="-20" dirty="0">
+                <a:solidFill>
+                  <a:srgbClr val="181B0D"/>
+                </a:solidFill>
+                <a:latin typeface="Franklin Gothic Medium"/>
+                <a:cs typeface="Franklin Gothic Medium"/>
+              </a:rPr>
+              <a:t> </a:t>
+            </a:r>
+            <a:r>
+              <a:rPr sz="1800" spc="-35" dirty="0">
+                <a:solidFill>
+                  <a:srgbClr val="181B0D"/>
+                </a:solidFill>
+                <a:latin typeface="Franklin Gothic Medium"/>
+                <a:cs typeface="Franklin Gothic Medium"/>
+              </a:rPr>
+              <a:t>similar</a:t>
+            </a:r>
+            <a:r>
+              <a:rPr sz="1800" spc="-60" dirty="0">
+                <a:solidFill>
+                  <a:srgbClr val="181B0D"/>
+                </a:solidFill>
+                <a:latin typeface="Franklin Gothic Medium"/>
+                <a:cs typeface="Franklin Gothic Medium"/>
+              </a:rPr>
+              <a:t> </a:t>
+            </a:r>
+            <a:r>
+              <a:rPr sz="1800" spc="-20" dirty="0">
+                <a:solidFill>
+                  <a:srgbClr val="181B0D"/>
+                </a:solidFill>
+                <a:latin typeface="Franklin Gothic Medium"/>
+                <a:cs typeface="Franklin Gothic Medium"/>
+              </a:rPr>
+              <a:t>themes</a:t>
+            </a:r>
+            <a:r>
+              <a:rPr sz="1800" spc="-65" dirty="0">
+                <a:solidFill>
+                  <a:srgbClr val="181B0D"/>
+                </a:solidFill>
+                <a:latin typeface="Franklin Gothic Medium"/>
+                <a:cs typeface="Franklin Gothic Medium"/>
+              </a:rPr>
+              <a:t> </a:t>
+            </a:r>
+            <a:r>
+              <a:rPr sz="1800" dirty="0">
+                <a:solidFill>
+                  <a:srgbClr val="181B0D"/>
+                </a:solidFill>
+                <a:latin typeface="Franklin Gothic Medium"/>
+                <a:cs typeface="Franklin Gothic Medium"/>
+              </a:rPr>
+              <a:t>and</a:t>
+            </a:r>
+            <a:r>
+              <a:rPr sz="1800" spc="-60" dirty="0">
+                <a:solidFill>
+                  <a:srgbClr val="181B0D"/>
+                </a:solidFill>
+                <a:latin typeface="Franklin Gothic Medium"/>
+                <a:cs typeface="Franklin Gothic Medium"/>
+              </a:rPr>
+              <a:t> </a:t>
+            </a:r>
+            <a:r>
+              <a:rPr sz="1800" spc="-10" dirty="0">
+                <a:solidFill>
+                  <a:srgbClr val="181B0D"/>
+                </a:solidFill>
+                <a:latin typeface="Franklin Gothic Medium"/>
+                <a:cs typeface="Franklin Gothic Medium"/>
+              </a:rPr>
+              <a:t>projects</a:t>
+            </a:r>
+            <a:endParaRPr sz="1800" dirty="0">
+              <a:latin typeface="Franklin Gothic Medium"/>
+              <a:cs typeface="Franklin Gothic Medium"/>
+            </a:endParaRPr>
+          </a:p>
+          <a:p>
+            <a:pPr marL="396875">
+              <a:lnSpc>
+                <a:spcPts val="2095"/>
+              </a:lnSpc>
+            </a:pPr>
+            <a:r>
+              <a:rPr sz="1800" dirty="0">
+                <a:solidFill>
+                  <a:srgbClr val="181B0D"/>
+                </a:solidFill>
+                <a:latin typeface="Franklin Gothic Medium"/>
+                <a:cs typeface="Franklin Gothic Medium"/>
+              </a:rPr>
+              <a:t>such</a:t>
+            </a:r>
+            <a:r>
+              <a:rPr sz="1800" spc="-30" dirty="0">
+                <a:solidFill>
+                  <a:srgbClr val="181B0D"/>
+                </a:solidFill>
+                <a:latin typeface="Franklin Gothic Medium"/>
+                <a:cs typeface="Franklin Gothic Medium"/>
+              </a:rPr>
+              <a:t> </a:t>
+            </a:r>
+            <a:r>
+              <a:rPr sz="1800" spc="-25" dirty="0">
+                <a:solidFill>
+                  <a:srgbClr val="181B0D"/>
+                </a:solidFill>
+                <a:latin typeface="Franklin Gothic Medium"/>
+                <a:cs typeface="Franklin Gothic Medium"/>
+              </a:rPr>
+              <a:t>as:</a:t>
+            </a:r>
+            <a:endParaRPr sz="1800" dirty="0">
+              <a:latin typeface="Franklin Gothic Medium"/>
+              <a:cs typeface="Franklin Gothic Medium"/>
+            </a:endParaRPr>
+          </a:p>
+          <a:p>
+            <a:pPr marL="542925" marR="390525">
+              <a:lnSpc>
+                <a:spcPct val="125099"/>
+              </a:lnSpc>
+              <a:spcBef>
+                <a:spcPts val="5"/>
+              </a:spcBef>
+            </a:pPr>
+            <a:r>
+              <a:rPr sz="1800" i="1" u="sng" spc="-10" dirty="0">
+                <a:solidFill>
+                  <a:srgbClr val="77A1BA"/>
+                </a:solidFill>
+                <a:uFill>
+                  <a:solidFill>
+                    <a:srgbClr val="77A1BA"/>
+                  </a:solidFill>
+                </a:uFill>
+                <a:latin typeface="Franklin Gothic Medium"/>
+                <a:cs typeface="Franklin Gothic Medium"/>
+                <a:hlinkClick r:id="rId7"/>
+              </a:rPr>
+              <a:t>https://cs.brown.edu/courses/cs100/students/project11/</a:t>
+            </a:r>
+            <a:r>
+              <a:rPr sz="1800" i="1" u="none" spc="-10" dirty="0">
+                <a:solidFill>
+                  <a:srgbClr val="77A1BA"/>
+                </a:solidFill>
+                <a:latin typeface="Franklin Gothic Medium"/>
+                <a:cs typeface="Franklin Gothic Medium"/>
+              </a:rPr>
+              <a:t> </a:t>
+            </a:r>
+            <a:r>
+              <a:rPr sz="1800" i="1" u="sng" spc="-10" dirty="0">
+                <a:solidFill>
+                  <a:srgbClr val="77A1BA"/>
+                </a:solidFill>
+                <a:uFill>
+                  <a:solidFill>
+                    <a:srgbClr val="77A1BA"/>
+                  </a:solidFill>
+                </a:uFill>
+                <a:latin typeface="Franklin Gothic Medium"/>
+                <a:cs typeface="Franklin Gothic Medium"/>
+                <a:hlinkClick r:id="rId8"/>
+              </a:rPr>
+              <a:t>https://www.reddit.com/r/musicleague/comments/kq3p3b/theme_ideas/</a:t>
+            </a:r>
+            <a:endParaRPr sz="1800" dirty="0">
+              <a:latin typeface="Franklin Gothic Medium"/>
+              <a:cs typeface="Franklin Gothic Medium"/>
+            </a:endParaRPr>
+          </a:p>
+        </p:txBody>
+      </p:sp>
+      <p:sp>
+        <p:nvSpPr>
+          <p:cNvPr id="5" name="object 5"/>
+          <p:cNvSpPr txBox="1"/>
+          <p:nvPr/>
+        </p:nvSpPr>
+        <p:spPr>
+          <a:xfrm>
+            <a:off x="985202" y="657860"/>
+            <a:ext cx="1585595" cy="4977130"/>
+          </a:xfrm>
+          <a:prstGeom prst="rect">
+            <a:avLst/>
+          </a:prstGeom>
+        </p:spPr>
+        <p:txBody>
+          <a:bodyPr vert="horz" wrap="square" lIns="0" tIns="74930" rIns="0" bIns="0" rtlCol="0">
+            <a:spAutoFit/>
+          </a:bodyPr>
+          <a:lstStyle/>
+          <a:p>
+            <a:pPr marL="20955" marR="80645">
+              <a:lnSpc>
+                <a:spcPct val="90300"/>
+              </a:lnSpc>
+              <a:spcBef>
+                <a:spcPts val="590"/>
+              </a:spcBef>
+            </a:pPr>
+            <a:r>
+              <a:rPr sz="3950" spc="-25" dirty="0">
+                <a:solidFill>
+                  <a:srgbClr val="181B0D"/>
+                </a:solidFill>
+                <a:latin typeface="Franklin Gothic Medium"/>
+                <a:cs typeface="Franklin Gothic Medium"/>
+              </a:rPr>
+              <a:t>The </a:t>
+            </a:r>
+            <a:r>
+              <a:rPr sz="3950" spc="-10" dirty="0">
+                <a:solidFill>
+                  <a:srgbClr val="181B0D"/>
+                </a:solidFill>
+                <a:latin typeface="Franklin Gothic Medium"/>
+                <a:cs typeface="Franklin Gothic Medium"/>
+              </a:rPr>
+              <a:t>Whose </a:t>
+            </a:r>
+            <a:r>
+              <a:rPr sz="3950" dirty="0">
+                <a:solidFill>
+                  <a:srgbClr val="181B0D"/>
+                </a:solidFill>
+                <a:latin typeface="Franklin Gothic Medium"/>
+                <a:cs typeface="Franklin Gothic Medium"/>
+              </a:rPr>
+              <a:t>Who</a:t>
+            </a:r>
+            <a:r>
+              <a:rPr sz="3950" spc="-185" dirty="0">
+                <a:solidFill>
+                  <a:srgbClr val="181B0D"/>
+                </a:solidFill>
+                <a:latin typeface="Franklin Gothic Medium"/>
+                <a:cs typeface="Franklin Gothic Medium"/>
+              </a:rPr>
+              <a:t> </a:t>
+            </a:r>
+            <a:r>
+              <a:rPr sz="3950" spc="-25" dirty="0">
+                <a:solidFill>
+                  <a:srgbClr val="181B0D"/>
+                </a:solidFill>
+                <a:latin typeface="Franklin Gothic Medium"/>
+                <a:cs typeface="Franklin Gothic Medium"/>
+              </a:rPr>
+              <a:t>in </a:t>
+            </a:r>
+            <a:r>
+              <a:rPr sz="3950" spc="-10" dirty="0">
+                <a:solidFill>
+                  <a:srgbClr val="181B0D"/>
+                </a:solidFill>
+                <a:latin typeface="Franklin Gothic Medium"/>
+                <a:cs typeface="Franklin Gothic Medium"/>
+              </a:rPr>
+              <a:t>Group </a:t>
+            </a:r>
+            <a:r>
+              <a:rPr sz="3950" spc="-25" dirty="0">
+                <a:solidFill>
+                  <a:srgbClr val="181B0D"/>
+                </a:solidFill>
+                <a:latin typeface="Franklin Gothic Medium"/>
+                <a:cs typeface="Franklin Gothic Medium"/>
+              </a:rPr>
+              <a:t>Two</a:t>
+            </a:r>
+            <a:endParaRPr sz="3950" dirty="0">
+              <a:latin typeface="Franklin Gothic Medium"/>
+              <a:cs typeface="Franklin Gothic Medium"/>
+            </a:endParaRPr>
+          </a:p>
+          <a:p>
+            <a:pPr marL="20955">
+              <a:lnSpc>
+                <a:spcPct val="100000"/>
+              </a:lnSpc>
+              <a:spcBef>
+                <a:spcPts val="975"/>
+              </a:spcBef>
+            </a:pPr>
+            <a:r>
+              <a:rPr sz="1800" dirty="0">
+                <a:solidFill>
+                  <a:srgbClr val="181B0D"/>
+                </a:solidFill>
+                <a:latin typeface="Franklin Gothic Medium"/>
+                <a:cs typeface="Franklin Gothic Medium"/>
+              </a:rPr>
+              <a:t>Cole</a:t>
+            </a:r>
+            <a:r>
+              <a:rPr sz="1800" spc="-75" dirty="0">
+                <a:solidFill>
+                  <a:srgbClr val="181B0D"/>
+                </a:solidFill>
+                <a:latin typeface="Franklin Gothic Medium"/>
+                <a:cs typeface="Franklin Gothic Medium"/>
+              </a:rPr>
+              <a:t> </a:t>
+            </a:r>
+            <a:r>
+              <a:rPr sz="1800" spc="-10" dirty="0">
+                <a:solidFill>
+                  <a:srgbClr val="181B0D"/>
+                </a:solidFill>
+                <a:latin typeface="Franklin Gothic Medium"/>
+                <a:cs typeface="Franklin Gothic Medium"/>
+              </a:rPr>
+              <a:t>Gaito</a:t>
+            </a:r>
+            <a:endParaRPr sz="1800" dirty="0">
+              <a:latin typeface="Franklin Gothic Medium"/>
+              <a:cs typeface="Franklin Gothic Medium"/>
+            </a:endParaRPr>
+          </a:p>
+          <a:p>
+            <a:pPr marL="20955" marR="5080">
+              <a:lnSpc>
+                <a:spcPts val="4280"/>
+              </a:lnSpc>
+              <a:spcBef>
+                <a:spcPts val="1825"/>
+              </a:spcBef>
+            </a:pPr>
+            <a:r>
+              <a:rPr sz="3950" spc="-10" dirty="0">
+                <a:solidFill>
+                  <a:srgbClr val="181B0D"/>
+                </a:solidFill>
+                <a:latin typeface="Franklin Gothic Medium"/>
+                <a:cs typeface="Franklin Gothic Medium"/>
+              </a:rPr>
+              <a:t>Where </a:t>
+            </a:r>
+            <a:r>
+              <a:rPr sz="3950" dirty="0">
+                <a:solidFill>
+                  <a:srgbClr val="181B0D"/>
+                </a:solidFill>
+                <a:latin typeface="Franklin Gothic Medium"/>
+                <a:cs typeface="Franklin Gothic Medium"/>
+              </a:rPr>
+              <a:t>you</a:t>
+            </a:r>
+            <a:r>
+              <a:rPr sz="3950" spc="-155" dirty="0">
+                <a:solidFill>
+                  <a:srgbClr val="181B0D"/>
+                </a:solidFill>
+                <a:latin typeface="Franklin Gothic Medium"/>
+                <a:cs typeface="Franklin Gothic Medium"/>
+              </a:rPr>
+              <a:t> </a:t>
+            </a:r>
+            <a:r>
+              <a:rPr sz="3950" spc="-25" dirty="0">
+                <a:solidFill>
+                  <a:srgbClr val="181B0D"/>
+                </a:solidFill>
+                <a:latin typeface="Franklin Gothic Medium"/>
+                <a:cs typeface="Franklin Gothic Medium"/>
+              </a:rPr>
+              <a:t>at?</a:t>
+            </a:r>
+            <a:endParaRPr sz="3950" dirty="0">
+              <a:latin typeface="Franklin Gothic Medium"/>
+              <a:cs typeface="Franklin Gothic Medium"/>
+            </a:endParaRPr>
+          </a:p>
+          <a:p>
+            <a:pPr marL="12700">
+              <a:lnSpc>
+                <a:spcPct val="100000"/>
+              </a:lnSpc>
+              <a:spcBef>
+                <a:spcPts val="1410"/>
+              </a:spcBef>
+            </a:pPr>
+            <a:r>
+              <a:rPr sz="1800" dirty="0">
+                <a:solidFill>
+                  <a:srgbClr val="181B0D"/>
+                </a:solidFill>
+                <a:latin typeface="Franklin Gothic Medium"/>
+                <a:cs typeface="Franklin Gothic Medium"/>
+              </a:rPr>
+              <a:t>Saved</a:t>
+            </a:r>
+            <a:r>
+              <a:rPr sz="1800" spc="-105" dirty="0">
+                <a:solidFill>
+                  <a:srgbClr val="181B0D"/>
+                </a:solidFill>
+                <a:latin typeface="Franklin Gothic Medium"/>
+                <a:cs typeface="Franklin Gothic Medium"/>
+              </a:rPr>
+              <a:t> </a:t>
+            </a:r>
+            <a:r>
+              <a:rPr sz="1800" spc="-10" dirty="0">
+                <a:solidFill>
+                  <a:srgbClr val="181B0D"/>
+                </a:solidFill>
+                <a:latin typeface="Franklin Gothic Medium"/>
+                <a:cs typeface="Franklin Gothic Medium"/>
+              </a:rPr>
+              <a:t>Locally</a:t>
+            </a:r>
+            <a:endParaRPr sz="1800" dirty="0">
+              <a:latin typeface="Franklin Gothic Medium"/>
+              <a:cs typeface="Franklin Gothic Medium"/>
+            </a:endParaRPr>
+          </a:p>
+        </p:txBody>
+      </p:sp>
+    </p:spTree>
+  </p:cSld>
+  <p:clrMapOvr>
+    <a:masterClrMapping/>
+  </p:clrMapOvr>
+</p:sld>
+</file>
+
+<file path=ppt/slides/slide3.xml><?xml version="1.0" encoding="utf-8"?>
 <p:sld xmlns:a="http://schemas.openxmlformats.org/drawingml/2006/main" xmlns:r="http://schemas.openxmlformats.org/officeDocument/2006/relationships" xmlns:p="http://schemas.openxmlformats.org/presentationml/2006/main">
   <p:cSld>
     <p:spTree>
@@ -1954,7 +3385,7 @@
         <p:spPr>
           <a:xfrm>
             <a:off x="1451610" y="1405539"/>
-            <a:ext cx="10130790" cy="3617657"/>
+            <a:ext cx="10130790" cy="5543056"/>
           </a:xfrm>
           <a:prstGeom prst="rect">
             <a:avLst/>
@@ -2051,546 +3482,805 @@
             </a:r>
           </a:p>
           <a:p>
-            <a:endParaRPr lang="en-US" dirty="0"/>
-          </a:p>
-          <a:p>
-            <a:pPr marL="396875" marR="377825" indent="-384810">
+            <a:pPr marL="12700">
               <a:lnSpc>
-                <a:spcPct val="125200"/>
+                <a:spcPct val="100000"/>
               </a:lnSpc>
               <a:spcBef>
-                <a:spcPts val="600"/>
+                <a:spcPts val="1150"/>
               </a:spcBef>
-              <a:buChar char="■"/>
-              <a:tabLst>
-                <a:tab pos="542925" algn="l"/>
-              </a:tabLst>
             </a:pPr>
             <a:r>
-              <a:rPr lang="en-US" sz="2000" spc="-10" dirty="0">
-                <a:solidFill>
-                  <a:srgbClr val="181B0D"/>
-                </a:solidFill>
-                <a:latin typeface="Franklin Gothic Medium"/>
-                <a:cs typeface="Franklin Gothic Medium"/>
-              </a:rPr>
-              <a:t>Data</a:t>
-            </a:r>
-            <a:r>
-              <a:rPr lang="en-US" sz="2000" spc="-85" dirty="0">
-                <a:solidFill>
-                  <a:srgbClr val="181B0D"/>
-                </a:solidFill>
-                <a:latin typeface="Franklin Gothic Medium"/>
-                <a:cs typeface="Franklin Gothic Medium"/>
-              </a:rPr>
-              <a:t> </a:t>
-            </a:r>
-            <a:r>
-              <a:rPr lang="en-US" sz="2000" dirty="0">
-                <a:solidFill>
-                  <a:srgbClr val="181B0D"/>
-                </a:solidFill>
-                <a:latin typeface="Franklin Gothic Medium"/>
-                <a:cs typeface="Franklin Gothic Medium"/>
-              </a:rPr>
-              <a:t>set</a:t>
-            </a:r>
-            <a:r>
-              <a:rPr lang="en-US" sz="2000" spc="-50" dirty="0">
-                <a:solidFill>
-                  <a:srgbClr val="181B0D"/>
-                </a:solidFill>
-                <a:latin typeface="Franklin Gothic Medium"/>
-                <a:cs typeface="Franklin Gothic Medium"/>
-              </a:rPr>
-              <a:t> </a:t>
-            </a:r>
-            <a:r>
-              <a:rPr lang="en-US" sz="2000" spc="-10" dirty="0">
-                <a:solidFill>
-                  <a:srgbClr val="181B0D"/>
-                </a:solidFill>
-                <a:latin typeface="Franklin Gothic Medium"/>
-                <a:cs typeface="Franklin Gothic Medium"/>
-              </a:rPr>
-              <a:t>Location</a:t>
-            </a:r>
-            <a:r>
-              <a:rPr lang="en-US" sz="2000" spc="-25" dirty="0">
-                <a:solidFill>
-                  <a:srgbClr val="181B0D"/>
-                </a:solidFill>
-                <a:latin typeface="Franklin Gothic Medium"/>
-                <a:cs typeface="Franklin Gothic Medium"/>
-              </a:rPr>
-              <a:t> </a:t>
-            </a:r>
-            <a:r>
-              <a:rPr lang="en-US" sz="2000" spc="-55" dirty="0">
-                <a:solidFill>
-                  <a:srgbClr val="181B0D"/>
-                </a:solidFill>
-                <a:latin typeface="Franklin Gothic Medium"/>
-                <a:cs typeface="Franklin Gothic Medium"/>
-              </a:rPr>
-              <a:t>from</a:t>
-            </a:r>
-            <a:r>
-              <a:rPr lang="en-US" sz="2000" spc="-60" dirty="0">
-                <a:solidFill>
-                  <a:srgbClr val="181B0D"/>
-                </a:solidFill>
-                <a:latin typeface="Franklin Gothic Medium"/>
-                <a:cs typeface="Franklin Gothic Medium"/>
-              </a:rPr>
-              <a:t> </a:t>
-            </a:r>
-            <a:r>
-              <a:rPr lang="en-US" sz="2000" spc="-10" dirty="0">
-                <a:solidFill>
-                  <a:srgbClr val="181B0D"/>
-                </a:solidFill>
-                <a:latin typeface="Franklin Gothic Medium"/>
-                <a:cs typeface="Franklin Gothic Medium"/>
-              </a:rPr>
-              <a:t>Kaggle/</a:t>
-            </a:r>
-            <a:r>
-              <a:rPr lang="en-US" sz="2000" spc="-10" dirty="0" err="1">
-                <a:solidFill>
-                  <a:srgbClr val="181B0D"/>
-                </a:solidFill>
-                <a:latin typeface="Franklin Gothic Medium"/>
-                <a:cs typeface="Franklin Gothic Medium"/>
-              </a:rPr>
-              <a:t>Github</a:t>
-            </a:r>
-            <a:r>
-              <a:rPr lang="en-US" sz="2000" spc="-10" dirty="0">
-                <a:solidFill>
-                  <a:srgbClr val="181B0D"/>
-                </a:solidFill>
-                <a:latin typeface="Franklin Gothic Medium"/>
-                <a:cs typeface="Franklin Gothic Medium"/>
-              </a:rPr>
-              <a:t>/Billboard: 	</a:t>
-            </a:r>
-            <a:r>
-              <a:rPr lang="en-US" sz="2000" i="1" u="sng" spc="-20" dirty="0">
-                <a:solidFill>
-                  <a:srgbClr val="77A1BA"/>
-                </a:solidFill>
-                <a:uFill>
-                  <a:solidFill>
-                    <a:srgbClr val="77A1BA"/>
-                  </a:solidFill>
-                </a:uFill>
-                <a:latin typeface="Franklin Gothic Medium"/>
-                <a:cs typeface="Franklin Gothic Medium"/>
-                <a:hlinkClick r:id="rId2"/>
-              </a:rPr>
-              <a:t>https://www.kaggle.com/datasets/dhruvildave/billboard-</a:t>
-            </a:r>
-            <a:r>
-              <a:rPr lang="en-US" sz="2000" i="1" u="sng" spc="-10" dirty="0">
-                <a:solidFill>
-                  <a:srgbClr val="77A1BA"/>
-                </a:solidFill>
-                <a:uFill>
-                  <a:solidFill>
-                    <a:srgbClr val="77A1BA"/>
-                  </a:solidFill>
-                </a:uFill>
-                <a:latin typeface="Franklin Gothic Medium"/>
-                <a:cs typeface="Franklin Gothic Medium"/>
-                <a:hlinkClick r:id="rId2"/>
-              </a:rPr>
-              <a:t>the-</a:t>
-            </a:r>
-            <a:r>
-              <a:rPr lang="en-US" sz="2000" i="1" u="sng" spc="-20" dirty="0">
-                <a:solidFill>
-                  <a:srgbClr val="77A1BA"/>
-                </a:solidFill>
-                <a:uFill>
-                  <a:solidFill>
-                    <a:srgbClr val="77A1BA"/>
-                  </a:solidFill>
-                </a:uFill>
-                <a:latin typeface="Franklin Gothic Medium"/>
-                <a:cs typeface="Franklin Gothic Medium"/>
-                <a:hlinkClick r:id="rId2"/>
-              </a:rPr>
-              <a:t>hot-</a:t>
-            </a:r>
-            <a:r>
-              <a:rPr lang="en-US" sz="2000" i="1" u="sng" spc="-30" dirty="0">
-                <a:solidFill>
-                  <a:srgbClr val="77A1BA"/>
-                </a:solidFill>
-                <a:uFill>
-                  <a:solidFill>
-                    <a:srgbClr val="77A1BA"/>
-                  </a:solidFill>
-                </a:uFill>
-                <a:latin typeface="Franklin Gothic Medium"/>
-                <a:cs typeface="Franklin Gothic Medium"/>
-                <a:hlinkClick r:id="rId2"/>
-              </a:rPr>
-              <a:t>100-</a:t>
-            </a:r>
-            <a:r>
-              <a:rPr lang="en-US" sz="2000" i="1" u="sng" spc="-10" dirty="0">
-                <a:solidFill>
-                  <a:srgbClr val="77A1BA"/>
-                </a:solidFill>
-                <a:uFill>
-                  <a:solidFill>
-                    <a:srgbClr val="77A1BA"/>
-                  </a:solidFill>
-                </a:uFill>
-                <a:latin typeface="Franklin Gothic Medium"/>
-                <a:cs typeface="Franklin Gothic Medium"/>
-                <a:hlinkClick r:id="rId2"/>
-              </a:rPr>
-              <a:t>songs</a:t>
-            </a:r>
-            <a:r>
-              <a:rPr lang="en-US" sz="2000" i="1" u="none" spc="-10" dirty="0">
-                <a:solidFill>
-                  <a:srgbClr val="77A1BA"/>
-                </a:solidFill>
-                <a:latin typeface="Franklin Gothic Medium"/>
-                <a:cs typeface="Franklin Gothic Medium"/>
-              </a:rPr>
-              <a:t> 	</a:t>
-            </a:r>
-            <a:r>
-              <a:rPr lang="en-US" sz="2000" i="1" u="sng" spc="-10" dirty="0">
-                <a:solidFill>
-                  <a:srgbClr val="77A1BA"/>
-                </a:solidFill>
-                <a:uFill>
-                  <a:solidFill>
-                    <a:srgbClr val="77A1BA"/>
-                  </a:solidFill>
-                </a:uFill>
-                <a:latin typeface="Franklin Gothic Medium"/>
-                <a:cs typeface="Franklin Gothic Medium"/>
-                <a:hlinkClick r:id="rId3"/>
-              </a:rPr>
-              <a:t>https://github.com/utdata/rwd-</a:t>
-            </a:r>
-            <a:r>
-              <a:rPr lang="en-US" sz="2000" i="1" u="sng" spc="-25" dirty="0">
-                <a:solidFill>
-                  <a:srgbClr val="77A1BA"/>
-                </a:solidFill>
-                <a:uFill>
-                  <a:solidFill>
-                    <a:srgbClr val="77A1BA"/>
-                  </a:solidFill>
-                </a:uFill>
-                <a:latin typeface="Franklin Gothic Medium"/>
-                <a:cs typeface="Franklin Gothic Medium"/>
-                <a:hlinkClick r:id="rId3"/>
-              </a:rPr>
-              <a:t>billboard-</a:t>
-            </a:r>
-            <a:r>
-              <a:rPr lang="en-US" sz="2000" i="1" u="sng" spc="-20" dirty="0">
-                <a:solidFill>
-                  <a:srgbClr val="77A1BA"/>
-                </a:solidFill>
-                <a:uFill>
-                  <a:solidFill>
-                    <a:srgbClr val="77A1BA"/>
-                  </a:solidFill>
-                </a:uFill>
-                <a:latin typeface="Franklin Gothic Medium"/>
-                <a:cs typeface="Franklin Gothic Medium"/>
-                <a:hlinkClick r:id="rId3"/>
-              </a:rPr>
-              <a:t>data</a:t>
-            </a:r>
-            <a:endParaRPr lang="en-US" sz="2000" dirty="0">
-              <a:latin typeface="Franklin Gothic Medium"/>
-              <a:cs typeface="Franklin Gothic Medium"/>
-            </a:endParaRPr>
-          </a:p>
-          <a:p>
-            <a:pPr marL="542925" marR="2555875">
+              <a:rPr lang="en-US" spc="-10" dirty="0"/>
+              <a:t>Tools:</a:t>
+            </a:r>
+          </a:p>
+          <a:p>
+            <a:pPr marL="927735" marR="382905">
               <a:lnSpc>
-                <a:spcPct val="125200"/>
+                <a:spcPct val="93900"/>
               </a:lnSpc>
               <a:spcBef>
-                <a:spcPts val="75"/>
+                <a:spcPts val="1205"/>
               </a:spcBef>
             </a:pPr>
             <a:r>
-              <a:rPr lang="en-US" sz="2000" i="1" spc="-10" dirty="0">
-                <a:solidFill>
-                  <a:srgbClr val="181B0D"/>
-                </a:solidFill>
-                <a:latin typeface="Franklin Gothic Medium"/>
-                <a:cs typeface="Franklin Gothic Medium"/>
-              </a:rPr>
-              <a:t>Original</a:t>
-            </a:r>
-            <a:r>
-              <a:rPr lang="en-US" sz="2000" i="1" spc="-75" dirty="0">
-                <a:solidFill>
-                  <a:srgbClr val="181B0D"/>
-                </a:solidFill>
-                <a:latin typeface="Franklin Gothic Medium"/>
-                <a:cs typeface="Franklin Gothic Medium"/>
-              </a:rPr>
-              <a:t> </a:t>
-            </a:r>
-            <a:r>
-              <a:rPr lang="en-US" sz="2000" i="1" dirty="0">
-                <a:solidFill>
-                  <a:srgbClr val="181B0D"/>
-                </a:solidFill>
-                <a:latin typeface="Franklin Gothic Medium"/>
-                <a:cs typeface="Franklin Gothic Medium"/>
-              </a:rPr>
-              <a:t>Source:</a:t>
-            </a:r>
-            <a:r>
-              <a:rPr lang="en-US" sz="2000" i="1" spc="-45" dirty="0">
-                <a:solidFill>
-                  <a:srgbClr val="181B0D"/>
-                </a:solidFill>
-                <a:latin typeface="Franklin Gothic Medium"/>
-                <a:cs typeface="Franklin Gothic Medium"/>
-              </a:rPr>
-              <a:t> </a:t>
-            </a:r>
-            <a:r>
-              <a:rPr lang="en-US" sz="2000" i="1" u="sng" spc="-10" dirty="0">
-                <a:solidFill>
-                  <a:srgbClr val="77A1BA"/>
-                </a:solidFill>
-                <a:uFill>
-                  <a:solidFill>
-                    <a:srgbClr val="77A1BA"/>
-                  </a:solidFill>
-                </a:uFill>
-                <a:latin typeface="Franklin Gothic Medium"/>
-                <a:cs typeface="Franklin Gothic Medium"/>
-                <a:hlinkClick r:id="rId4"/>
-              </a:rPr>
-              <a:t>https://www.billboard.com/charts/</a:t>
-            </a:r>
-            <a:r>
-              <a:rPr lang="en-US" sz="2000" i="1" u="none" spc="-10" dirty="0">
-                <a:solidFill>
-                  <a:srgbClr val="77A1BA"/>
-                </a:solidFill>
-                <a:latin typeface="Franklin Gothic Medium"/>
-                <a:cs typeface="Franklin Gothic Medium"/>
-              </a:rPr>
-              <a:t> </a:t>
-            </a:r>
-          </a:p>
-          <a:p>
-            <a:pPr marL="542925" marR="2555875">
+              <a:rPr lang="en-US" spc="-50" dirty="0"/>
+              <a:t>Ultimately,</a:t>
+            </a:r>
+            <a:r>
+              <a:rPr lang="en-US" spc="-75" dirty="0"/>
+              <a:t> </a:t>
+            </a:r>
+            <a:r>
+              <a:rPr lang="en-US" dirty="0"/>
+              <a:t>I</a:t>
+            </a:r>
+            <a:r>
+              <a:rPr lang="en-US" spc="-40" dirty="0"/>
+              <a:t> </a:t>
+            </a:r>
+            <a:r>
+              <a:rPr lang="en-US" spc="-65" dirty="0"/>
+              <a:t>am</a:t>
+            </a:r>
+            <a:r>
+              <a:rPr lang="en-US" spc="-60" dirty="0"/>
+              <a:t> </a:t>
+            </a:r>
+            <a:r>
+              <a:rPr lang="en-US" dirty="0"/>
+              <a:t>sure</a:t>
+            </a:r>
+            <a:r>
+              <a:rPr lang="en-US" spc="-85" dirty="0"/>
+              <a:t> </a:t>
+            </a:r>
+            <a:r>
+              <a:rPr lang="en-US" dirty="0"/>
+              <a:t>that</a:t>
+            </a:r>
+            <a:r>
+              <a:rPr lang="en-US" spc="-50" dirty="0"/>
+              <a:t> </a:t>
+            </a:r>
+            <a:r>
+              <a:rPr lang="en-US" dirty="0"/>
+              <a:t>there</a:t>
+            </a:r>
+            <a:r>
+              <a:rPr lang="en-US" spc="-20" dirty="0"/>
+              <a:t> </a:t>
+            </a:r>
+            <a:r>
+              <a:rPr lang="en-US" dirty="0"/>
+              <a:t>are</a:t>
+            </a:r>
+            <a:r>
+              <a:rPr lang="en-US" spc="-95" dirty="0"/>
+              <a:t> </a:t>
+            </a:r>
+            <a:r>
+              <a:rPr lang="en-US" dirty="0"/>
+              <a:t>trends</a:t>
+            </a:r>
+            <a:r>
+              <a:rPr lang="en-US" spc="-60" dirty="0"/>
+              <a:t> </a:t>
+            </a:r>
+            <a:r>
+              <a:rPr lang="en-US" spc="-30" dirty="0"/>
+              <a:t>within</a:t>
+            </a:r>
+            <a:r>
+              <a:rPr lang="en-US" spc="-70" dirty="0"/>
+              <a:t> </a:t>
+            </a:r>
+            <a:r>
+              <a:rPr lang="en-US" dirty="0"/>
+              <a:t>the</a:t>
+            </a:r>
+            <a:r>
+              <a:rPr lang="en-US" spc="-90" dirty="0"/>
+              <a:t> </a:t>
+            </a:r>
+            <a:r>
+              <a:rPr lang="en-US" spc="-10" dirty="0"/>
+              <a:t>music</a:t>
+            </a:r>
+            <a:r>
+              <a:rPr lang="en-US" spc="-65" dirty="0"/>
+              <a:t> </a:t>
+            </a:r>
+            <a:r>
+              <a:rPr lang="en-US" dirty="0"/>
+              <a:t>hits.</a:t>
+            </a:r>
+            <a:r>
+              <a:rPr lang="en-US" spc="400" dirty="0"/>
+              <a:t> </a:t>
+            </a:r>
+            <a:r>
+              <a:rPr lang="en-US" dirty="0"/>
+              <a:t>I</a:t>
+            </a:r>
+            <a:r>
+              <a:rPr lang="en-US" spc="-10" dirty="0"/>
+              <a:t> plan</a:t>
+            </a:r>
+            <a:r>
+              <a:rPr lang="en-US" spc="-70" dirty="0"/>
+              <a:t> </a:t>
+            </a:r>
+            <a:r>
+              <a:rPr lang="en-US" spc="-25" dirty="0"/>
+              <a:t>on </a:t>
+            </a:r>
+            <a:r>
+              <a:rPr lang="en-US" spc="-20" dirty="0"/>
+              <a:t>utilizing</a:t>
+            </a:r>
+            <a:r>
+              <a:rPr lang="en-US" spc="-60" dirty="0"/>
+              <a:t> </a:t>
+            </a:r>
+            <a:r>
+              <a:rPr lang="en-US" spc="-20" dirty="0" err="1"/>
+              <a:t>Jupyter</a:t>
+            </a:r>
+            <a:r>
+              <a:rPr lang="en-US" spc="-70" dirty="0"/>
+              <a:t> </a:t>
+            </a:r>
+            <a:r>
+              <a:rPr lang="en-US" spc="-25" dirty="0"/>
+              <a:t>Notebooks</a:t>
+            </a:r>
+            <a:r>
+              <a:rPr lang="en-US" spc="-80" dirty="0"/>
+              <a:t> </a:t>
+            </a:r>
+            <a:r>
+              <a:rPr lang="en-US" dirty="0"/>
+              <a:t>to</a:t>
+            </a:r>
+            <a:r>
+              <a:rPr lang="en-US" spc="-105" dirty="0"/>
+              <a:t> </a:t>
+            </a:r>
+            <a:r>
+              <a:rPr lang="en-US" dirty="0"/>
+              <a:t>stage</a:t>
+            </a:r>
+            <a:r>
+              <a:rPr lang="en-US" spc="-50" dirty="0"/>
+              <a:t> </a:t>
+            </a:r>
+            <a:r>
+              <a:rPr lang="en-US" dirty="0"/>
+              <a:t>all</a:t>
+            </a:r>
+            <a:r>
+              <a:rPr lang="en-US" spc="-55" dirty="0"/>
+              <a:t> </a:t>
+            </a:r>
+            <a:r>
+              <a:rPr lang="en-US" dirty="0"/>
+              <a:t>the</a:t>
+            </a:r>
+            <a:r>
+              <a:rPr lang="en-US" spc="-50" dirty="0"/>
+              <a:t> </a:t>
+            </a:r>
+            <a:r>
+              <a:rPr lang="en-US" spc="-20" dirty="0"/>
+              <a:t>associated</a:t>
+            </a:r>
+            <a:r>
+              <a:rPr lang="en-US" spc="-80" dirty="0"/>
+              <a:t> </a:t>
+            </a:r>
+            <a:r>
+              <a:rPr lang="en-US" dirty="0"/>
+              <a:t>code.</a:t>
+            </a:r>
+            <a:r>
+              <a:rPr lang="en-US" spc="365" dirty="0"/>
+              <a:t> </a:t>
+            </a:r>
+            <a:r>
+              <a:rPr lang="en-US" spc="-30" dirty="0"/>
+              <a:t>Python3</a:t>
+            </a:r>
+            <a:r>
+              <a:rPr lang="en-US" spc="-95" dirty="0"/>
+              <a:t> </a:t>
+            </a:r>
+            <a:r>
+              <a:rPr lang="en-US" spc="-20" dirty="0"/>
+              <a:t>will</a:t>
+            </a:r>
+            <a:r>
+              <a:rPr lang="en-US" spc="-55" dirty="0"/>
+              <a:t> </a:t>
+            </a:r>
+            <a:r>
+              <a:rPr lang="en-US" spc="-25" dirty="0"/>
+              <a:t>be </a:t>
+            </a:r>
+            <a:r>
+              <a:rPr lang="en-US" dirty="0"/>
+              <a:t>the</a:t>
+            </a:r>
+            <a:r>
+              <a:rPr lang="en-US" spc="-125" dirty="0"/>
+              <a:t> </a:t>
+            </a:r>
+            <a:r>
+              <a:rPr lang="en-US" dirty="0"/>
+              <a:t>base</a:t>
+            </a:r>
+            <a:r>
+              <a:rPr lang="en-US" spc="-125" dirty="0"/>
+              <a:t> </a:t>
+            </a:r>
+            <a:r>
+              <a:rPr lang="en-US" dirty="0"/>
+              <a:t>coding</a:t>
+            </a:r>
+            <a:r>
+              <a:rPr lang="en-US" spc="-75" dirty="0"/>
+              <a:t> </a:t>
+            </a:r>
+            <a:r>
+              <a:rPr lang="en-US" dirty="0"/>
+              <a:t>language.</a:t>
+            </a:r>
+            <a:r>
+              <a:rPr lang="en-US" spc="340" dirty="0"/>
+              <a:t> </a:t>
+            </a:r>
+            <a:r>
+              <a:rPr lang="en-US" dirty="0"/>
+              <a:t>I</a:t>
+            </a:r>
+            <a:r>
+              <a:rPr lang="en-US" spc="-40" dirty="0"/>
+              <a:t> </a:t>
+            </a:r>
+            <a:r>
+              <a:rPr lang="en-US" spc="-10" dirty="0"/>
+              <a:t>assume</a:t>
+            </a:r>
+            <a:r>
+              <a:rPr lang="en-US" spc="-114" dirty="0"/>
+              <a:t> </a:t>
+            </a:r>
+            <a:r>
+              <a:rPr lang="en-US" dirty="0"/>
+              <a:t>that</a:t>
+            </a:r>
+            <a:r>
+              <a:rPr lang="en-US" spc="-75" dirty="0"/>
+              <a:t> </a:t>
+            </a:r>
+            <a:r>
+              <a:rPr lang="en-US" spc="-35" dirty="0"/>
+              <a:t>plotting</a:t>
+            </a:r>
+            <a:r>
+              <a:rPr lang="en-US" spc="-75" dirty="0"/>
+              <a:t> </a:t>
+            </a:r>
+            <a:r>
+              <a:rPr lang="en-US" spc="-20" dirty="0"/>
+              <a:t>will</a:t>
+            </a:r>
+            <a:r>
+              <a:rPr lang="en-US" spc="-65" dirty="0"/>
+              <a:t> </a:t>
+            </a:r>
+            <a:r>
+              <a:rPr lang="en-US" dirty="0"/>
+              <a:t>need</a:t>
+            </a:r>
+            <a:r>
+              <a:rPr lang="en-US" spc="-90" dirty="0"/>
+              <a:t> </a:t>
+            </a:r>
+            <a:r>
+              <a:rPr lang="en-US" dirty="0"/>
+              <a:t>to</a:t>
+            </a:r>
+            <a:r>
+              <a:rPr lang="en-US" spc="-55" dirty="0"/>
+              <a:t> </a:t>
+            </a:r>
+            <a:r>
+              <a:rPr lang="en-US" dirty="0"/>
+              <a:t>occur</a:t>
+            </a:r>
+            <a:r>
+              <a:rPr lang="en-US" spc="-110" dirty="0"/>
+              <a:t> </a:t>
+            </a:r>
+            <a:r>
+              <a:rPr lang="en-US" spc="-25" dirty="0"/>
+              <a:t>so </a:t>
+            </a:r>
+            <a:r>
+              <a:rPr lang="en-US" spc="-20" dirty="0" err="1"/>
+              <a:t>ScikitLearn</a:t>
+            </a:r>
+            <a:r>
+              <a:rPr lang="en-US" spc="-25" dirty="0"/>
+              <a:t> </a:t>
+            </a:r>
+            <a:r>
+              <a:rPr lang="en-US" spc="-20" dirty="0"/>
+              <a:t>will</a:t>
+            </a:r>
+            <a:r>
+              <a:rPr lang="en-US" spc="-40" dirty="0"/>
+              <a:t> </a:t>
+            </a:r>
+            <a:r>
+              <a:rPr lang="en-US" dirty="0"/>
+              <a:t>also</a:t>
+            </a:r>
+            <a:r>
+              <a:rPr lang="en-US" spc="-95" dirty="0"/>
+              <a:t> </a:t>
+            </a:r>
+            <a:r>
+              <a:rPr lang="en-US" dirty="0"/>
+              <a:t>be</a:t>
+            </a:r>
+            <a:r>
+              <a:rPr lang="en-US" spc="-35" dirty="0"/>
+              <a:t> </a:t>
+            </a:r>
+            <a:r>
+              <a:rPr lang="en-US" dirty="0"/>
+              <a:t>a</a:t>
+            </a:r>
+            <a:r>
+              <a:rPr lang="en-US" spc="-45" dirty="0"/>
+              <a:t> </a:t>
+            </a:r>
+            <a:r>
+              <a:rPr lang="en-US" spc="-20" dirty="0"/>
+              <a:t>functional</a:t>
+            </a:r>
+            <a:r>
+              <a:rPr lang="en-US" spc="-40" dirty="0"/>
+              <a:t> </a:t>
+            </a:r>
+            <a:r>
+              <a:rPr lang="en-US" spc="-10" dirty="0"/>
+              <a:t>library.</a:t>
+            </a:r>
+          </a:p>
+          <a:p>
+            <a:pPr>
               <a:lnSpc>
-                <a:spcPct val="125200"/>
+                <a:spcPct val="100000"/>
               </a:lnSpc>
               <a:spcBef>
-                <a:spcPts val="75"/>
+                <a:spcPts val="2240"/>
               </a:spcBef>
             </a:pPr>
-            <a:r>
-              <a:rPr lang="en-US" sz="2000" i="1" u="none" spc="-20" dirty="0">
-                <a:solidFill>
-                  <a:srgbClr val="181B0D"/>
-                </a:solidFill>
-                <a:latin typeface="Franklin Gothic Medium"/>
-                <a:cs typeface="Franklin Gothic Medium"/>
-              </a:rPr>
-              <a:t>Lyrics:</a:t>
-            </a:r>
-            <a:r>
-              <a:rPr lang="en-US" sz="2000" i="1" u="none" spc="-35" dirty="0">
-                <a:solidFill>
-                  <a:srgbClr val="181B0D"/>
-                </a:solidFill>
-                <a:latin typeface="Franklin Gothic Medium"/>
-                <a:cs typeface="Franklin Gothic Medium"/>
-              </a:rPr>
-              <a:t> </a:t>
-            </a:r>
-            <a:r>
-              <a:rPr lang="en-US" sz="2000" i="1" u="none" dirty="0">
-                <a:solidFill>
-                  <a:srgbClr val="181B0D"/>
-                </a:solidFill>
-                <a:latin typeface="Franklin Gothic Medium"/>
-                <a:cs typeface="Franklin Gothic Medium"/>
-              </a:rPr>
-              <a:t>Genuis</a:t>
-            </a:r>
-            <a:r>
-              <a:rPr lang="en-US" sz="2000" i="1" u="none" spc="-40" dirty="0">
-                <a:solidFill>
-                  <a:srgbClr val="181B0D"/>
-                </a:solidFill>
-                <a:latin typeface="Franklin Gothic Medium"/>
-                <a:cs typeface="Franklin Gothic Medium"/>
-              </a:rPr>
-              <a:t> </a:t>
-            </a:r>
-            <a:r>
-              <a:rPr lang="en-US" sz="2000" i="1" u="none" spc="-45" dirty="0">
-                <a:solidFill>
-                  <a:srgbClr val="181B0D"/>
-                </a:solidFill>
-                <a:latin typeface="Franklin Gothic Medium"/>
-                <a:cs typeface="Franklin Gothic Medium"/>
-              </a:rPr>
-              <a:t>API</a:t>
-            </a:r>
-            <a:r>
-              <a:rPr lang="en-US" sz="2000" i="1" u="none" spc="-35" dirty="0">
-                <a:solidFill>
-                  <a:srgbClr val="181B0D"/>
-                </a:solidFill>
-                <a:latin typeface="Franklin Gothic Medium"/>
-                <a:cs typeface="Franklin Gothic Medium"/>
-              </a:rPr>
-              <a:t> </a:t>
-            </a:r>
-            <a:r>
-              <a:rPr lang="en-US" sz="2000" i="1" u="none" dirty="0">
-                <a:solidFill>
-                  <a:srgbClr val="181B0D"/>
-                </a:solidFill>
-                <a:latin typeface="Franklin Gothic Medium"/>
-                <a:cs typeface="Franklin Gothic Medium"/>
-              </a:rPr>
-              <a:t>(built</a:t>
-            </a:r>
-            <a:r>
-              <a:rPr lang="en-US" sz="2000" i="1" u="none" spc="-55" dirty="0">
-                <a:solidFill>
-                  <a:srgbClr val="181B0D"/>
-                </a:solidFill>
-                <a:latin typeface="Franklin Gothic Medium"/>
-                <a:cs typeface="Franklin Gothic Medium"/>
-              </a:rPr>
-              <a:t> </a:t>
-            </a:r>
-            <a:r>
-              <a:rPr lang="en-US" sz="2000" i="1" u="none" dirty="0">
-                <a:solidFill>
-                  <a:srgbClr val="181B0D"/>
-                </a:solidFill>
-                <a:latin typeface="Franklin Gothic Medium"/>
-                <a:cs typeface="Franklin Gothic Medium"/>
-              </a:rPr>
-              <a:t>inhouse):</a:t>
-            </a:r>
-            <a:r>
-              <a:rPr lang="en-US" sz="2000" i="1" u="none" spc="-85" dirty="0">
-                <a:solidFill>
-                  <a:srgbClr val="181B0D"/>
-                </a:solidFill>
-                <a:latin typeface="Franklin Gothic Medium"/>
-                <a:cs typeface="Franklin Gothic Medium"/>
-              </a:rPr>
-              <a:t> </a:t>
-            </a:r>
-            <a:r>
-              <a:rPr lang="en-US" sz="2000" i="1" u="sng" spc="-10" dirty="0">
-                <a:solidFill>
-                  <a:srgbClr val="77A1BA"/>
-                </a:solidFill>
-                <a:uFill>
-                  <a:solidFill>
-                    <a:srgbClr val="77A1BA"/>
-                  </a:solidFill>
-                </a:uFill>
-                <a:latin typeface="Franklin Gothic Medium"/>
-                <a:cs typeface="Franklin Gothic Medium"/>
-                <a:hlinkClick r:id="rId5"/>
-              </a:rPr>
-              <a:t>https://genius.com</a:t>
-            </a:r>
-            <a:endParaRPr lang="en-US" sz="2000" i="1" u="sng" spc="-10" dirty="0">
-              <a:solidFill>
-                <a:srgbClr val="77A1BA"/>
-              </a:solidFill>
-              <a:uFill>
-                <a:solidFill>
-                  <a:srgbClr val="77A1BA"/>
-                </a:solidFill>
-              </a:uFill>
-              <a:latin typeface="Franklin Gothic Medium"/>
-              <a:cs typeface="Franklin Gothic Medium"/>
-            </a:endParaRPr>
-          </a:p>
-          <a:p>
-            <a:pPr marL="542925" marR="2555875">
+            <a:endParaRPr lang="en-US" spc="-10" dirty="0"/>
+          </a:p>
+          <a:p>
+            <a:pPr marL="12700">
               <a:lnSpc>
-                <a:spcPct val="125200"/>
+                <a:spcPct val="100000"/>
+              </a:lnSpc>
+            </a:pPr>
+            <a:r>
+              <a:rPr lang="en-US" spc="-10" dirty="0"/>
+              <a:t>Evaluation:</a:t>
+            </a:r>
+          </a:p>
+          <a:p>
+            <a:pPr marL="927735" marR="5080">
+              <a:lnSpc>
+                <a:spcPts val="2250"/>
               </a:lnSpc>
               <a:spcBef>
-                <a:spcPts val="75"/>
+                <a:spcPts val="1330"/>
               </a:spcBef>
             </a:pPr>
             <a:r>
-              <a:rPr lang="en-US" i="1" spc="-20" dirty="0"/>
-              <a:t>S</a:t>
-            </a:r>
-            <a:r>
-              <a:rPr lang="en-US" sz="2000" i="1" u="none" spc="-20" dirty="0">
-                <a:solidFill>
-                  <a:srgbClr val="181B0D"/>
-                </a:solidFill>
-                <a:latin typeface="Franklin Gothic Medium"/>
-                <a:cs typeface="Franklin Gothic Medium"/>
-              </a:rPr>
-              <a:t>ong Metadata: </a:t>
-            </a:r>
-            <a:r>
-              <a:rPr lang="en-US" sz="2000" i="1" u="none" spc="-20" dirty="0">
-                <a:solidFill>
-                  <a:srgbClr val="181B0D"/>
-                </a:solidFill>
-                <a:hlinkClick r:id="rId6"/>
-              </a:rPr>
-              <a:t>https://developer.spotify.com/dashboard/create</a:t>
-            </a:r>
-            <a:r>
-              <a:rPr lang="en-US" i="1" u="sng" spc="-10" dirty="0">
-                <a:solidFill>
-                  <a:srgbClr val="77A1BA"/>
-                </a:solidFill>
-                <a:uFill>
-                  <a:solidFill>
-                    <a:srgbClr val="77A1BA"/>
-                  </a:solidFill>
-                </a:uFill>
-                <a:hlinkClick r:id="rId6"/>
-              </a:rPr>
-              <a:t> </a:t>
-            </a:r>
-            <a:endParaRPr lang="en-US" sz="2000" i="1" u="sng" spc="-10" dirty="0">
-              <a:solidFill>
-                <a:srgbClr val="77A1BA"/>
-              </a:solidFill>
-              <a:uFill>
-                <a:solidFill>
-                  <a:srgbClr val="77A1BA"/>
-                </a:solidFill>
-              </a:uFill>
-              <a:latin typeface="Franklin Gothic Medium"/>
-              <a:cs typeface="Franklin Gothic Medium"/>
-            </a:endParaRPr>
+              <a:rPr lang="en-US" dirty="0"/>
+              <a:t>In</a:t>
+            </a:r>
+            <a:r>
+              <a:rPr lang="en-US" spc="-90" dirty="0"/>
+              <a:t> </a:t>
+            </a:r>
+            <a:r>
+              <a:rPr lang="en-US" spc="-25" dirty="0"/>
+              <a:t>terms</a:t>
+            </a:r>
+            <a:r>
+              <a:rPr lang="en-US" spc="-65" dirty="0"/>
+              <a:t> </a:t>
+            </a:r>
+            <a:r>
+              <a:rPr lang="en-US" dirty="0"/>
+              <a:t>of</a:t>
+            </a:r>
+            <a:r>
+              <a:rPr lang="en-US" spc="-114" dirty="0"/>
+              <a:t> </a:t>
+            </a:r>
+            <a:r>
+              <a:rPr lang="en-US" spc="-10" dirty="0"/>
+              <a:t>finishing,</a:t>
+            </a:r>
+            <a:r>
+              <a:rPr lang="en-US" spc="-85" dirty="0"/>
+              <a:t> </a:t>
+            </a:r>
+            <a:r>
+              <a:rPr lang="en-US" dirty="0"/>
+              <a:t>being</a:t>
+            </a:r>
+            <a:r>
+              <a:rPr lang="en-US" spc="-55" dirty="0"/>
+              <a:t> </a:t>
+            </a:r>
+            <a:r>
+              <a:rPr lang="en-US" dirty="0"/>
+              <a:t>able</a:t>
+            </a:r>
+            <a:r>
+              <a:rPr lang="en-US" spc="-110" dirty="0"/>
+              <a:t> </a:t>
+            </a:r>
+            <a:r>
+              <a:rPr lang="en-US" dirty="0"/>
+              <a:t>to</a:t>
+            </a:r>
+            <a:r>
+              <a:rPr lang="en-US" spc="-105" dirty="0"/>
+              <a:t> </a:t>
+            </a:r>
+            <a:r>
+              <a:rPr lang="en-US" dirty="0"/>
+              <a:t>capture</a:t>
+            </a:r>
+            <a:r>
+              <a:rPr lang="en-US" spc="-105" dirty="0"/>
+              <a:t> </a:t>
+            </a:r>
+            <a:r>
+              <a:rPr lang="en-US" dirty="0"/>
+              <a:t>trends,</a:t>
+            </a:r>
+            <a:r>
+              <a:rPr lang="en-US" spc="-85" dirty="0"/>
+              <a:t> </a:t>
+            </a:r>
+            <a:r>
+              <a:rPr lang="en-US" dirty="0"/>
+              <a:t>or</a:t>
+            </a:r>
+            <a:r>
+              <a:rPr lang="en-US" spc="-35" dirty="0"/>
+              <a:t> </a:t>
+            </a:r>
+            <a:r>
+              <a:rPr lang="en-US" spc="-10" dirty="0"/>
+              <a:t>dispel</a:t>
+            </a:r>
+            <a:r>
+              <a:rPr lang="en-US" spc="-114" dirty="0"/>
+              <a:t> </a:t>
+            </a:r>
+            <a:r>
+              <a:rPr lang="en-US" dirty="0"/>
+              <a:t>the</a:t>
+            </a:r>
+            <a:r>
+              <a:rPr lang="en-US" spc="-105" dirty="0"/>
+              <a:t> </a:t>
+            </a:r>
+            <a:r>
+              <a:rPr lang="en-US" dirty="0"/>
+              <a:t>idea</a:t>
+            </a:r>
+            <a:r>
+              <a:rPr lang="en-US" spc="-55" dirty="0"/>
+              <a:t> </a:t>
+            </a:r>
+            <a:r>
+              <a:rPr lang="en-US" spc="-20" dirty="0"/>
+              <a:t>that</a:t>
+            </a:r>
+            <a:r>
+              <a:rPr lang="en-US" spc="-60" dirty="0"/>
+              <a:t> </a:t>
+            </a:r>
+            <a:r>
+              <a:rPr lang="en-US" spc="-10" dirty="0"/>
+              <a:t>trends </a:t>
+            </a:r>
+            <a:r>
+              <a:rPr lang="en-US" spc="-20" dirty="0"/>
+              <a:t>exist</a:t>
+            </a:r>
+            <a:r>
+              <a:rPr lang="en-US" spc="-85" dirty="0"/>
+              <a:t> </a:t>
+            </a:r>
+            <a:r>
+              <a:rPr lang="en-US" spc="-20" dirty="0"/>
+              <a:t>within</a:t>
+            </a:r>
+            <a:r>
+              <a:rPr lang="en-US" spc="-90" dirty="0"/>
+              <a:t> </a:t>
+            </a:r>
+            <a:r>
+              <a:rPr lang="en-US" dirty="0"/>
+              <a:t>the</a:t>
+            </a:r>
+            <a:r>
+              <a:rPr lang="en-US" spc="-50" dirty="0"/>
+              <a:t> </a:t>
+            </a:r>
+            <a:r>
+              <a:rPr lang="en-US" dirty="0"/>
+              <a:t>charts</a:t>
+            </a:r>
+            <a:r>
+              <a:rPr lang="en-US" spc="-80" dirty="0"/>
+              <a:t> </a:t>
+            </a:r>
+            <a:r>
+              <a:rPr lang="en-US" spc="-40" dirty="0"/>
+              <a:t>among</a:t>
+            </a:r>
+            <a:r>
+              <a:rPr lang="en-US" spc="-65" dirty="0"/>
+              <a:t> </a:t>
+            </a:r>
+            <a:r>
+              <a:rPr lang="en-US" dirty="0"/>
+              <a:t>lyrics.</a:t>
+            </a:r>
+            <a:r>
+              <a:rPr lang="en-US" spc="360" dirty="0"/>
+              <a:t> </a:t>
+            </a:r>
+            <a:r>
+              <a:rPr lang="en-US" dirty="0"/>
+              <a:t>If</a:t>
+            </a:r>
+            <a:r>
+              <a:rPr lang="en-US" spc="-50" dirty="0"/>
+              <a:t> </a:t>
+            </a:r>
+            <a:r>
+              <a:rPr lang="en-US" dirty="0"/>
+              <a:t>the</a:t>
+            </a:r>
+            <a:r>
+              <a:rPr lang="en-US" spc="-55" dirty="0"/>
+              <a:t> </a:t>
+            </a:r>
+            <a:r>
+              <a:rPr lang="en-US" spc="-10" dirty="0"/>
+              <a:t>data</a:t>
+            </a:r>
+            <a:r>
+              <a:rPr lang="en-US" spc="-114" dirty="0"/>
+              <a:t> </a:t>
+            </a:r>
+            <a:r>
+              <a:rPr lang="en-US" dirty="0"/>
+              <a:t>isn’t</a:t>
+            </a:r>
+            <a:r>
+              <a:rPr lang="en-US" spc="-65" dirty="0"/>
+              <a:t> </a:t>
+            </a:r>
+            <a:r>
+              <a:rPr lang="en-US" dirty="0"/>
+              <a:t>dense</a:t>
+            </a:r>
+            <a:r>
+              <a:rPr lang="en-US" spc="-114" dirty="0"/>
+              <a:t> </a:t>
+            </a:r>
+            <a:r>
+              <a:rPr lang="en-US" spc="-10" dirty="0"/>
+              <a:t>enough</a:t>
+            </a:r>
+            <a:r>
+              <a:rPr lang="en-US" spc="-85" dirty="0"/>
+              <a:t> </a:t>
+            </a:r>
+            <a:r>
+              <a:rPr lang="en-US" dirty="0"/>
+              <a:t>there</a:t>
+            </a:r>
+            <a:r>
+              <a:rPr lang="en-US" spc="-50" dirty="0"/>
+              <a:t> </a:t>
+            </a:r>
+            <a:r>
+              <a:rPr lang="en-US" spc="-25" dirty="0"/>
+              <a:t>may </a:t>
+            </a:r>
+            <a:r>
+              <a:rPr lang="en-US" dirty="0"/>
+              <a:t>be</a:t>
+            </a:r>
+            <a:r>
+              <a:rPr lang="en-US" spc="-40" dirty="0"/>
+              <a:t> </a:t>
+            </a:r>
+            <a:r>
+              <a:rPr lang="en-US" spc="-20" dirty="0"/>
+              <a:t>other</a:t>
+            </a:r>
+            <a:r>
+              <a:rPr lang="en-US" spc="-95" dirty="0"/>
+              <a:t> </a:t>
+            </a:r>
+            <a:r>
+              <a:rPr lang="en-US" spc="-25" dirty="0"/>
+              <a:t>methods</a:t>
+            </a:r>
+            <a:r>
+              <a:rPr lang="en-US" spc="-70" dirty="0"/>
+              <a:t> </a:t>
+            </a:r>
+            <a:r>
+              <a:rPr lang="en-US" dirty="0"/>
+              <a:t>of</a:t>
+            </a:r>
+            <a:r>
+              <a:rPr lang="en-US" spc="-45" dirty="0"/>
+              <a:t> </a:t>
+            </a:r>
+            <a:r>
+              <a:rPr lang="en-US" spc="-25" dirty="0"/>
+              <a:t>evaluation</a:t>
+            </a:r>
+            <a:r>
+              <a:rPr lang="en-US" spc="-80" dirty="0"/>
+              <a:t> </a:t>
+            </a:r>
+            <a:r>
+              <a:rPr lang="en-US" spc="-20" dirty="0"/>
+              <a:t>like</a:t>
+            </a:r>
+            <a:r>
+              <a:rPr lang="en-US" spc="-40" dirty="0"/>
+              <a:t> </a:t>
+            </a:r>
+            <a:r>
+              <a:rPr lang="en-US" dirty="0"/>
+              <a:t>beat</a:t>
+            </a:r>
+            <a:r>
+              <a:rPr lang="en-US" spc="-55" dirty="0"/>
+              <a:t> </a:t>
+            </a:r>
+            <a:r>
+              <a:rPr lang="en-US" dirty="0"/>
+              <a:t>and</a:t>
+            </a:r>
+            <a:r>
+              <a:rPr lang="en-US" spc="-70" dirty="0"/>
+              <a:t> </a:t>
+            </a:r>
+            <a:r>
+              <a:rPr lang="en-US" dirty="0"/>
+              <a:t>chord</a:t>
+            </a:r>
+            <a:r>
+              <a:rPr lang="en-US" spc="-65" dirty="0"/>
+              <a:t> </a:t>
+            </a:r>
+            <a:r>
+              <a:rPr lang="en-US" spc="-20" dirty="0"/>
+              <a:t>progression,</a:t>
+            </a:r>
+            <a:r>
+              <a:rPr lang="en-US" spc="-85" dirty="0"/>
+              <a:t> </a:t>
+            </a:r>
+            <a:r>
+              <a:rPr lang="en-US" dirty="0"/>
+              <a:t>but</a:t>
+            </a:r>
+            <a:r>
+              <a:rPr lang="en-US" spc="-60" dirty="0"/>
+              <a:t> </a:t>
+            </a:r>
+            <a:r>
+              <a:rPr lang="en-US" dirty="0"/>
+              <a:t>for</a:t>
+            </a:r>
+            <a:r>
+              <a:rPr lang="en-US" spc="-30" dirty="0"/>
+              <a:t> </a:t>
+            </a:r>
+            <a:r>
+              <a:rPr lang="en-US" spc="-25" dirty="0"/>
+              <a:t>the</a:t>
+            </a:r>
+          </a:p>
+          <a:p>
+            <a:pPr marL="927735">
+              <a:lnSpc>
+                <a:spcPts val="2210"/>
+              </a:lnSpc>
+            </a:pPr>
+            <a:r>
+              <a:rPr lang="en-US" spc="-40" dirty="0"/>
+              <a:t>moment,</a:t>
+            </a:r>
+            <a:r>
+              <a:rPr lang="en-US" spc="-75" dirty="0"/>
+              <a:t> </a:t>
+            </a:r>
+            <a:r>
+              <a:rPr lang="en-US" dirty="0"/>
+              <a:t>I</a:t>
+            </a:r>
+            <a:r>
+              <a:rPr lang="en-US" spc="-70" dirty="0"/>
+              <a:t> </a:t>
+            </a:r>
+            <a:r>
+              <a:rPr lang="en-US" dirty="0"/>
+              <a:t>don’t</a:t>
+            </a:r>
+            <a:r>
+              <a:rPr lang="en-US" spc="-45" dirty="0"/>
+              <a:t> </a:t>
+            </a:r>
+            <a:r>
+              <a:rPr lang="en-US" spc="-10" dirty="0"/>
+              <a:t>plan</a:t>
+            </a:r>
+            <a:r>
+              <a:rPr lang="en-US" spc="-65" dirty="0"/>
+              <a:t> </a:t>
+            </a:r>
+            <a:r>
+              <a:rPr lang="en-US" dirty="0"/>
+              <a:t>on</a:t>
+            </a:r>
+            <a:r>
+              <a:rPr lang="en-US" spc="-70" dirty="0"/>
+              <a:t> </a:t>
+            </a:r>
+            <a:r>
+              <a:rPr lang="en-US" spc="-20" dirty="0"/>
+              <a:t>analyzing</a:t>
+            </a:r>
+            <a:r>
+              <a:rPr lang="en-US" spc="-35" dirty="0"/>
+              <a:t> </a:t>
+            </a:r>
+            <a:r>
+              <a:rPr lang="en-US" spc="-10" dirty="0"/>
+              <a:t>that.</a:t>
+            </a:r>
+          </a:p>
+          <a:p>
+            <a:endParaRPr lang="en-US" dirty="0"/>
+          </a:p>
+          <a:p>
+            <a:endParaRPr lang="en-US" dirty="0"/>
           </a:p>
         </p:txBody>
       </p:sp>
@@ -2600,1503 +4290,6 @@
         <p14:creationId xmlns:p14="http://schemas.microsoft.com/office/powerpoint/2010/main" val="2297641272"/>
       </p:ext>
     </p:extLst>
-  </p:cSld>
-  <p:clrMapOvr>
-    <a:masterClrMapping/>
-  </p:clrMapOvr>
-</p:sld>
-</file>
-
-<file path=ppt/slides/slide3.xml><?xml version="1.0" encoding="utf-8"?>
-<p:sld xmlns:a="http://schemas.openxmlformats.org/drawingml/2006/main" xmlns:r="http://schemas.openxmlformats.org/officeDocument/2006/relationships" xmlns:p="http://schemas.openxmlformats.org/presentationml/2006/main">
-  <p:cSld>
-    <p:spTree>
-      <p:nvGrpSpPr>
-        <p:cNvPr id="1" name=""/>
-        <p:cNvGrpSpPr/>
-        <p:nvPr/>
-      </p:nvGrpSpPr>
-      <p:grpSpPr>
-        <a:xfrm>
-          <a:off x="0" y="0"/>
-          <a:ext cx="0" cy="0"/>
-          <a:chOff x="0" y="0"/>
-          <a:chExt cx="0" cy="0"/>
-        </a:xfrm>
-      </p:grpSpPr>
-      <p:sp>
-        <p:nvSpPr>
-          <p:cNvPr id="2" name="object 2"/>
-          <p:cNvSpPr/>
-          <p:nvPr/>
-        </p:nvSpPr>
-        <p:spPr>
-          <a:xfrm>
-            <a:off x="476250" y="0"/>
-            <a:ext cx="228600" cy="6858000"/>
-          </a:xfrm>
-          <a:custGeom>
-            <a:avLst/>
-            <a:gdLst/>
-            <a:ahLst/>
-            <a:cxnLst/>
-            <a:rect l="l" t="t" r="r" b="b"/>
-            <a:pathLst>
-              <a:path w="228600" h="6858000">
-                <a:moveTo>
-                  <a:pt x="228600" y="0"/>
-                </a:moveTo>
-                <a:lnTo>
-                  <a:pt x="0" y="0"/>
-                </a:lnTo>
-                <a:lnTo>
-                  <a:pt x="0" y="6858000"/>
-                </a:lnTo>
-                <a:lnTo>
-                  <a:pt x="228600" y="6858000"/>
-                </a:lnTo>
-                <a:lnTo>
-                  <a:pt x="228600" y="0"/>
-                </a:lnTo>
-                <a:close/>
-              </a:path>
-            </a:pathLst>
-          </a:custGeom>
-          <a:solidFill>
-            <a:srgbClr val="181B0D"/>
-          </a:solidFill>
-        </p:spPr>
-        <p:txBody>
-          <a:bodyPr wrap="square" lIns="0" tIns="0" rIns="0" bIns="0" rtlCol="0"/>
-          <a:lstStyle/>
-          <a:p>
-            <a:endParaRPr/>
-          </a:p>
-        </p:txBody>
-      </p:sp>
-      <p:sp>
-        <p:nvSpPr>
-          <p:cNvPr id="3" name="object 3"/>
-          <p:cNvSpPr txBox="1">
-            <a:spLocks noGrp="1"/>
-          </p:cNvSpPr>
-          <p:nvPr>
-            <p:ph type="title"/>
-          </p:nvPr>
-        </p:nvSpPr>
-        <p:spPr>
-          <a:xfrm>
-            <a:off x="3939540" y="633793"/>
-            <a:ext cx="3925570" cy="678180"/>
-          </a:xfrm>
-          <a:prstGeom prst="rect">
-            <a:avLst/>
-          </a:prstGeom>
-        </p:spPr>
-        <p:txBody>
-          <a:bodyPr vert="horz" wrap="square" lIns="0" tIns="16510" rIns="0" bIns="0" rtlCol="0">
-            <a:spAutoFit/>
-          </a:bodyPr>
-          <a:lstStyle/>
-          <a:p>
-            <a:pPr marL="12700">
-              <a:lnSpc>
-                <a:spcPct val="100000"/>
-              </a:lnSpc>
-              <a:spcBef>
-                <a:spcPts val="130"/>
-              </a:spcBef>
-            </a:pPr>
-            <a:r>
-              <a:rPr sz="4250" dirty="0"/>
-              <a:t>The</a:t>
-            </a:r>
-            <a:r>
-              <a:rPr sz="4250" spc="-105" dirty="0"/>
-              <a:t> </a:t>
-            </a:r>
-            <a:r>
-              <a:rPr sz="4250" dirty="0"/>
-              <a:t>What’s</a:t>
-            </a:r>
-            <a:r>
-              <a:rPr sz="4250" spc="-95" dirty="0"/>
-              <a:t> </a:t>
-            </a:r>
-            <a:r>
-              <a:rPr sz="4250" spc="-45" dirty="0"/>
-              <a:t>What</a:t>
-            </a:r>
-            <a:endParaRPr sz="4250"/>
-          </a:p>
-        </p:txBody>
-      </p:sp>
-      <p:sp>
-        <p:nvSpPr>
-          <p:cNvPr id="4" name="object 4"/>
-          <p:cNvSpPr txBox="1"/>
-          <p:nvPr/>
-        </p:nvSpPr>
-        <p:spPr>
-          <a:xfrm>
-            <a:off x="3295903" y="1270825"/>
-            <a:ext cx="8236584" cy="3422604"/>
-          </a:xfrm>
-          <a:prstGeom prst="rect">
-            <a:avLst/>
-          </a:prstGeom>
-        </p:spPr>
-        <p:txBody>
-          <a:bodyPr vert="horz" wrap="square" lIns="0" tIns="148590" rIns="0" bIns="0" rtlCol="0">
-            <a:spAutoFit/>
-          </a:bodyPr>
-          <a:lstStyle/>
-          <a:p>
-            <a:pPr marL="396875" indent="-384175">
-              <a:lnSpc>
-                <a:spcPct val="100000"/>
-              </a:lnSpc>
-              <a:spcBef>
-                <a:spcPts val="1170"/>
-              </a:spcBef>
-              <a:buChar char="■"/>
-              <a:tabLst>
-                <a:tab pos="396875" algn="l"/>
-              </a:tabLst>
-            </a:pPr>
-            <a:r>
-              <a:rPr sz="1800" dirty="0">
-                <a:solidFill>
-                  <a:srgbClr val="181B0D"/>
-                </a:solidFill>
-                <a:latin typeface="Franklin Gothic Medium"/>
-                <a:cs typeface="Franklin Gothic Medium"/>
-              </a:rPr>
-              <a:t>This</a:t>
-            </a:r>
-            <a:r>
-              <a:rPr sz="1800" spc="-80" dirty="0">
-                <a:solidFill>
-                  <a:srgbClr val="181B0D"/>
-                </a:solidFill>
-                <a:latin typeface="Franklin Gothic Medium"/>
-                <a:cs typeface="Franklin Gothic Medium"/>
-              </a:rPr>
-              <a:t> </a:t>
-            </a:r>
-            <a:r>
-              <a:rPr sz="1800" dirty="0">
-                <a:solidFill>
-                  <a:srgbClr val="181B0D"/>
-                </a:solidFill>
-                <a:latin typeface="Franklin Gothic Medium"/>
-                <a:cs typeface="Franklin Gothic Medium"/>
-              </a:rPr>
-              <a:t>project,</a:t>
-            </a:r>
-            <a:r>
-              <a:rPr sz="1800" spc="-75" dirty="0">
-                <a:solidFill>
-                  <a:srgbClr val="181B0D"/>
-                </a:solidFill>
-                <a:latin typeface="Franklin Gothic Medium"/>
-                <a:cs typeface="Franklin Gothic Medium"/>
-              </a:rPr>
-              <a:t> </a:t>
-            </a:r>
-            <a:r>
-              <a:rPr sz="1800" dirty="0">
-                <a:solidFill>
-                  <a:srgbClr val="181B0D"/>
-                </a:solidFill>
-                <a:latin typeface="Franklin Gothic Medium"/>
-                <a:cs typeface="Franklin Gothic Medium"/>
-              </a:rPr>
-              <a:t>I</a:t>
-            </a:r>
-            <a:r>
-              <a:rPr sz="1800" spc="-70" dirty="0">
-                <a:solidFill>
-                  <a:srgbClr val="181B0D"/>
-                </a:solidFill>
-                <a:latin typeface="Franklin Gothic Medium"/>
-                <a:cs typeface="Franklin Gothic Medium"/>
-              </a:rPr>
-              <a:t> </a:t>
-            </a:r>
-            <a:r>
-              <a:rPr sz="1800" spc="-10" dirty="0">
-                <a:solidFill>
-                  <a:srgbClr val="181B0D"/>
-                </a:solidFill>
-                <a:latin typeface="Franklin Gothic Medium"/>
-                <a:cs typeface="Franklin Gothic Medium"/>
-              </a:rPr>
-              <a:t>wish</a:t>
-            </a:r>
-            <a:r>
-              <a:rPr sz="1800" spc="-70" dirty="0">
-                <a:solidFill>
-                  <a:srgbClr val="181B0D"/>
-                </a:solidFill>
-                <a:latin typeface="Franklin Gothic Medium"/>
-                <a:cs typeface="Franklin Gothic Medium"/>
-              </a:rPr>
-              <a:t> </a:t>
-            </a:r>
-            <a:r>
-              <a:rPr sz="1800" dirty="0">
-                <a:solidFill>
-                  <a:srgbClr val="181B0D"/>
-                </a:solidFill>
-                <a:latin typeface="Franklin Gothic Medium"/>
-                <a:cs typeface="Franklin Gothic Medium"/>
-              </a:rPr>
-              <a:t>to</a:t>
-            </a:r>
-            <a:r>
-              <a:rPr sz="1800" spc="-45" dirty="0">
-                <a:solidFill>
-                  <a:srgbClr val="181B0D"/>
-                </a:solidFill>
-                <a:latin typeface="Franklin Gothic Medium"/>
-                <a:cs typeface="Franklin Gothic Medium"/>
-              </a:rPr>
-              <a:t> </a:t>
-            </a:r>
-            <a:r>
-              <a:rPr sz="1800" spc="-10" dirty="0">
-                <a:solidFill>
-                  <a:srgbClr val="181B0D"/>
-                </a:solidFill>
-                <a:latin typeface="Franklin Gothic Medium"/>
-                <a:cs typeface="Franklin Gothic Medium"/>
-              </a:rPr>
-              <a:t>answer</a:t>
-            </a:r>
-            <a:r>
-              <a:rPr sz="1800" spc="-70" dirty="0">
-                <a:solidFill>
-                  <a:srgbClr val="181B0D"/>
-                </a:solidFill>
-                <a:latin typeface="Franklin Gothic Medium"/>
-                <a:cs typeface="Franklin Gothic Medium"/>
-              </a:rPr>
-              <a:t> </a:t>
-            </a:r>
-            <a:r>
-              <a:rPr sz="1800" dirty="0">
-                <a:solidFill>
-                  <a:srgbClr val="181B0D"/>
-                </a:solidFill>
-                <a:latin typeface="Franklin Gothic Medium"/>
-                <a:cs typeface="Franklin Gothic Medium"/>
-              </a:rPr>
-              <a:t>the</a:t>
-            </a:r>
-            <a:r>
-              <a:rPr sz="1800" spc="-105" dirty="0">
-                <a:solidFill>
-                  <a:srgbClr val="181B0D"/>
-                </a:solidFill>
-                <a:latin typeface="Franklin Gothic Medium"/>
-                <a:cs typeface="Franklin Gothic Medium"/>
-              </a:rPr>
-              <a:t> </a:t>
-            </a:r>
-            <a:r>
-              <a:rPr sz="1800" spc="-30" dirty="0">
-                <a:solidFill>
-                  <a:srgbClr val="181B0D"/>
-                </a:solidFill>
-                <a:latin typeface="Franklin Gothic Medium"/>
-                <a:cs typeface="Franklin Gothic Medium"/>
-              </a:rPr>
-              <a:t>following</a:t>
-            </a:r>
-            <a:r>
-              <a:rPr sz="1800" spc="-65" dirty="0">
-                <a:solidFill>
-                  <a:srgbClr val="181B0D"/>
-                </a:solidFill>
-                <a:latin typeface="Franklin Gothic Medium"/>
-                <a:cs typeface="Franklin Gothic Medium"/>
-              </a:rPr>
-              <a:t> </a:t>
-            </a:r>
-            <a:r>
-              <a:rPr sz="1800" spc="-10" dirty="0">
-                <a:solidFill>
-                  <a:srgbClr val="181B0D"/>
-                </a:solidFill>
-                <a:latin typeface="Franklin Gothic Medium"/>
-                <a:cs typeface="Franklin Gothic Medium"/>
-              </a:rPr>
-              <a:t>questions:</a:t>
-            </a:r>
-            <a:endParaRPr sz="1800" dirty="0">
-              <a:latin typeface="Franklin Gothic Medium"/>
-              <a:cs typeface="Franklin Gothic Medium"/>
-            </a:endParaRPr>
-          </a:p>
-          <a:p>
-            <a:pPr marL="927735">
-              <a:lnSpc>
-                <a:spcPct val="100000"/>
-              </a:lnSpc>
-              <a:spcBef>
-                <a:spcPts val="1070"/>
-              </a:spcBef>
-            </a:pPr>
-            <a:r>
-              <a:rPr sz="1800" dirty="0">
-                <a:solidFill>
-                  <a:srgbClr val="181B0D"/>
-                </a:solidFill>
-                <a:latin typeface="Franklin Gothic Medium"/>
-                <a:cs typeface="Franklin Gothic Medium"/>
-              </a:rPr>
-              <a:t>Is</a:t>
-            </a:r>
-            <a:r>
-              <a:rPr sz="1800" spc="-70" dirty="0">
-                <a:solidFill>
-                  <a:srgbClr val="181B0D"/>
-                </a:solidFill>
-                <a:latin typeface="Franklin Gothic Medium"/>
-                <a:cs typeface="Franklin Gothic Medium"/>
-              </a:rPr>
-              <a:t> </a:t>
-            </a:r>
-            <a:r>
-              <a:rPr sz="1800" dirty="0">
-                <a:solidFill>
-                  <a:srgbClr val="181B0D"/>
-                </a:solidFill>
-                <a:latin typeface="Franklin Gothic Medium"/>
-                <a:cs typeface="Franklin Gothic Medium"/>
-              </a:rPr>
-              <a:t>there</a:t>
-            </a:r>
-            <a:r>
-              <a:rPr sz="1800" spc="-80" dirty="0">
-                <a:solidFill>
-                  <a:srgbClr val="181B0D"/>
-                </a:solidFill>
-                <a:latin typeface="Franklin Gothic Medium"/>
-                <a:cs typeface="Franklin Gothic Medium"/>
-              </a:rPr>
-              <a:t> </a:t>
-            </a:r>
-            <a:r>
-              <a:rPr sz="1800" dirty="0">
-                <a:solidFill>
-                  <a:srgbClr val="181B0D"/>
-                </a:solidFill>
-                <a:latin typeface="Franklin Gothic Medium"/>
-                <a:cs typeface="Franklin Gothic Medium"/>
-              </a:rPr>
-              <a:t>a</a:t>
-            </a:r>
-            <a:r>
-              <a:rPr sz="1800" spc="-35" dirty="0">
-                <a:solidFill>
-                  <a:srgbClr val="181B0D"/>
-                </a:solidFill>
-                <a:latin typeface="Franklin Gothic Medium"/>
-                <a:cs typeface="Franklin Gothic Medium"/>
-              </a:rPr>
-              <a:t> </a:t>
-            </a:r>
-            <a:r>
-              <a:rPr sz="1800" spc="-25" dirty="0">
-                <a:solidFill>
-                  <a:srgbClr val="181B0D"/>
-                </a:solidFill>
-                <a:latin typeface="Franklin Gothic Medium"/>
-                <a:cs typeface="Franklin Gothic Medium"/>
-              </a:rPr>
-              <a:t>thematic</a:t>
-            </a:r>
-            <a:r>
-              <a:rPr sz="1800" spc="-65" dirty="0">
-                <a:solidFill>
-                  <a:srgbClr val="181B0D"/>
-                </a:solidFill>
-                <a:latin typeface="Franklin Gothic Medium"/>
-                <a:cs typeface="Franklin Gothic Medium"/>
-              </a:rPr>
-              <a:t> </a:t>
-            </a:r>
-            <a:r>
-              <a:rPr sz="1800" spc="-20" dirty="0">
-                <a:solidFill>
-                  <a:srgbClr val="181B0D"/>
-                </a:solidFill>
-                <a:latin typeface="Franklin Gothic Medium"/>
-                <a:cs typeface="Franklin Gothic Medium"/>
-              </a:rPr>
-              <a:t>correlation</a:t>
-            </a:r>
-            <a:r>
-              <a:rPr sz="1800" spc="-50" dirty="0">
-                <a:solidFill>
-                  <a:srgbClr val="181B0D"/>
-                </a:solidFill>
-                <a:latin typeface="Franklin Gothic Medium"/>
-                <a:cs typeface="Franklin Gothic Medium"/>
-              </a:rPr>
-              <a:t> </a:t>
-            </a:r>
-            <a:r>
-              <a:rPr sz="1800" spc="-10" dirty="0">
-                <a:solidFill>
-                  <a:srgbClr val="181B0D"/>
-                </a:solidFill>
-                <a:latin typeface="Franklin Gothic Medium"/>
-                <a:cs typeface="Franklin Gothic Medium"/>
-              </a:rPr>
-              <a:t>between</a:t>
-            </a:r>
-            <a:r>
-              <a:rPr sz="1800" spc="-55" dirty="0">
-                <a:solidFill>
-                  <a:srgbClr val="181B0D"/>
-                </a:solidFill>
-                <a:latin typeface="Franklin Gothic Medium"/>
-                <a:cs typeface="Franklin Gothic Medium"/>
-              </a:rPr>
-              <a:t> </a:t>
-            </a:r>
-            <a:r>
-              <a:rPr sz="1800" spc="-10" dirty="0">
-                <a:solidFill>
-                  <a:srgbClr val="181B0D"/>
-                </a:solidFill>
-                <a:latin typeface="Franklin Gothic Medium"/>
-                <a:cs typeface="Franklin Gothic Medium"/>
-              </a:rPr>
-              <a:t>top</a:t>
-            </a:r>
-            <a:r>
-              <a:rPr sz="1800" spc="-40" dirty="0">
-                <a:solidFill>
-                  <a:srgbClr val="181B0D"/>
-                </a:solidFill>
-                <a:latin typeface="Franklin Gothic Medium"/>
-                <a:cs typeface="Franklin Gothic Medium"/>
-              </a:rPr>
-              <a:t> </a:t>
-            </a:r>
-            <a:r>
-              <a:rPr sz="1800" dirty="0">
-                <a:solidFill>
-                  <a:srgbClr val="181B0D"/>
-                </a:solidFill>
-                <a:latin typeface="Franklin Gothic Medium"/>
-                <a:cs typeface="Franklin Gothic Medium"/>
-              </a:rPr>
-              <a:t>chart</a:t>
-            </a:r>
-            <a:r>
-              <a:rPr sz="1800" spc="-10" dirty="0">
-                <a:solidFill>
-                  <a:srgbClr val="181B0D"/>
-                </a:solidFill>
-                <a:latin typeface="Franklin Gothic Medium"/>
-                <a:cs typeface="Franklin Gothic Medium"/>
-              </a:rPr>
-              <a:t> hits?</a:t>
-            </a:r>
-            <a:endParaRPr sz="1800" dirty="0">
-              <a:latin typeface="Franklin Gothic Medium"/>
-              <a:cs typeface="Franklin Gothic Medium"/>
-            </a:endParaRPr>
-          </a:p>
-          <a:p>
-            <a:pPr marL="927735">
-              <a:lnSpc>
-                <a:spcPct val="100000"/>
-              </a:lnSpc>
-              <a:spcBef>
-                <a:spcPts val="1070"/>
-              </a:spcBef>
-            </a:pPr>
-            <a:r>
-              <a:rPr sz="1800" dirty="0">
-                <a:solidFill>
-                  <a:srgbClr val="181B0D"/>
-                </a:solidFill>
-                <a:latin typeface="Franklin Gothic Medium"/>
-                <a:cs typeface="Franklin Gothic Medium"/>
-              </a:rPr>
-              <a:t>Is</a:t>
-            </a:r>
-            <a:r>
-              <a:rPr sz="1800" spc="-80" dirty="0">
-                <a:solidFill>
-                  <a:srgbClr val="181B0D"/>
-                </a:solidFill>
-                <a:latin typeface="Franklin Gothic Medium"/>
-                <a:cs typeface="Franklin Gothic Medium"/>
-              </a:rPr>
-              <a:t> </a:t>
-            </a:r>
-            <a:r>
-              <a:rPr sz="1800" dirty="0">
-                <a:solidFill>
-                  <a:srgbClr val="181B0D"/>
-                </a:solidFill>
-                <a:latin typeface="Franklin Gothic Medium"/>
-                <a:cs typeface="Franklin Gothic Medium"/>
-              </a:rPr>
-              <a:t>this</a:t>
-            </a:r>
-            <a:r>
-              <a:rPr sz="1800" spc="-75" dirty="0">
-                <a:solidFill>
-                  <a:srgbClr val="181B0D"/>
-                </a:solidFill>
-                <a:latin typeface="Franklin Gothic Medium"/>
-                <a:cs typeface="Franklin Gothic Medium"/>
-              </a:rPr>
-              <a:t> </a:t>
-            </a:r>
-            <a:r>
-              <a:rPr sz="1800" dirty="0">
-                <a:solidFill>
-                  <a:srgbClr val="181B0D"/>
-                </a:solidFill>
-                <a:latin typeface="Franklin Gothic Medium"/>
-                <a:cs typeface="Franklin Gothic Medium"/>
-              </a:rPr>
-              <a:t>derived</a:t>
-            </a:r>
-            <a:r>
-              <a:rPr sz="1800" spc="-60" dirty="0">
-                <a:solidFill>
-                  <a:srgbClr val="181B0D"/>
-                </a:solidFill>
-                <a:latin typeface="Franklin Gothic Medium"/>
-                <a:cs typeface="Franklin Gothic Medium"/>
-              </a:rPr>
-              <a:t> </a:t>
-            </a:r>
-            <a:r>
-              <a:rPr sz="1800" spc="-35" dirty="0">
-                <a:solidFill>
-                  <a:srgbClr val="181B0D"/>
-                </a:solidFill>
-                <a:latin typeface="Franklin Gothic Medium"/>
-                <a:cs typeface="Franklin Gothic Medium"/>
-              </a:rPr>
-              <a:t>from</a:t>
-            </a:r>
-            <a:r>
-              <a:rPr sz="1800" spc="-40" dirty="0">
-                <a:solidFill>
-                  <a:srgbClr val="181B0D"/>
-                </a:solidFill>
-                <a:latin typeface="Franklin Gothic Medium"/>
-                <a:cs typeface="Franklin Gothic Medium"/>
-              </a:rPr>
-              <a:t> </a:t>
-            </a:r>
-            <a:r>
-              <a:rPr sz="1800" dirty="0">
-                <a:solidFill>
-                  <a:srgbClr val="181B0D"/>
-                </a:solidFill>
-                <a:latin typeface="Franklin Gothic Medium"/>
-                <a:cs typeface="Franklin Gothic Medium"/>
-              </a:rPr>
-              <a:t>the</a:t>
-            </a:r>
-            <a:r>
-              <a:rPr sz="1800" spc="-90" dirty="0">
-                <a:solidFill>
-                  <a:srgbClr val="181B0D"/>
-                </a:solidFill>
-                <a:latin typeface="Franklin Gothic Medium"/>
-                <a:cs typeface="Franklin Gothic Medium"/>
-              </a:rPr>
-              <a:t> </a:t>
-            </a:r>
-            <a:r>
-              <a:rPr sz="1800" spc="-10" dirty="0">
-                <a:solidFill>
-                  <a:srgbClr val="181B0D"/>
-                </a:solidFill>
-                <a:latin typeface="Franklin Gothic Medium"/>
-                <a:cs typeface="Franklin Gothic Medium"/>
-              </a:rPr>
-              <a:t>words</a:t>
-            </a:r>
-            <a:r>
-              <a:rPr sz="1800" spc="-75" dirty="0">
-                <a:solidFill>
-                  <a:srgbClr val="181B0D"/>
-                </a:solidFill>
-                <a:latin typeface="Franklin Gothic Medium"/>
-                <a:cs typeface="Franklin Gothic Medium"/>
-              </a:rPr>
-              <a:t> </a:t>
-            </a:r>
-            <a:r>
-              <a:rPr sz="1800" spc="-10" dirty="0">
-                <a:solidFill>
-                  <a:srgbClr val="181B0D"/>
-                </a:solidFill>
-                <a:latin typeface="Franklin Gothic Medium"/>
-                <a:cs typeface="Franklin Gothic Medium"/>
-              </a:rPr>
-              <a:t>themselves,</a:t>
-            </a:r>
-            <a:r>
-              <a:rPr sz="1800" spc="-65" dirty="0">
-                <a:solidFill>
-                  <a:srgbClr val="181B0D"/>
-                </a:solidFill>
-                <a:latin typeface="Franklin Gothic Medium"/>
-                <a:cs typeface="Franklin Gothic Medium"/>
-              </a:rPr>
-              <a:t> </a:t>
-            </a:r>
-            <a:r>
-              <a:rPr sz="1800" dirty="0">
-                <a:solidFill>
-                  <a:srgbClr val="181B0D"/>
-                </a:solidFill>
-                <a:latin typeface="Franklin Gothic Medium"/>
-                <a:cs typeface="Franklin Gothic Medium"/>
-              </a:rPr>
-              <a:t>or</a:t>
-            </a:r>
-            <a:r>
-              <a:rPr sz="1800" spc="320" dirty="0">
-                <a:solidFill>
-                  <a:srgbClr val="181B0D"/>
-                </a:solidFill>
-                <a:latin typeface="Franklin Gothic Medium"/>
-                <a:cs typeface="Franklin Gothic Medium"/>
-              </a:rPr>
-              <a:t> </a:t>
-            </a:r>
-            <a:r>
-              <a:rPr sz="1800" spc="-10" dirty="0">
-                <a:solidFill>
-                  <a:srgbClr val="181B0D"/>
-                </a:solidFill>
-                <a:latin typeface="Franklin Gothic Medium"/>
-                <a:cs typeface="Franklin Gothic Medium"/>
-              </a:rPr>
-              <a:t>correlated</a:t>
-            </a:r>
-            <a:r>
-              <a:rPr sz="1800" spc="-60" dirty="0">
-                <a:solidFill>
-                  <a:srgbClr val="181B0D"/>
-                </a:solidFill>
-                <a:latin typeface="Franklin Gothic Medium"/>
-                <a:cs typeface="Franklin Gothic Medium"/>
-              </a:rPr>
-              <a:t> </a:t>
-            </a:r>
-            <a:r>
-              <a:rPr sz="1800" dirty="0">
-                <a:solidFill>
-                  <a:srgbClr val="181B0D"/>
-                </a:solidFill>
-                <a:latin typeface="Franklin Gothic Medium"/>
-                <a:cs typeface="Franklin Gothic Medium"/>
-              </a:rPr>
-              <a:t>to</a:t>
-            </a:r>
-            <a:r>
-              <a:rPr sz="1800" spc="-100" dirty="0">
-                <a:solidFill>
-                  <a:srgbClr val="181B0D"/>
-                </a:solidFill>
-                <a:latin typeface="Franklin Gothic Medium"/>
-                <a:cs typeface="Franklin Gothic Medium"/>
-              </a:rPr>
-              <a:t> </a:t>
-            </a:r>
-            <a:r>
-              <a:rPr sz="1800" spc="-10" dirty="0">
-                <a:solidFill>
-                  <a:srgbClr val="181B0D"/>
-                </a:solidFill>
-                <a:latin typeface="Franklin Gothic Medium"/>
-                <a:cs typeface="Franklin Gothic Medium"/>
-              </a:rPr>
-              <a:t>world</a:t>
-            </a:r>
-            <a:r>
-              <a:rPr sz="1800" spc="-60" dirty="0">
-                <a:solidFill>
-                  <a:srgbClr val="181B0D"/>
-                </a:solidFill>
-                <a:latin typeface="Franklin Gothic Medium"/>
-                <a:cs typeface="Franklin Gothic Medium"/>
-              </a:rPr>
-              <a:t> </a:t>
-            </a:r>
-            <a:r>
-              <a:rPr sz="1800" spc="-10" dirty="0">
-                <a:solidFill>
-                  <a:srgbClr val="181B0D"/>
-                </a:solidFill>
-                <a:latin typeface="Franklin Gothic Medium"/>
-                <a:cs typeface="Franklin Gothic Medium"/>
-              </a:rPr>
-              <a:t>events?</a:t>
-            </a:r>
-            <a:endParaRPr sz="1800" dirty="0">
-              <a:latin typeface="Franklin Gothic Medium"/>
-              <a:cs typeface="Franklin Gothic Medium"/>
-            </a:endParaRPr>
-          </a:p>
-          <a:p>
-            <a:pPr marL="655955">
-              <a:lnSpc>
-                <a:spcPct val="100000"/>
-              </a:lnSpc>
-              <a:spcBef>
-                <a:spcPts val="985"/>
-              </a:spcBef>
-            </a:pPr>
-            <a:r>
-              <a:rPr sz="4250" dirty="0">
-                <a:solidFill>
-                  <a:srgbClr val="181B0D"/>
-                </a:solidFill>
-                <a:latin typeface="Franklin Gothic Medium"/>
-                <a:cs typeface="Franklin Gothic Medium"/>
-              </a:rPr>
-              <a:t>Novel</a:t>
-            </a:r>
-            <a:r>
-              <a:rPr sz="4250" spc="-105" dirty="0">
-                <a:solidFill>
-                  <a:srgbClr val="181B0D"/>
-                </a:solidFill>
-                <a:latin typeface="Franklin Gothic Medium"/>
-                <a:cs typeface="Franklin Gothic Medium"/>
-              </a:rPr>
-              <a:t> </a:t>
-            </a:r>
-            <a:r>
-              <a:rPr sz="4250" dirty="0">
-                <a:solidFill>
-                  <a:srgbClr val="181B0D"/>
-                </a:solidFill>
-                <a:latin typeface="Franklin Gothic Medium"/>
-                <a:cs typeface="Franklin Gothic Medium"/>
-              </a:rPr>
-              <a:t>Ideas</a:t>
-            </a:r>
-            <a:r>
-              <a:rPr sz="4250" spc="-130" dirty="0">
-                <a:solidFill>
-                  <a:srgbClr val="181B0D"/>
-                </a:solidFill>
-                <a:latin typeface="Franklin Gothic Medium"/>
-                <a:cs typeface="Franklin Gothic Medium"/>
-              </a:rPr>
-              <a:t> </a:t>
-            </a:r>
-            <a:r>
-              <a:rPr sz="4250" dirty="0">
-                <a:solidFill>
-                  <a:srgbClr val="181B0D"/>
-                </a:solidFill>
-                <a:latin typeface="Franklin Gothic Medium"/>
-                <a:cs typeface="Franklin Gothic Medium"/>
-              </a:rPr>
-              <a:t>and</a:t>
-            </a:r>
-            <a:r>
-              <a:rPr sz="4250" spc="-85" dirty="0">
-                <a:solidFill>
-                  <a:srgbClr val="181B0D"/>
-                </a:solidFill>
-                <a:latin typeface="Franklin Gothic Medium"/>
-                <a:cs typeface="Franklin Gothic Medium"/>
-              </a:rPr>
-              <a:t> </a:t>
-            </a:r>
-            <a:r>
-              <a:rPr sz="4250" spc="-10" dirty="0">
-                <a:solidFill>
-                  <a:srgbClr val="181B0D"/>
-                </a:solidFill>
-                <a:latin typeface="Franklin Gothic Medium"/>
-                <a:cs typeface="Franklin Gothic Medium"/>
-              </a:rPr>
-              <a:t>Prior</a:t>
-            </a:r>
-            <a:r>
-              <a:rPr sz="4250" spc="-85" dirty="0">
-                <a:solidFill>
-                  <a:srgbClr val="181B0D"/>
-                </a:solidFill>
-                <a:latin typeface="Franklin Gothic Medium"/>
-                <a:cs typeface="Franklin Gothic Medium"/>
-              </a:rPr>
-              <a:t> </a:t>
-            </a:r>
-            <a:r>
-              <a:rPr sz="4250" spc="-10" dirty="0">
-                <a:solidFill>
-                  <a:srgbClr val="181B0D"/>
-                </a:solidFill>
-                <a:latin typeface="Franklin Gothic Medium"/>
-                <a:cs typeface="Franklin Gothic Medium"/>
-              </a:rPr>
-              <a:t>Works</a:t>
-            </a:r>
-            <a:endParaRPr sz="4250" dirty="0">
-              <a:latin typeface="Franklin Gothic Medium"/>
-              <a:cs typeface="Franklin Gothic Medium"/>
-            </a:endParaRPr>
-          </a:p>
-          <a:p>
-            <a:pPr marL="396875" indent="-384175">
-              <a:lnSpc>
-                <a:spcPts val="2095"/>
-              </a:lnSpc>
-              <a:spcBef>
-                <a:spcPts val="1365"/>
-              </a:spcBef>
-              <a:buChar char="■"/>
-              <a:tabLst>
-                <a:tab pos="396875" algn="l"/>
-              </a:tabLst>
-            </a:pPr>
-            <a:r>
-              <a:rPr sz="1800" spc="-40" dirty="0">
-                <a:solidFill>
-                  <a:srgbClr val="181B0D"/>
-                </a:solidFill>
-                <a:latin typeface="Franklin Gothic Medium"/>
-                <a:cs typeface="Franklin Gothic Medium"/>
-              </a:rPr>
-              <a:t>While</a:t>
-            </a:r>
-            <a:r>
-              <a:rPr sz="1800" spc="-75" dirty="0">
-                <a:solidFill>
-                  <a:srgbClr val="181B0D"/>
-                </a:solidFill>
-                <a:latin typeface="Franklin Gothic Medium"/>
-                <a:cs typeface="Franklin Gothic Medium"/>
-              </a:rPr>
-              <a:t> </a:t>
-            </a:r>
-            <a:r>
-              <a:rPr sz="1800" dirty="0">
-                <a:solidFill>
-                  <a:srgbClr val="181B0D"/>
-                </a:solidFill>
-                <a:latin typeface="Franklin Gothic Medium"/>
-                <a:cs typeface="Franklin Gothic Medium"/>
-              </a:rPr>
-              <a:t>I</a:t>
-            </a:r>
-            <a:r>
-              <a:rPr sz="1800" spc="-75" dirty="0">
-                <a:solidFill>
-                  <a:srgbClr val="181B0D"/>
-                </a:solidFill>
-                <a:latin typeface="Franklin Gothic Medium"/>
-                <a:cs typeface="Franklin Gothic Medium"/>
-              </a:rPr>
-              <a:t> </a:t>
-            </a:r>
-            <a:r>
-              <a:rPr sz="1800" dirty="0">
-                <a:solidFill>
-                  <a:srgbClr val="181B0D"/>
-                </a:solidFill>
-                <a:latin typeface="Franklin Gothic Medium"/>
-                <a:cs typeface="Franklin Gothic Medium"/>
-              </a:rPr>
-              <a:t>didn’t</a:t>
-            </a:r>
-            <a:r>
-              <a:rPr sz="1800" spc="-85" dirty="0">
-                <a:solidFill>
-                  <a:srgbClr val="181B0D"/>
-                </a:solidFill>
-                <a:latin typeface="Franklin Gothic Medium"/>
-                <a:cs typeface="Franklin Gothic Medium"/>
-              </a:rPr>
-              <a:t> </a:t>
-            </a:r>
-            <a:r>
-              <a:rPr sz="1800" spc="-25" dirty="0">
-                <a:solidFill>
-                  <a:srgbClr val="181B0D"/>
-                </a:solidFill>
-                <a:latin typeface="Franklin Gothic Medium"/>
-                <a:cs typeface="Franklin Gothic Medium"/>
-              </a:rPr>
-              <a:t>explicitly</a:t>
-            </a:r>
-            <a:r>
-              <a:rPr sz="1800" spc="-60" dirty="0">
-                <a:solidFill>
-                  <a:srgbClr val="181B0D"/>
-                </a:solidFill>
-                <a:latin typeface="Franklin Gothic Medium"/>
-                <a:cs typeface="Franklin Gothic Medium"/>
-              </a:rPr>
-              <a:t> </a:t>
-            </a:r>
-            <a:r>
-              <a:rPr sz="1800" spc="-25" dirty="0">
-                <a:solidFill>
-                  <a:srgbClr val="181B0D"/>
-                </a:solidFill>
-                <a:latin typeface="Franklin Gothic Medium"/>
-                <a:cs typeface="Franklin Gothic Medium"/>
-              </a:rPr>
-              <a:t>look</a:t>
-            </a:r>
-            <a:r>
-              <a:rPr sz="1800" spc="-55" dirty="0">
-                <a:solidFill>
-                  <a:srgbClr val="181B0D"/>
-                </a:solidFill>
-                <a:latin typeface="Franklin Gothic Medium"/>
-                <a:cs typeface="Franklin Gothic Medium"/>
-              </a:rPr>
-              <a:t> </a:t>
-            </a:r>
-            <a:r>
-              <a:rPr sz="1800" dirty="0">
-                <a:solidFill>
-                  <a:srgbClr val="181B0D"/>
-                </a:solidFill>
-                <a:latin typeface="Franklin Gothic Medium"/>
-                <a:cs typeface="Franklin Gothic Medium"/>
-              </a:rPr>
-              <a:t>for</a:t>
-            </a:r>
-            <a:r>
-              <a:rPr sz="1800" spc="-60" dirty="0">
-                <a:solidFill>
-                  <a:srgbClr val="181B0D"/>
-                </a:solidFill>
-                <a:latin typeface="Franklin Gothic Medium"/>
-                <a:cs typeface="Franklin Gothic Medium"/>
-              </a:rPr>
-              <a:t> </a:t>
-            </a:r>
-            <a:r>
-              <a:rPr sz="1800" dirty="0">
-                <a:solidFill>
-                  <a:srgbClr val="181B0D"/>
-                </a:solidFill>
-                <a:latin typeface="Franklin Gothic Medium"/>
-                <a:cs typeface="Franklin Gothic Medium"/>
-              </a:rPr>
-              <a:t>the</a:t>
-            </a:r>
-            <a:r>
-              <a:rPr sz="1800" spc="-25" dirty="0">
-                <a:solidFill>
-                  <a:srgbClr val="181B0D"/>
-                </a:solidFill>
-                <a:latin typeface="Franklin Gothic Medium"/>
-                <a:cs typeface="Franklin Gothic Medium"/>
-              </a:rPr>
-              <a:t> </a:t>
-            </a:r>
-            <a:r>
-              <a:rPr sz="1800" spc="-10" dirty="0">
-                <a:solidFill>
-                  <a:srgbClr val="181B0D"/>
-                </a:solidFill>
-                <a:latin typeface="Franklin Gothic Medium"/>
-                <a:cs typeface="Franklin Gothic Medium"/>
-              </a:rPr>
-              <a:t>question</a:t>
-            </a:r>
-            <a:r>
-              <a:rPr sz="1800" spc="-55" dirty="0">
-                <a:solidFill>
-                  <a:srgbClr val="181B0D"/>
-                </a:solidFill>
-                <a:latin typeface="Franklin Gothic Medium"/>
-                <a:cs typeface="Franklin Gothic Medium"/>
-              </a:rPr>
-              <a:t> </a:t>
-            </a:r>
-            <a:r>
-              <a:rPr sz="1800" dirty="0">
-                <a:solidFill>
-                  <a:srgbClr val="181B0D"/>
-                </a:solidFill>
-                <a:latin typeface="Franklin Gothic Medium"/>
-                <a:cs typeface="Franklin Gothic Medium"/>
-              </a:rPr>
-              <a:t>there</a:t>
-            </a:r>
-            <a:r>
-              <a:rPr sz="1800" spc="-25" dirty="0">
-                <a:solidFill>
-                  <a:srgbClr val="181B0D"/>
-                </a:solidFill>
-                <a:latin typeface="Franklin Gothic Medium"/>
-                <a:cs typeface="Franklin Gothic Medium"/>
-              </a:rPr>
-              <a:t> </a:t>
-            </a:r>
-            <a:r>
-              <a:rPr sz="1800" dirty="0">
-                <a:solidFill>
-                  <a:srgbClr val="181B0D"/>
-                </a:solidFill>
-                <a:latin typeface="Franklin Gothic Medium"/>
-                <a:cs typeface="Franklin Gothic Medium"/>
-              </a:rPr>
-              <a:t>are</a:t>
-            </a:r>
-            <a:r>
-              <a:rPr sz="1800" spc="-20" dirty="0">
-                <a:solidFill>
-                  <a:srgbClr val="181B0D"/>
-                </a:solidFill>
-                <a:latin typeface="Franklin Gothic Medium"/>
-                <a:cs typeface="Franklin Gothic Medium"/>
-              </a:rPr>
-              <a:t> </a:t>
-            </a:r>
-            <a:r>
-              <a:rPr sz="1800" spc="-35" dirty="0">
-                <a:solidFill>
-                  <a:srgbClr val="181B0D"/>
-                </a:solidFill>
-                <a:latin typeface="Franklin Gothic Medium"/>
-                <a:cs typeface="Franklin Gothic Medium"/>
-              </a:rPr>
-              <a:t>similar</a:t>
-            </a:r>
-            <a:r>
-              <a:rPr sz="1800" spc="-60" dirty="0">
-                <a:solidFill>
-                  <a:srgbClr val="181B0D"/>
-                </a:solidFill>
-                <a:latin typeface="Franklin Gothic Medium"/>
-                <a:cs typeface="Franklin Gothic Medium"/>
-              </a:rPr>
-              <a:t> </a:t>
-            </a:r>
-            <a:r>
-              <a:rPr sz="1800" spc="-20" dirty="0">
-                <a:solidFill>
-                  <a:srgbClr val="181B0D"/>
-                </a:solidFill>
-                <a:latin typeface="Franklin Gothic Medium"/>
-                <a:cs typeface="Franklin Gothic Medium"/>
-              </a:rPr>
-              <a:t>themes</a:t>
-            </a:r>
-            <a:r>
-              <a:rPr sz="1800" spc="-65" dirty="0">
-                <a:solidFill>
-                  <a:srgbClr val="181B0D"/>
-                </a:solidFill>
-                <a:latin typeface="Franklin Gothic Medium"/>
-                <a:cs typeface="Franklin Gothic Medium"/>
-              </a:rPr>
-              <a:t> </a:t>
-            </a:r>
-            <a:r>
-              <a:rPr sz="1800" dirty="0">
-                <a:solidFill>
-                  <a:srgbClr val="181B0D"/>
-                </a:solidFill>
-                <a:latin typeface="Franklin Gothic Medium"/>
-                <a:cs typeface="Franklin Gothic Medium"/>
-              </a:rPr>
-              <a:t>and</a:t>
-            </a:r>
-            <a:r>
-              <a:rPr sz="1800" spc="-60" dirty="0">
-                <a:solidFill>
-                  <a:srgbClr val="181B0D"/>
-                </a:solidFill>
-                <a:latin typeface="Franklin Gothic Medium"/>
-                <a:cs typeface="Franklin Gothic Medium"/>
-              </a:rPr>
-              <a:t> </a:t>
-            </a:r>
-            <a:r>
-              <a:rPr sz="1800" spc="-10" dirty="0">
-                <a:solidFill>
-                  <a:srgbClr val="181B0D"/>
-                </a:solidFill>
-                <a:latin typeface="Franklin Gothic Medium"/>
-                <a:cs typeface="Franklin Gothic Medium"/>
-              </a:rPr>
-              <a:t>projects</a:t>
-            </a:r>
-            <a:endParaRPr sz="1800" dirty="0">
-              <a:latin typeface="Franklin Gothic Medium"/>
-              <a:cs typeface="Franklin Gothic Medium"/>
-            </a:endParaRPr>
-          </a:p>
-          <a:p>
-            <a:pPr marL="396875">
-              <a:lnSpc>
-                <a:spcPts val="2095"/>
-              </a:lnSpc>
-            </a:pPr>
-            <a:r>
-              <a:rPr sz="1800" dirty="0">
-                <a:solidFill>
-                  <a:srgbClr val="181B0D"/>
-                </a:solidFill>
-                <a:latin typeface="Franklin Gothic Medium"/>
-                <a:cs typeface="Franklin Gothic Medium"/>
-              </a:rPr>
-              <a:t>such</a:t>
-            </a:r>
-            <a:r>
-              <a:rPr sz="1800" spc="-30" dirty="0">
-                <a:solidFill>
-                  <a:srgbClr val="181B0D"/>
-                </a:solidFill>
-                <a:latin typeface="Franklin Gothic Medium"/>
-                <a:cs typeface="Franklin Gothic Medium"/>
-              </a:rPr>
-              <a:t> </a:t>
-            </a:r>
-            <a:r>
-              <a:rPr sz="1800" spc="-25" dirty="0">
-                <a:solidFill>
-                  <a:srgbClr val="181B0D"/>
-                </a:solidFill>
-                <a:latin typeface="Franklin Gothic Medium"/>
-                <a:cs typeface="Franklin Gothic Medium"/>
-              </a:rPr>
-              <a:t>as:</a:t>
-            </a:r>
-            <a:endParaRPr sz="1800" dirty="0">
-              <a:latin typeface="Franklin Gothic Medium"/>
-              <a:cs typeface="Franklin Gothic Medium"/>
-            </a:endParaRPr>
-          </a:p>
-          <a:p>
-            <a:pPr marL="542925" marR="390525">
-              <a:lnSpc>
-                <a:spcPct val="125099"/>
-              </a:lnSpc>
-              <a:spcBef>
-                <a:spcPts val="5"/>
-              </a:spcBef>
-            </a:pPr>
-            <a:r>
-              <a:rPr sz="1800" i="1" u="sng" spc="-10" dirty="0">
-                <a:solidFill>
-                  <a:srgbClr val="77A1BA"/>
-                </a:solidFill>
-                <a:uFill>
-                  <a:solidFill>
-                    <a:srgbClr val="77A1BA"/>
-                  </a:solidFill>
-                </a:uFill>
-                <a:latin typeface="Franklin Gothic Medium"/>
-                <a:cs typeface="Franklin Gothic Medium"/>
-                <a:hlinkClick r:id="rId2"/>
-              </a:rPr>
-              <a:t>https://cs.brown.edu/courses/cs100/students/project11/</a:t>
-            </a:r>
-            <a:r>
-              <a:rPr sz="1800" i="1" u="none" spc="-10" dirty="0">
-                <a:solidFill>
-                  <a:srgbClr val="77A1BA"/>
-                </a:solidFill>
-                <a:latin typeface="Franklin Gothic Medium"/>
-                <a:cs typeface="Franklin Gothic Medium"/>
-              </a:rPr>
-              <a:t> </a:t>
-            </a:r>
-            <a:r>
-              <a:rPr sz="1800" i="1" u="sng" spc="-10" dirty="0">
-                <a:solidFill>
-                  <a:srgbClr val="77A1BA"/>
-                </a:solidFill>
-                <a:uFill>
-                  <a:solidFill>
-                    <a:srgbClr val="77A1BA"/>
-                  </a:solidFill>
-                </a:uFill>
-                <a:latin typeface="Franklin Gothic Medium"/>
-                <a:cs typeface="Franklin Gothic Medium"/>
-                <a:hlinkClick r:id="rId3"/>
-              </a:rPr>
-              <a:t>https://www.reddit.com/r/musicleague/comments/kq3p3b/theme_ideas/</a:t>
-            </a:r>
-            <a:endParaRPr sz="1800" dirty="0">
-              <a:latin typeface="Franklin Gothic Medium"/>
-              <a:cs typeface="Franklin Gothic Medium"/>
-            </a:endParaRPr>
-          </a:p>
-        </p:txBody>
-      </p:sp>
-      <p:sp>
-        <p:nvSpPr>
-          <p:cNvPr id="5" name="object 5"/>
-          <p:cNvSpPr txBox="1"/>
-          <p:nvPr/>
-        </p:nvSpPr>
-        <p:spPr>
-          <a:xfrm>
-            <a:off x="985202" y="657860"/>
-            <a:ext cx="1585595" cy="4977130"/>
-          </a:xfrm>
-          <a:prstGeom prst="rect">
-            <a:avLst/>
-          </a:prstGeom>
-        </p:spPr>
-        <p:txBody>
-          <a:bodyPr vert="horz" wrap="square" lIns="0" tIns="74930" rIns="0" bIns="0" rtlCol="0">
-            <a:spAutoFit/>
-          </a:bodyPr>
-          <a:lstStyle/>
-          <a:p>
-            <a:pPr marL="20955" marR="80645">
-              <a:lnSpc>
-                <a:spcPct val="90300"/>
-              </a:lnSpc>
-              <a:spcBef>
-                <a:spcPts val="590"/>
-              </a:spcBef>
-            </a:pPr>
-            <a:r>
-              <a:rPr sz="3950" spc="-25" dirty="0">
-                <a:solidFill>
-                  <a:srgbClr val="181B0D"/>
-                </a:solidFill>
-                <a:latin typeface="Franklin Gothic Medium"/>
-                <a:cs typeface="Franklin Gothic Medium"/>
-              </a:rPr>
-              <a:t>The </a:t>
-            </a:r>
-            <a:r>
-              <a:rPr sz="3950" spc="-10" dirty="0">
-                <a:solidFill>
-                  <a:srgbClr val="181B0D"/>
-                </a:solidFill>
-                <a:latin typeface="Franklin Gothic Medium"/>
-                <a:cs typeface="Franklin Gothic Medium"/>
-              </a:rPr>
-              <a:t>Whose </a:t>
-            </a:r>
-            <a:r>
-              <a:rPr sz="3950" dirty="0">
-                <a:solidFill>
-                  <a:srgbClr val="181B0D"/>
-                </a:solidFill>
-                <a:latin typeface="Franklin Gothic Medium"/>
-                <a:cs typeface="Franklin Gothic Medium"/>
-              </a:rPr>
-              <a:t>Who</a:t>
-            </a:r>
-            <a:r>
-              <a:rPr sz="3950" spc="-185" dirty="0">
-                <a:solidFill>
-                  <a:srgbClr val="181B0D"/>
-                </a:solidFill>
-                <a:latin typeface="Franklin Gothic Medium"/>
-                <a:cs typeface="Franklin Gothic Medium"/>
-              </a:rPr>
-              <a:t> </a:t>
-            </a:r>
-            <a:r>
-              <a:rPr sz="3950" spc="-25" dirty="0">
-                <a:solidFill>
-                  <a:srgbClr val="181B0D"/>
-                </a:solidFill>
-                <a:latin typeface="Franklin Gothic Medium"/>
-                <a:cs typeface="Franklin Gothic Medium"/>
-              </a:rPr>
-              <a:t>in </a:t>
-            </a:r>
-            <a:r>
-              <a:rPr sz="3950" spc="-10" dirty="0">
-                <a:solidFill>
-                  <a:srgbClr val="181B0D"/>
-                </a:solidFill>
-                <a:latin typeface="Franklin Gothic Medium"/>
-                <a:cs typeface="Franklin Gothic Medium"/>
-              </a:rPr>
-              <a:t>Group </a:t>
-            </a:r>
-            <a:r>
-              <a:rPr sz="3950" spc="-25" dirty="0">
-                <a:solidFill>
-                  <a:srgbClr val="181B0D"/>
-                </a:solidFill>
-                <a:latin typeface="Franklin Gothic Medium"/>
-                <a:cs typeface="Franklin Gothic Medium"/>
-              </a:rPr>
-              <a:t>Two</a:t>
-            </a:r>
-            <a:endParaRPr sz="3950">
-              <a:latin typeface="Franklin Gothic Medium"/>
-              <a:cs typeface="Franklin Gothic Medium"/>
-            </a:endParaRPr>
-          </a:p>
-          <a:p>
-            <a:pPr marL="20955">
-              <a:lnSpc>
-                <a:spcPct val="100000"/>
-              </a:lnSpc>
-              <a:spcBef>
-                <a:spcPts val="975"/>
-              </a:spcBef>
-            </a:pPr>
-            <a:r>
-              <a:rPr sz="1800" dirty="0">
-                <a:solidFill>
-                  <a:srgbClr val="181B0D"/>
-                </a:solidFill>
-                <a:latin typeface="Franklin Gothic Medium"/>
-                <a:cs typeface="Franklin Gothic Medium"/>
-              </a:rPr>
-              <a:t>Cole</a:t>
-            </a:r>
-            <a:r>
-              <a:rPr sz="1800" spc="-75" dirty="0">
-                <a:solidFill>
-                  <a:srgbClr val="181B0D"/>
-                </a:solidFill>
-                <a:latin typeface="Franklin Gothic Medium"/>
-                <a:cs typeface="Franklin Gothic Medium"/>
-              </a:rPr>
-              <a:t> </a:t>
-            </a:r>
-            <a:r>
-              <a:rPr sz="1800" spc="-10" dirty="0">
-                <a:solidFill>
-                  <a:srgbClr val="181B0D"/>
-                </a:solidFill>
-                <a:latin typeface="Franklin Gothic Medium"/>
-                <a:cs typeface="Franklin Gothic Medium"/>
-              </a:rPr>
-              <a:t>Gaito</a:t>
-            </a:r>
-            <a:endParaRPr sz="1800">
-              <a:latin typeface="Franklin Gothic Medium"/>
-              <a:cs typeface="Franklin Gothic Medium"/>
-            </a:endParaRPr>
-          </a:p>
-          <a:p>
-            <a:pPr marL="20955" marR="5080">
-              <a:lnSpc>
-                <a:spcPts val="4280"/>
-              </a:lnSpc>
-              <a:spcBef>
-                <a:spcPts val="1825"/>
-              </a:spcBef>
-            </a:pPr>
-            <a:r>
-              <a:rPr sz="3950" spc="-10" dirty="0">
-                <a:solidFill>
-                  <a:srgbClr val="181B0D"/>
-                </a:solidFill>
-                <a:latin typeface="Franklin Gothic Medium"/>
-                <a:cs typeface="Franklin Gothic Medium"/>
-              </a:rPr>
-              <a:t>Where </a:t>
-            </a:r>
-            <a:r>
-              <a:rPr sz="3950" dirty="0">
-                <a:solidFill>
-                  <a:srgbClr val="181B0D"/>
-                </a:solidFill>
-                <a:latin typeface="Franklin Gothic Medium"/>
-                <a:cs typeface="Franklin Gothic Medium"/>
-              </a:rPr>
-              <a:t>you</a:t>
-            </a:r>
-            <a:r>
-              <a:rPr sz="3950" spc="-155" dirty="0">
-                <a:solidFill>
-                  <a:srgbClr val="181B0D"/>
-                </a:solidFill>
-                <a:latin typeface="Franklin Gothic Medium"/>
-                <a:cs typeface="Franklin Gothic Medium"/>
-              </a:rPr>
-              <a:t> </a:t>
-            </a:r>
-            <a:r>
-              <a:rPr sz="3950" spc="-25" dirty="0">
-                <a:solidFill>
-                  <a:srgbClr val="181B0D"/>
-                </a:solidFill>
-                <a:latin typeface="Franklin Gothic Medium"/>
-                <a:cs typeface="Franklin Gothic Medium"/>
-              </a:rPr>
-              <a:t>at?</a:t>
-            </a:r>
-            <a:endParaRPr sz="3950">
-              <a:latin typeface="Franklin Gothic Medium"/>
-              <a:cs typeface="Franklin Gothic Medium"/>
-            </a:endParaRPr>
-          </a:p>
-          <a:p>
-            <a:pPr marL="12700">
-              <a:lnSpc>
-                <a:spcPct val="100000"/>
-              </a:lnSpc>
-              <a:spcBef>
-                <a:spcPts val="1410"/>
-              </a:spcBef>
-            </a:pPr>
-            <a:r>
-              <a:rPr sz="1800" dirty="0">
-                <a:solidFill>
-                  <a:srgbClr val="181B0D"/>
-                </a:solidFill>
-                <a:latin typeface="Franklin Gothic Medium"/>
-                <a:cs typeface="Franklin Gothic Medium"/>
-              </a:rPr>
-              <a:t>Saved</a:t>
-            </a:r>
-            <a:r>
-              <a:rPr sz="1800" spc="-105" dirty="0">
-                <a:solidFill>
-                  <a:srgbClr val="181B0D"/>
-                </a:solidFill>
-                <a:latin typeface="Franklin Gothic Medium"/>
-                <a:cs typeface="Franklin Gothic Medium"/>
-              </a:rPr>
-              <a:t> </a:t>
-            </a:r>
-            <a:r>
-              <a:rPr sz="1800" spc="-10" dirty="0">
-                <a:solidFill>
-                  <a:srgbClr val="181B0D"/>
-                </a:solidFill>
-                <a:latin typeface="Franklin Gothic Medium"/>
-                <a:cs typeface="Franklin Gothic Medium"/>
-              </a:rPr>
-              <a:t>Locally</a:t>
-            </a:r>
-            <a:endParaRPr sz="1800">
-              <a:latin typeface="Franklin Gothic Medium"/>
-              <a:cs typeface="Franklin Gothic Medium"/>
-            </a:endParaRPr>
-          </a:p>
-        </p:txBody>
-      </p:sp>
-    </p:spTree>
   </p:cSld>
   <p:clrMapOvr>
     <a:masterClrMapping/>
@@ -6355,990 +6548,6 @@
 </file>
 
 <file path=ppt/slides/slide5.xml><?xml version="1.0" encoding="utf-8"?>
-<p:sld xmlns:a="http://schemas.openxmlformats.org/drawingml/2006/main" xmlns:r="http://schemas.openxmlformats.org/officeDocument/2006/relationships" xmlns:p="http://schemas.openxmlformats.org/presentationml/2006/main">
-  <p:cSld>
-    <p:spTree>
-      <p:nvGrpSpPr>
-        <p:cNvPr id="1" name=""/>
-        <p:cNvGrpSpPr/>
-        <p:nvPr/>
-      </p:nvGrpSpPr>
-      <p:grpSpPr>
-        <a:xfrm>
-          <a:off x="0" y="0"/>
-          <a:ext cx="0" cy="0"/>
-          <a:chOff x="0" y="0"/>
-          <a:chExt cx="0" cy="0"/>
-        </a:xfrm>
-      </p:grpSpPr>
-      <p:sp>
-        <p:nvSpPr>
-          <p:cNvPr id="2" name="object 2"/>
-          <p:cNvSpPr/>
-          <p:nvPr/>
-        </p:nvSpPr>
-        <p:spPr>
-          <a:xfrm>
-            <a:off x="476250" y="0"/>
-            <a:ext cx="228600" cy="6858000"/>
-          </a:xfrm>
-          <a:custGeom>
-            <a:avLst/>
-            <a:gdLst/>
-            <a:ahLst/>
-            <a:cxnLst/>
-            <a:rect l="l" t="t" r="r" b="b"/>
-            <a:pathLst>
-              <a:path w="228600" h="6858000">
-                <a:moveTo>
-                  <a:pt x="228600" y="0"/>
-                </a:moveTo>
-                <a:lnTo>
-                  <a:pt x="0" y="0"/>
-                </a:lnTo>
-                <a:lnTo>
-                  <a:pt x="0" y="6858000"/>
-                </a:lnTo>
-                <a:lnTo>
-                  <a:pt x="228600" y="6858000"/>
-                </a:lnTo>
-                <a:lnTo>
-                  <a:pt x="228600" y="0"/>
-                </a:lnTo>
-                <a:close/>
-              </a:path>
-            </a:pathLst>
-          </a:custGeom>
-          <a:solidFill>
-            <a:srgbClr val="181B0D"/>
-          </a:solidFill>
-        </p:spPr>
-        <p:txBody>
-          <a:bodyPr wrap="square" lIns="0" tIns="0" rIns="0" bIns="0" rtlCol="0"/>
-          <a:lstStyle/>
-          <a:p>
-            <a:endParaRPr/>
-          </a:p>
-        </p:txBody>
-      </p:sp>
-      <p:sp>
-        <p:nvSpPr>
-          <p:cNvPr id="3" name="object 3"/>
-          <p:cNvSpPr txBox="1">
-            <a:spLocks noGrp="1"/>
-          </p:cNvSpPr>
-          <p:nvPr>
-            <p:ph type="title"/>
-          </p:nvPr>
-        </p:nvSpPr>
-        <p:spPr>
-          <a:prstGeom prst="rect">
-            <a:avLst/>
-          </a:prstGeom>
-        </p:spPr>
-        <p:txBody>
-          <a:bodyPr vert="horz" wrap="square" lIns="0" tIns="16510" rIns="0" bIns="0" rtlCol="0">
-            <a:spAutoFit/>
-          </a:bodyPr>
-          <a:lstStyle/>
-          <a:p>
-            <a:pPr marL="12700">
-              <a:lnSpc>
-                <a:spcPct val="100000"/>
-              </a:lnSpc>
-              <a:spcBef>
-                <a:spcPts val="130"/>
-              </a:spcBef>
-            </a:pPr>
-            <a:r>
-              <a:rPr spc="-20" dirty="0"/>
-              <a:t>When</a:t>
-            </a:r>
-            <a:r>
-              <a:rPr spc="-175" dirty="0"/>
-              <a:t> </a:t>
-            </a:r>
-            <a:r>
-              <a:rPr dirty="0"/>
-              <a:t>do</a:t>
-            </a:r>
-            <a:r>
-              <a:rPr spc="-130" dirty="0"/>
-              <a:t> </a:t>
-            </a:r>
-            <a:r>
-              <a:rPr spc="-10" dirty="0"/>
-              <a:t>we</a:t>
-            </a:r>
-            <a:r>
-              <a:rPr spc="-190" dirty="0"/>
-              <a:t> </a:t>
-            </a:r>
-            <a:r>
-              <a:rPr spc="-75" dirty="0"/>
-              <a:t>know</a:t>
-            </a:r>
-            <a:r>
-              <a:rPr spc="-200" dirty="0"/>
-              <a:t> </a:t>
-            </a:r>
-            <a:r>
-              <a:rPr dirty="0"/>
-              <a:t>we</a:t>
-            </a:r>
-            <a:r>
-              <a:rPr spc="-195" dirty="0"/>
-              <a:t> </a:t>
-            </a:r>
-            <a:r>
-              <a:rPr spc="-10" dirty="0"/>
-              <a:t>have</a:t>
-            </a:r>
-            <a:r>
-              <a:rPr spc="-190" dirty="0"/>
-              <a:t> </a:t>
-            </a:r>
-            <a:r>
-              <a:rPr dirty="0"/>
-              <a:t>a</a:t>
-            </a:r>
-            <a:r>
-              <a:rPr spc="-225" dirty="0"/>
-              <a:t> </a:t>
-            </a:r>
-            <a:r>
-              <a:rPr spc="-20" dirty="0"/>
-              <a:t>hit?</a:t>
-            </a:r>
-          </a:p>
-        </p:txBody>
-      </p:sp>
-      <p:sp>
-        <p:nvSpPr>
-          <p:cNvPr id="4" name="object 4"/>
-          <p:cNvSpPr txBox="1">
-            <a:spLocks noGrp="1"/>
-          </p:cNvSpPr>
-          <p:nvPr>
-            <p:ph type="body" idx="1"/>
-          </p:nvPr>
-        </p:nvSpPr>
-        <p:spPr>
-          <a:prstGeom prst="rect">
-            <a:avLst/>
-          </a:prstGeom>
-        </p:spPr>
-        <p:txBody>
-          <a:bodyPr vert="horz" wrap="square" lIns="0" tIns="146050" rIns="0" bIns="0" rtlCol="0">
-            <a:spAutoFit/>
-          </a:bodyPr>
-          <a:lstStyle/>
-          <a:p>
-            <a:pPr marL="12700">
-              <a:lnSpc>
-                <a:spcPct val="100000"/>
-              </a:lnSpc>
-              <a:spcBef>
-                <a:spcPts val="1150"/>
-              </a:spcBef>
-            </a:pPr>
-            <a:r>
-              <a:rPr spc="-10" dirty="0"/>
-              <a:t>Tools:</a:t>
-            </a:r>
-          </a:p>
-          <a:p>
-            <a:pPr marL="927735" marR="382905">
-              <a:lnSpc>
-                <a:spcPct val="93900"/>
-              </a:lnSpc>
-              <a:spcBef>
-                <a:spcPts val="1205"/>
-              </a:spcBef>
-            </a:pPr>
-            <a:r>
-              <a:rPr spc="-50" dirty="0"/>
-              <a:t>Ultimately,</a:t>
-            </a:r>
-            <a:r>
-              <a:rPr spc="-75" dirty="0"/>
-              <a:t> </a:t>
-            </a:r>
-            <a:r>
-              <a:rPr dirty="0"/>
-              <a:t>I</a:t>
-            </a:r>
-            <a:r>
-              <a:rPr spc="-40" dirty="0"/>
-              <a:t> </a:t>
-            </a:r>
-            <a:r>
-              <a:rPr spc="-65" dirty="0"/>
-              <a:t>am</a:t>
-            </a:r>
-            <a:r>
-              <a:rPr spc="-60" dirty="0"/>
-              <a:t> </a:t>
-            </a:r>
-            <a:r>
-              <a:rPr dirty="0"/>
-              <a:t>sure</a:t>
-            </a:r>
-            <a:r>
-              <a:rPr spc="-85" dirty="0"/>
-              <a:t> </a:t>
-            </a:r>
-            <a:r>
-              <a:rPr dirty="0"/>
-              <a:t>that</a:t>
-            </a:r>
-            <a:r>
-              <a:rPr spc="-50" dirty="0"/>
-              <a:t> </a:t>
-            </a:r>
-            <a:r>
-              <a:rPr dirty="0"/>
-              <a:t>there</a:t>
-            </a:r>
-            <a:r>
-              <a:rPr spc="-20" dirty="0"/>
-              <a:t> </a:t>
-            </a:r>
-            <a:r>
-              <a:rPr dirty="0"/>
-              <a:t>are</a:t>
-            </a:r>
-            <a:r>
-              <a:rPr spc="-95" dirty="0"/>
-              <a:t> </a:t>
-            </a:r>
-            <a:r>
-              <a:rPr dirty="0"/>
-              <a:t>trends</a:t>
-            </a:r>
-            <a:r>
-              <a:rPr spc="-60" dirty="0"/>
-              <a:t> </a:t>
-            </a:r>
-            <a:r>
-              <a:rPr spc="-30" dirty="0"/>
-              <a:t>within</a:t>
-            </a:r>
-            <a:r>
-              <a:rPr spc="-70" dirty="0"/>
-              <a:t> </a:t>
-            </a:r>
-            <a:r>
-              <a:rPr dirty="0"/>
-              <a:t>the</a:t>
-            </a:r>
-            <a:r>
-              <a:rPr spc="-90" dirty="0"/>
-              <a:t> </a:t>
-            </a:r>
-            <a:r>
-              <a:rPr spc="-10" dirty="0"/>
-              <a:t>music</a:t>
-            </a:r>
-            <a:r>
-              <a:rPr spc="-65" dirty="0"/>
-              <a:t> </a:t>
-            </a:r>
-            <a:r>
-              <a:rPr dirty="0"/>
-              <a:t>hits.</a:t>
-            </a:r>
-            <a:r>
-              <a:rPr spc="400" dirty="0"/>
-              <a:t> </a:t>
-            </a:r>
-            <a:r>
-              <a:rPr dirty="0"/>
-              <a:t>I</a:t>
-            </a:r>
-            <a:r>
-              <a:rPr spc="-10" dirty="0"/>
-              <a:t> plan</a:t>
-            </a:r>
-            <a:r>
-              <a:rPr spc="-70" dirty="0"/>
-              <a:t> </a:t>
-            </a:r>
-            <a:r>
-              <a:rPr spc="-25" dirty="0"/>
-              <a:t>on </a:t>
-            </a:r>
-            <a:r>
-              <a:rPr spc="-20" dirty="0"/>
-              <a:t>utilizing</a:t>
-            </a:r>
-            <a:r>
-              <a:rPr spc="-60" dirty="0"/>
-              <a:t> </a:t>
-            </a:r>
-            <a:r>
-              <a:rPr spc="-20" dirty="0"/>
-              <a:t>Jupyter</a:t>
-            </a:r>
-            <a:r>
-              <a:rPr spc="-70" dirty="0"/>
-              <a:t> </a:t>
-            </a:r>
-            <a:r>
-              <a:rPr spc="-25" dirty="0"/>
-              <a:t>Notebooks</a:t>
-            </a:r>
-            <a:r>
-              <a:rPr spc="-80" dirty="0"/>
-              <a:t> </a:t>
-            </a:r>
-            <a:r>
-              <a:rPr dirty="0"/>
-              <a:t>to</a:t>
-            </a:r>
-            <a:r>
-              <a:rPr spc="-105" dirty="0"/>
-              <a:t> </a:t>
-            </a:r>
-            <a:r>
-              <a:rPr dirty="0"/>
-              <a:t>stage</a:t>
-            </a:r>
-            <a:r>
-              <a:rPr spc="-50" dirty="0"/>
-              <a:t> </a:t>
-            </a:r>
-            <a:r>
-              <a:rPr dirty="0"/>
-              <a:t>all</a:t>
-            </a:r>
-            <a:r>
-              <a:rPr spc="-55" dirty="0"/>
-              <a:t> </a:t>
-            </a:r>
-            <a:r>
-              <a:rPr dirty="0"/>
-              <a:t>the</a:t>
-            </a:r>
-            <a:r>
-              <a:rPr spc="-50" dirty="0"/>
-              <a:t> </a:t>
-            </a:r>
-            <a:r>
-              <a:rPr spc="-20" dirty="0"/>
-              <a:t>associated</a:t>
-            </a:r>
-            <a:r>
-              <a:rPr spc="-80" dirty="0"/>
-              <a:t> </a:t>
-            </a:r>
-            <a:r>
-              <a:rPr dirty="0"/>
-              <a:t>code.</a:t>
-            </a:r>
-            <a:r>
-              <a:rPr spc="365" dirty="0"/>
-              <a:t> </a:t>
-            </a:r>
-            <a:r>
-              <a:rPr spc="-30" dirty="0"/>
-              <a:t>Python3</a:t>
-            </a:r>
-            <a:r>
-              <a:rPr spc="-95" dirty="0"/>
-              <a:t> </a:t>
-            </a:r>
-            <a:r>
-              <a:rPr spc="-20" dirty="0"/>
-              <a:t>will</a:t>
-            </a:r>
-            <a:r>
-              <a:rPr spc="-55" dirty="0"/>
-              <a:t> </a:t>
-            </a:r>
-            <a:r>
-              <a:rPr spc="-25" dirty="0"/>
-              <a:t>be </a:t>
-            </a:r>
-            <a:r>
-              <a:rPr dirty="0"/>
-              <a:t>the</a:t>
-            </a:r>
-            <a:r>
-              <a:rPr spc="-125" dirty="0"/>
-              <a:t> </a:t>
-            </a:r>
-            <a:r>
-              <a:rPr dirty="0"/>
-              <a:t>base</a:t>
-            </a:r>
-            <a:r>
-              <a:rPr spc="-125" dirty="0"/>
-              <a:t> </a:t>
-            </a:r>
-            <a:r>
-              <a:rPr dirty="0"/>
-              <a:t>coding</a:t>
-            </a:r>
-            <a:r>
-              <a:rPr spc="-75" dirty="0"/>
-              <a:t> </a:t>
-            </a:r>
-            <a:r>
-              <a:rPr dirty="0"/>
-              <a:t>language.</a:t>
-            </a:r>
-            <a:r>
-              <a:rPr spc="340" dirty="0"/>
-              <a:t> </a:t>
-            </a:r>
-            <a:r>
-              <a:rPr dirty="0"/>
-              <a:t>I</a:t>
-            </a:r>
-            <a:r>
-              <a:rPr spc="-40" dirty="0"/>
-              <a:t> </a:t>
-            </a:r>
-            <a:r>
-              <a:rPr spc="-10" dirty="0"/>
-              <a:t>assume</a:t>
-            </a:r>
-            <a:r>
-              <a:rPr spc="-114" dirty="0"/>
-              <a:t> </a:t>
-            </a:r>
-            <a:r>
-              <a:rPr dirty="0"/>
-              <a:t>that</a:t>
-            </a:r>
-            <a:r>
-              <a:rPr spc="-75" dirty="0"/>
-              <a:t> </a:t>
-            </a:r>
-            <a:r>
-              <a:rPr spc="-35" dirty="0"/>
-              <a:t>plotting</a:t>
-            </a:r>
-            <a:r>
-              <a:rPr spc="-75" dirty="0"/>
-              <a:t> </a:t>
-            </a:r>
-            <a:r>
-              <a:rPr spc="-20" dirty="0"/>
-              <a:t>will</a:t>
-            </a:r>
-            <a:r>
-              <a:rPr spc="-65" dirty="0"/>
-              <a:t> </a:t>
-            </a:r>
-            <a:r>
-              <a:rPr dirty="0"/>
-              <a:t>need</a:t>
-            </a:r>
-            <a:r>
-              <a:rPr spc="-90" dirty="0"/>
-              <a:t> </a:t>
-            </a:r>
-            <a:r>
-              <a:rPr dirty="0"/>
-              <a:t>to</a:t>
-            </a:r>
-            <a:r>
-              <a:rPr spc="-55" dirty="0"/>
-              <a:t> </a:t>
-            </a:r>
-            <a:r>
-              <a:rPr dirty="0"/>
-              <a:t>occur</a:t>
-            </a:r>
-            <a:r>
-              <a:rPr spc="-110" dirty="0"/>
-              <a:t> </a:t>
-            </a:r>
-            <a:r>
-              <a:rPr spc="-25" dirty="0"/>
-              <a:t>so </a:t>
-            </a:r>
-            <a:r>
-              <a:rPr spc="-20" dirty="0"/>
-              <a:t>ScikitLearn</a:t>
-            </a:r>
-            <a:r>
-              <a:rPr spc="-25" dirty="0"/>
-              <a:t> </a:t>
-            </a:r>
-            <a:r>
-              <a:rPr spc="-20" dirty="0"/>
-              <a:t>will</a:t>
-            </a:r>
-            <a:r>
-              <a:rPr spc="-40" dirty="0"/>
-              <a:t> </a:t>
-            </a:r>
-            <a:r>
-              <a:rPr dirty="0"/>
-              <a:t>also</a:t>
-            </a:r>
-            <a:r>
-              <a:rPr spc="-95" dirty="0"/>
-              <a:t> </a:t>
-            </a:r>
-            <a:r>
-              <a:rPr dirty="0"/>
-              <a:t>be</a:t>
-            </a:r>
-            <a:r>
-              <a:rPr spc="-35" dirty="0"/>
-              <a:t> </a:t>
-            </a:r>
-            <a:r>
-              <a:rPr dirty="0"/>
-              <a:t>a</a:t>
-            </a:r>
-            <a:r>
-              <a:rPr spc="-45" dirty="0"/>
-              <a:t> </a:t>
-            </a:r>
-            <a:r>
-              <a:rPr spc="-20" dirty="0"/>
-              <a:t>functional</a:t>
-            </a:r>
-            <a:r>
-              <a:rPr spc="-40" dirty="0"/>
-              <a:t> </a:t>
-            </a:r>
-            <a:r>
-              <a:rPr spc="-10" dirty="0"/>
-              <a:t>library.</a:t>
-            </a:r>
-          </a:p>
-          <a:p>
-            <a:pPr>
-              <a:lnSpc>
-                <a:spcPct val="100000"/>
-              </a:lnSpc>
-              <a:spcBef>
-                <a:spcPts val="2240"/>
-              </a:spcBef>
-            </a:pPr>
-            <a:endParaRPr spc="-10" dirty="0"/>
-          </a:p>
-          <a:p>
-            <a:pPr marL="12700">
-              <a:lnSpc>
-                <a:spcPct val="100000"/>
-              </a:lnSpc>
-            </a:pPr>
-            <a:r>
-              <a:rPr spc="-10" dirty="0"/>
-              <a:t>Evaluation:</a:t>
-            </a:r>
-          </a:p>
-          <a:p>
-            <a:pPr marL="927735" marR="5080">
-              <a:lnSpc>
-                <a:spcPts val="2250"/>
-              </a:lnSpc>
-              <a:spcBef>
-                <a:spcPts val="1330"/>
-              </a:spcBef>
-            </a:pPr>
-            <a:r>
-              <a:rPr dirty="0"/>
-              <a:t>In</a:t>
-            </a:r>
-            <a:r>
-              <a:rPr spc="-90" dirty="0"/>
-              <a:t> </a:t>
-            </a:r>
-            <a:r>
-              <a:rPr spc="-25" dirty="0"/>
-              <a:t>terms</a:t>
-            </a:r>
-            <a:r>
-              <a:rPr spc="-65" dirty="0"/>
-              <a:t> </a:t>
-            </a:r>
-            <a:r>
-              <a:rPr dirty="0"/>
-              <a:t>of</a:t>
-            </a:r>
-            <a:r>
-              <a:rPr spc="-114" dirty="0"/>
-              <a:t> </a:t>
-            </a:r>
-            <a:r>
-              <a:rPr spc="-10" dirty="0"/>
-              <a:t>finishing,</a:t>
-            </a:r>
-            <a:r>
-              <a:rPr spc="-85" dirty="0"/>
-              <a:t> </a:t>
-            </a:r>
-            <a:r>
-              <a:rPr dirty="0"/>
-              <a:t>being</a:t>
-            </a:r>
-            <a:r>
-              <a:rPr spc="-55" dirty="0"/>
-              <a:t> </a:t>
-            </a:r>
-            <a:r>
-              <a:rPr dirty="0"/>
-              <a:t>able</a:t>
-            </a:r>
-            <a:r>
-              <a:rPr spc="-110" dirty="0"/>
-              <a:t> </a:t>
-            </a:r>
-            <a:r>
-              <a:rPr dirty="0"/>
-              <a:t>to</a:t>
-            </a:r>
-            <a:r>
-              <a:rPr spc="-105" dirty="0"/>
-              <a:t> </a:t>
-            </a:r>
-            <a:r>
-              <a:rPr dirty="0"/>
-              <a:t>capture</a:t>
-            </a:r>
-            <a:r>
-              <a:rPr spc="-105" dirty="0"/>
-              <a:t> </a:t>
-            </a:r>
-            <a:r>
-              <a:rPr dirty="0"/>
-              <a:t>trends,</a:t>
-            </a:r>
-            <a:r>
-              <a:rPr spc="-85" dirty="0"/>
-              <a:t> </a:t>
-            </a:r>
-            <a:r>
-              <a:rPr dirty="0"/>
-              <a:t>or</a:t>
-            </a:r>
-            <a:r>
-              <a:rPr spc="-35" dirty="0"/>
-              <a:t> </a:t>
-            </a:r>
-            <a:r>
-              <a:rPr spc="-10" dirty="0"/>
-              <a:t>dispel</a:t>
-            </a:r>
-            <a:r>
-              <a:rPr spc="-114" dirty="0"/>
-              <a:t> </a:t>
-            </a:r>
-            <a:r>
-              <a:rPr dirty="0"/>
-              <a:t>the</a:t>
-            </a:r>
-            <a:r>
-              <a:rPr spc="-105" dirty="0"/>
-              <a:t> </a:t>
-            </a:r>
-            <a:r>
-              <a:rPr dirty="0"/>
-              <a:t>idea</a:t>
-            </a:r>
-            <a:r>
-              <a:rPr spc="-55" dirty="0"/>
-              <a:t> </a:t>
-            </a:r>
-            <a:r>
-              <a:rPr spc="-20" dirty="0"/>
-              <a:t>that</a:t>
-            </a:r>
-            <a:r>
-              <a:rPr spc="-60" dirty="0"/>
-              <a:t> </a:t>
-            </a:r>
-            <a:r>
-              <a:rPr spc="-10" dirty="0"/>
-              <a:t>trends </a:t>
-            </a:r>
-            <a:r>
-              <a:rPr spc="-20" dirty="0"/>
-              <a:t>exist</a:t>
-            </a:r>
-            <a:r>
-              <a:rPr spc="-85" dirty="0"/>
-              <a:t> </a:t>
-            </a:r>
-            <a:r>
-              <a:rPr spc="-20" dirty="0"/>
-              <a:t>within</a:t>
-            </a:r>
-            <a:r>
-              <a:rPr spc="-90" dirty="0"/>
-              <a:t> </a:t>
-            </a:r>
-            <a:r>
-              <a:rPr dirty="0"/>
-              <a:t>the</a:t>
-            </a:r>
-            <a:r>
-              <a:rPr spc="-50" dirty="0"/>
-              <a:t> </a:t>
-            </a:r>
-            <a:r>
-              <a:rPr dirty="0"/>
-              <a:t>charts</a:t>
-            </a:r>
-            <a:r>
-              <a:rPr spc="-80" dirty="0"/>
-              <a:t> </a:t>
-            </a:r>
-            <a:r>
-              <a:rPr spc="-40" dirty="0"/>
-              <a:t>among</a:t>
-            </a:r>
-            <a:r>
-              <a:rPr spc="-65" dirty="0"/>
-              <a:t> </a:t>
-            </a:r>
-            <a:r>
-              <a:rPr dirty="0"/>
-              <a:t>lyrics.</a:t>
-            </a:r>
-            <a:r>
-              <a:rPr spc="360" dirty="0"/>
-              <a:t> </a:t>
-            </a:r>
-            <a:r>
-              <a:rPr dirty="0"/>
-              <a:t>If</a:t>
-            </a:r>
-            <a:r>
-              <a:rPr spc="-50" dirty="0"/>
-              <a:t> </a:t>
-            </a:r>
-            <a:r>
-              <a:rPr dirty="0"/>
-              <a:t>the</a:t>
-            </a:r>
-            <a:r>
-              <a:rPr spc="-55" dirty="0"/>
-              <a:t> </a:t>
-            </a:r>
-            <a:r>
-              <a:rPr spc="-10" dirty="0"/>
-              <a:t>data</a:t>
-            </a:r>
-            <a:r>
-              <a:rPr spc="-114" dirty="0"/>
-              <a:t> </a:t>
-            </a:r>
-            <a:r>
-              <a:rPr dirty="0"/>
-              <a:t>isn’t</a:t>
-            </a:r>
-            <a:r>
-              <a:rPr spc="-65" dirty="0"/>
-              <a:t> </a:t>
-            </a:r>
-            <a:r>
-              <a:rPr dirty="0"/>
-              <a:t>dense</a:t>
-            </a:r>
-            <a:r>
-              <a:rPr spc="-114" dirty="0"/>
-              <a:t> </a:t>
-            </a:r>
-            <a:r>
-              <a:rPr spc="-10" dirty="0"/>
-              <a:t>enough</a:t>
-            </a:r>
-            <a:r>
-              <a:rPr spc="-85" dirty="0"/>
-              <a:t> </a:t>
-            </a:r>
-            <a:r>
-              <a:rPr dirty="0"/>
-              <a:t>there</a:t>
-            </a:r>
-            <a:r>
-              <a:rPr spc="-50" dirty="0"/>
-              <a:t> </a:t>
-            </a:r>
-            <a:r>
-              <a:rPr spc="-25" dirty="0"/>
-              <a:t>may </a:t>
-            </a:r>
-            <a:r>
-              <a:rPr dirty="0"/>
-              <a:t>be</a:t>
-            </a:r>
-            <a:r>
-              <a:rPr spc="-40" dirty="0"/>
-              <a:t> </a:t>
-            </a:r>
-            <a:r>
-              <a:rPr spc="-20" dirty="0"/>
-              <a:t>other</a:t>
-            </a:r>
-            <a:r>
-              <a:rPr spc="-95" dirty="0"/>
-              <a:t> </a:t>
-            </a:r>
-            <a:r>
-              <a:rPr spc="-25" dirty="0"/>
-              <a:t>methods</a:t>
-            </a:r>
-            <a:r>
-              <a:rPr spc="-70" dirty="0"/>
-              <a:t> </a:t>
-            </a:r>
-            <a:r>
-              <a:rPr dirty="0"/>
-              <a:t>of</a:t>
-            </a:r>
-            <a:r>
-              <a:rPr spc="-45" dirty="0"/>
-              <a:t> </a:t>
-            </a:r>
-            <a:r>
-              <a:rPr spc="-25" dirty="0"/>
-              <a:t>evaluation</a:t>
-            </a:r>
-            <a:r>
-              <a:rPr spc="-80" dirty="0"/>
-              <a:t> </a:t>
-            </a:r>
-            <a:r>
-              <a:rPr spc="-20" dirty="0"/>
-              <a:t>like</a:t>
-            </a:r>
-            <a:r>
-              <a:rPr spc="-40" dirty="0"/>
-              <a:t> </a:t>
-            </a:r>
-            <a:r>
-              <a:rPr dirty="0"/>
-              <a:t>beat</a:t>
-            </a:r>
-            <a:r>
-              <a:rPr spc="-55" dirty="0"/>
-              <a:t> </a:t>
-            </a:r>
-            <a:r>
-              <a:rPr dirty="0"/>
-              <a:t>and</a:t>
-            </a:r>
-            <a:r>
-              <a:rPr spc="-70" dirty="0"/>
-              <a:t> </a:t>
-            </a:r>
-            <a:r>
-              <a:rPr dirty="0"/>
-              <a:t>chord</a:t>
-            </a:r>
-            <a:r>
-              <a:rPr spc="-65" dirty="0"/>
-              <a:t> </a:t>
-            </a:r>
-            <a:r>
-              <a:rPr spc="-20" dirty="0"/>
-              <a:t>progression,</a:t>
-            </a:r>
-            <a:r>
-              <a:rPr spc="-85" dirty="0"/>
-              <a:t> </a:t>
-            </a:r>
-            <a:r>
-              <a:rPr dirty="0"/>
-              <a:t>but</a:t>
-            </a:r>
-            <a:r>
-              <a:rPr spc="-60" dirty="0"/>
-              <a:t> </a:t>
-            </a:r>
-            <a:r>
-              <a:rPr dirty="0"/>
-              <a:t>for</a:t>
-            </a:r>
-            <a:r>
-              <a:rPr spc="-30" dirty="0"/>
-              <a:t> </a:t>
-            </a:r>
-            <a:r>
-              <a:rPr spc="-25" dirty="0"/>
-              <a:t>the</a:t>
-            </a:r>
-          </a:p>
-          <a:p>
-            <a:pPr marL="927735">
-              <a:lnSpc>
-                <a:spcPts val="2210"/>
-              </a:lnSpc>
-            </a:pPr>
-            <a:r>
-              <a:rPr spc="-40" dirty="0"/>
-              <a:t>moment,</a:t>
-            </a:r>
-            <a:r>
-              <a:rPr spc="-75" dirty="0"/>
-              <a:t> </a:t>
-            </a:r>
-            <a:r>
-              <a:rPr dirty="0"/>
-              <a:t>I</a:t>
-            </a:r>
-            <a:r>
-              <a:rPr spc="-70" dirty="0"/>
-              <a:t> </a:t>
-            </a:r>
-            <a:r>
-              <a:rPr dirty="0"/>
-              <a:t>don’t</a:t>
-            </a:r>
-            <a:r>
-              <a:rPr spc="-45" dirty="0"/>
-              <a:t> </a:t>
-            </a:r>
-            <a:r>
-              <a:rPr spc="-10" dirty="0"/>
-              <a:t>plan</a:t>
-            </a:r>
-            <a:r>
-              <a:rPr spc="-65" dirty="0"/>
-              <a:t> </a:t>
-            </a:r>
-            <a:r>
-              <a:rPr dirty="0"/>
-              <a:t>on</a:t>
-            </a:r>
-            <a:r>
-              <a:rPr spc="-70" dirty="0"/>
-              <a:t> </a:t>
-            </a:r>
-            <a:r>
-              <a:rPr spc="-20" dirty="0"/>
-              <a:t>analyzing</a:t>
-            </a:r>
-            <a:r>
-              <a:rPr spc="-35" dirty="0"/>
-              <a:t> </a:t>
-            </a:r>
-            <a:r>
-              <a:rPr spc="-10" dirty="0"/>
-              <a:t>that.</a:t>
-            </a:r>
-          </a:p>
-        </p:txBody>
-      </p:sp>
-    </p:spTree>
-  </p:cSld>
-  <p:clrMapOvr>
-    <a:masterClrMapping/>
-  </p:clrMapOvr>
-</p:sld>
-</file>
-
-<file path=ppt/slides/slide6.xml><?xml version="1.0" encoding="utf-8"?>
 <p:sld xmlns:a="http://schemas.openxmlformats.org/drawingml/2006/main" xmlns:r="http://schemas.openxmlformats.org/officeDocument/2006/relationships" xmlns:p="http://schemas.openxmlformats.org/presentationml/2006/main">
   <p:cSld>
     <p:spTree>
@@ -7637,7 +6846,7 @@
 </p:sld>
 </file>
 
-<file path=ppt/slides/slide7.xml><?xml version="1.0" encoding="utf-8"?>
+<file path=ppt/slides/slide6.xml><?xml version="1.0" encoding="utf-8"?>
 <p:sld xmlns:a="http://schemas.openxmlformats.org/drawingml/2006/main" xmlns:r="http://schemas.openxmlformats.org/officeDocument/2006/relationships" xmlns:p="http://schemas.openxmlformats.org/presentationml/2006/main">
   <p:cSld>
     <p:spTree>
@@ -7853,7 +7062,7 @@
 </p:sld>
 </file>
 
-<file path=ppt/slides/slide8.xml><?xml version="1.0" encoding="utf-8"?>
+<file path=ppt/slides/slide7.xml><?xml version="1.0" encoding="utf-8"?>
 <p:sld xmlns:a="http://schemas.openxmlformats.org/drawingml/2006/main" xmlns:r="http://schemas.openxmlformats.org/officeDocument/2006/relationships" xmlns:p="http://schemas.openxmlformats.org/presentationml/2006/main">
   <p:cSld>
     <p:spTree>
@@ -8025,7 +7234,7 @@
             <a:pPr lvl="6"/>
             <a:r>
               <a:rPr lang="en-US" sz="2000" dirty="0"/>
-              <a:t>	– Yes, though with limited accuracy t0 19%.</a:t>
+              <a:t>	– Yes, though with limited accuracy to 19%.</a:t>
             </a:r>
           </a:p>
           <a:p>
